--- a/documents/基于音频预处理过程的语音识别系统攻击2.4.pptx
+++ b/documents/基于音频预处理过程的语音识别系统攻击2.4.pptx
@@ -5,7 +5,7 @@
     <p:sldMasterId id="2147483648" r:id="rId1"/>
   </p:sldMasterIdLst>
   <p:notesMasterIdLst>
-    <p:notesMasterId r:id="rId54"/>
+    <p:notesMasterId r:id="rId57"/>
   </p:notesMasterIdLst>
   <p:sldIdLst>
     <p:sldId id="337" r:id="rId2"/>
@@ -60,6 +60,9 @@
     <p:sldId id="385" r:id="rId51"/>
     <p:sldId id="387" r:id="rId52"/>
     <p:sldId id="386" r:id="rId53"/>
+    <p:sldId id="397" r:id="rId54"/>
+    <p:sldId id="398" r:id="rId55"/>
+    <p:sldId id="399" r:id="rId56"/>
   </p:sldIdLst>
   <p:sldSz cx="12192000" cy="6858000"/>
   <p:notesSz cx="9874250" cy="6797675"/>
@@ -251,7 +254,7 @@
           <a:p>
             <a:fld id="{8F4F2EAB-82EF-4749-B0A6-32E8CB1FB1E4}" type="datetimeFigureOut">
               <a:rPr lang="zh-CN" altLang="en-US" smtClean="0"/>
-              <a:t>2020/3/29</a:t>
+              <a:t>2020/4/1</a:t>
             </a:fld>
             <a:endParaRPr lang="zh-CN" altLang="en-US"/>
           </a:p>
@@ -2774,11 +2777,7 @@
             </a:r>
             <a:r>
               <a:rPr lang="zh-CN" altLang="en-US" dirty="0" smtClean="0"/>
-              <a:t>是</a:t>
-            </a:r>
-            <a:r>
-              <a:rPr lang="zh-CN" altLang="en-US" dirty="0" smtClean="0"/>
-              <a:t>总长度</a:t>
+              <a:t>是总长度</a:t>
             </a:r>
             <a:endParaRPr lang="en-US" altLang="zh-CN" dirty="0" smtClean="0"/>
           </a:p>
@@ -4449,6 +4448,258 @@
     <p:extLst>
       <p:ext uri="{BB962C8B-B14F-4D97-AF65-F5344CB8AC3E}">
         <p14:creationId xmlns:p14="http://schemas.microsoft.com/office/powerpoint/2010/main" val="1274076199"/>
+      </p:ext>
+    </p:extLst>
+  </p:cSld>
+  <p:clrMapOvr>
+    <a:masterClrMapping/>
+  </p:clrMapOvr>
+</p:notes>
+</file>
+
+<file path=ppt/notesSlides/notesSlide45.xml><?xml version="1.0" encoding="utf-8"?>
+<p:notes xmlns:a="http://schemas.openxmlformats.org/drawingml/2006/main" xmlns:r="http://schemas.openxmlformats.org/officeDocument/2006/relationships" xmlns:p="http://schemas.openxmlformats.org/presentationml/2006/main">
+  <p:cSld>
+    <p:spTree>
+      <p:nvGrpSpPr>
+        <p:cNvPr id="1" name=""/>
+        <p:cNvGrpSpPr/>
+        <p:nvPr/>
+      </p:nvGrpSpPr>
+      <p:grpSpPr>
+        <a:xfrm>
+          <a:off x="0" y="0"/>
+          <a:ext cx="0" cy="0"/>
+          <a:chOff x="0" y="0"/>
+          <a:chExt cx="0" cy="0"/>
+        </a:xfrm>
+      </p:grpSpPr>
+      <p:sp>
+        <p:nvSpPr>
+          <p:cNvPr id="2" name="幻灯片图像占位符 1"/>
+          <p:cNvSpPr>
+            <a:spLocks noGrp="1" noRot="1" noChangeAspect="1"/>
+          </p:cNvSpPr>
+          <p:nvPr>
+            <p:ph type="sldImg"/>
+          </p:nvPr>
+        </p:nvSpPr>
+        <p:spPr/>
+      </p:sp>
+      <p:sp>
+        <p:nvSpPr>
+          <p:cNvPr id="3" name="备注占位符 2"/>
+          <p:cNvSpPr>
+            <a:spLocks noGrp="1"/>
+          </p:cNvSpPr>
+          <p:nvPr>
+            <p:ph type="body" idx="1"/>
+          </p:nvPr>
+        </p:nvSpPr>
+        <p:spPr/>
+        <p:txBody>
+          <a:bodyPr/>
+          <a:lstStyle/>
+          <a:p>
+            <a:endParaRPr lang="zh-CN" altLang="en-US" dirty="0"/>
+          </a:p>
+        </p:txBody>
+      </p:sp>
+      <p:sp>
+        <p:nvSpPr>
+          <p:cNvPr id="4" name="灯片编号占位符 3"/>
+          <p:cNvSpPr>
+            <a:spLocks noGrp="1"/>
+          </p:cNvSpPr>
+          <p:nvPr>
+            <p:ph type="sldNum" sz="quarter" idx="10"/>
+          </p:nvPr>
+        </p:nvSpPr>
+        <p:spPr/>
+        <p:txBody>
+          <a:bodyPr/>
+          <a:lstStyle/>
+          <a:p>
+            <a:fld id="{2E13179B-82BD-4567-A6FC-5FF2E5270D1F}" type="slidenum">
+              <a:rPr lang="zh-CN" altLang="en-US" smtClean="0"/>
+              <a:t>53</a:t>
+            </a:fld>
+            <a:endParaRPr lang="zh-CN" altLang="en-US"/>
+          </a:p>
+        </p:txBody>
+      </p:sp>
+    </p:spTree>
+    <p:extLst>
+      <p:ext uri="{BB962C8B-B14F-4D97-AF65-F5344CB8AC3E}">
+        <p14:creationId xmlns:p14="http://schemas.microsoft.com/office/powerpoint/2010/main" val="2599212840"/>
+      </p:ext>
+    </p:extLst>
+  </p:cSld>
+  <p:clrMapOvr>
+    <a:masterClrMapping/>
+  </p:clrMapOvr>
+</p:notes>
+</file>
+
+<file path=ppt/notesSlides/notesSlide46.xml><?xml version="1.0" encoding="utf-8"?>
+<p:notes xmlns:a="http://schemas.openxmlformats.org/drawingml/2006/main" xmlns:r="http://schemas.openxmlformats.org/officeDocument/2006/relationships" xmlns:p="http://schemas.openxmlformats.org/presentationml/2006/main">
+  <p:cSld>
+    <p:spTree>
+      <p:nvGrpSpPr>
+        <p:cNvPr id="1" name=""/>
+        <p:cNvGrpSpPr/>
+        <p:nvPr/>
+      </p:nvGrpSpPr>
+      <p:grpSpPr>
+        <a:xfrm>
+          <a:off x="0" y="0"/>
+          <a:ext cx="0" cy="0"/>
+          <a:chOff x="0" y="0"/>
+          <a:chExt cx="0" cy="0"/>
+        </a:xfrm>
+      </p:grpSpPr>
+      <p:sp>
+        <p:nvSpPr>
+          <p:cNvPr id="2" name="幻灯片图像占位符 1"/>
+          <p:cNvSpPr>
+            <a:spLocks noGrp="1" noRot="1" noChangeAspect="1"/>
+          </p:cNvSpPr>
+          <p:nvPr>
+            <p:ph type="sldImg"/>
+          </p:nvPr>
+        </p:nvSpPr>
+        <p:spPr/>
+      </p:sp>
+      <p:sp>
+        <p:nvSpPr>
+          <p:cNvPr id="3" name="备注占位符 2"/>
+          <p:cNvSpPr>
+            <a:spLocks noGrp="1"/>
+          </p:cNvSpPr>
+          <p:nvPr>
+            <p:ph type="body" idx="1"/>
+          </p:nvPr>
+        </p:nvSpPr>
+        <p:spPr/>
+        <p:txBody>
+          <a:bodyPr/>
+          <a:lstStyle/>
+          <a:p>
+            <a:endParaRPr lang="zh-CN" altLang="en-US" dirty="0"/>
+          </a:p>
+        </p:txBody>
+      </p:sp>
+      <p:sp>
+        <p:nvSpPr>
+          <p:cNvPr id="4" name="灯片编号占位符 3"/>
+          <p:cNvSpPr>
+            <a:spLocks noGrp="1"/>
+          </p:cNvSpPr>
+          <p:nvPr>
+            <p:ph type="sldNum" sz="quarter" idx="10"/>
+          </p:nvPr>
+        </p:nvSpPr>
+        <p:spPr/>
+        <p:txBody>
+          <a:bodyPr/>
+          <a:lstStyle/>
+          <a:p>
+            <a:fld id="{2E13179B-82BD-4567-A6FC-5FF2E5270D1F}" type="slidenum">
+              <a:rPr lang="zh-CN" altLang="en-US" smtClean="0"/>
+              <a:t>54</a:t>
+            </a:fld>
+            <a:endParaRPr lang="zh-CN" altLang="en-US"/>
+          </a:p>
+        </p:txBody>
+      </p:sp>
+    </p:spTree>
+    <p:extLst>
+      <p:ext uri="{BB962C8B-B14F-4D97-AF65-F5344CB8AC3E}">
+        <p14:creationId xmlns:p14="http://schemas.microsoft.com/office/powerpoint/2010/main" val="1116097783"/>
+      </p:ext>
+    </p:extLst>
+  </p:cSld>
+  <p:clrMapOvr>
+    <a:masterClrMapping/>
+  </p:clrMapOvr>
+</p:notes>
+</file>
+
+<file path=ppt/notesSlides/notesSlide47.xml><?xml version="1.0" encoding="utf-8"?>
+<p:notes xmlns:a="http://schemas.openxmlformats.org/drawingml/2006/main" xmlns:r="http://schemas.openxmlformats.org/officeDocument/2006/relationships" xmlns:p="http://schemas.openxmlformats.org/presentationml/2006/main">
+  <p:cSld>
+    <p:spTree>
+      <p:nvGrpSpPr>
+        <p:cNvPr id="1" name=""/>
+        <p:cNvGrpSpPr/>
+        <p:nvPr/>
+      </p:nvGrpSpPr>
+      <p:grpSpPr>
+        <a:xfrm>
+          <a:off x="0" y="0"/>
+          <a:ext cx="0" cy="0"/>
+          <a:chOff x="0" y="0"/>
+          <a:chExt cx="0" cy="0"/>
+        </a:xfrm>
+      </p:grpSpPr>
+      <p:sp>
+        <p:nvSpPr>
+          <p:cNvPr id="2" name="幻灯片图像占位符 1"/>
+          <p:cNvSpPr>
+            <a:spLocks noGrp="1" noRot="1" noChangeAspect="1"/>
+          </p:cNvSpPr>
+          <p:nvPr>
+            <p:ph type="sldImg"/>
+          </p:nvPr>
+        </p:nvSpPr>
+        <p:spPr/>
+      </p:sp>
+      <p:sp>
+        <p:nvSpPr>
+          <p:cNvPr id="3" name="备注占位符 2"/>
+          <p:cNvSpPr>
+            <a:spLocks noGrp="1"/>
+          </p:cNvSpPr>
+          <p:nvPr>
+            <p:ph type="body" idx="1"/>
+          </p:nvPr>
+        </p:nvSpPr>
+        <p:spPr/>
+        <p:txBody>
+          <a:bodyPr/>
+          <a:lstStyle/>
+          <a:p>
+            <a:endParaRPr lang="zh-CN" altLang="en-US" dirty="0"/>
+          </a:p>
+        </p:txBody>
+      </p:sp>
+      <p:sp>
+        <p:nvSpPr>
+          <p:cNvPr id="4" name="灯片编号占位符 3"/>
+          <p:cNvSpPr>
+            <a:spLocks noGrp="1"/>
+          </p:cNvSpPr>
+          <p:nvPr>
+            <p:ph type="sldNum" sz="quarter" idx="10"/>
+          </p:nvPr>
+        </p:nvSpPr>
+        <p:spPr/>
+        <p:txBody>
+          <a:bodyPr/>
+          <a:lstStyle/>
+          <a:p>
+            <a:fld id="{2E13179B-82BD-4567-A6FC-5FF2E5270D1F}" type="slidenum">
+              <a:rPr lang="zh-CN" altLang="en-US" smtClean="0"/>
+              <a:t>55</a:t>
+            </a:fld>
+            <a:endParaRPr lang="zh-CN" altLang="en-US"/>
+          </a:p>
+        </p:txBody>
+      </p:sp>
+    </p:spTree>
+    <p:extLst>
+      <p:ext uri="{BB962C8B-B14F-4D97-AF65-F5344CB8AC3E}">
+        <p14:creationId xmlns:p14="http://schemas.microsoft.com/office/powerpoint/2010/main" val="240299381"/>
       </p:ext>
     </p:extLst>
   </p:cSld>
@@ -7171,7 +7422,7 @@
           <p:cNvPr id="5" name="矩形 4">
             <a:extLst>
               <a:ext uri="{FF2B5EF4-FFF2-40B4-BE49-F238E27FC236}">
-                <a16:creationId xmlns:a16="http://schemas.microsoft.com/office/drawing/2014/main" xmlns="" id="{AB1DF3D9-EC08-40CA-853D-48B16F99EE56}"/>
+                <a16:creationId xmlns="" xmlns:a16="http://schemas.microsoft.com/office/drawing/2014/main" id="{AB1DF3D9-EC08-40CA-853D-48B16F99EE56}"/>
               </a:ext>
             </a:extLst>
           </p:cNvPr>
@@ -7347,7 +7598,7 @@
           <p:cNvPr id="8" name="矩形 7">
             <a:extLst>
               <a:ext uri="{FF2B5EF4-FFF2-40B4-BE49-F238E27FC236}">
-                <a16:creationId xmlns:a16="http://schemas.microsoft.com/office/drawing/2014/main" xmlns="" id="{0FDAD747-108F-4A6D-9220-5EA05067FF1E}"/>
+                <a16:creationId xmlns="" xmlns:a16="http://schemas.microsoft.com/office/drawing/2014/main" id="{0FDAD747-108F-4A6D-9220-5EA05067FF1E}"/>
               </a:ext>
             </a:extLst>
           </p:cNvPr>
@@ -7490,7 +7741,7 @@
           <p:cNvPr id="5" name="矩形 4">
             <a:extLst>
               <a:ext uri="{FF2B5EF4-FFF2-40B4-BE49-F238E27FC236}">
-                <a16:creationId xmlns:a16="http://schemas.microsoft.com/office/drawing/2014/main" xmlns="" id="{AB1DF3D9-EC08-40CA-853D-48B16F99EE56}"/>
+                <a16:creationId xmlns="" xmlns:a16="http://schemas.microsoft.com/office/drawing/2014/main" id="{AB1DF3D9-EC08-40CA-853D-48B16F99EE56}"/>
               </a:ext>
             </a:extLst>
           </p:cNvPr>
@@ -7576,7 +7827,7 @@
           <p:cNvPr id="6" name="矩形 5">
             <a:extLst>
               <a:ext uri="{FF2B5EF4-FFF2-40B4-BE49-F238E27FC236}">
-                <a16:creationId xmlns:a16="http://schemas.microsoft.com/office/drawing/2014/main" xmlns="" id="{0FDAD747-108F-4A6D-9220-5EA05067FF1E}"/>
+                <a16:creationId xmlns="" xmlns:a16="http://schemas.microsoft.com/office/drawing/2014/main" id="{0FDAD747-108F-4A6D-9220-5EA05067FF1E}"/>
               </a:ext>
             </a:extLst>
           </p:cNvPr>
@@ -7719,7 +7970,7 @@
           <p:cNvPr id="5" name="矩形 4">
             <a:extLst>
               <a:ext uri="{FF2B5EF4-FFF2-40B4-BE49-F238E27FC236}">
-                <a16:creationId xmlns:a16="http://schemas.microsoft.com/office/drawing/2014/main" xmlns="" id="{AB1DF3D9-EC08-40CA-853D-48B16F99EE56}"/>
+                <a16:creationId xmlns="" xmlns:a16="http://schemas.microsoft.com/office/drawing/2014/main" id="{AB1DF3D9-EC08-40CA-853D-48B16F99EE56}"/>
               </a:ext>
             </a:extLst>
           </p:cNvPr>
@@ -7806,7 +8057,7 @@
           <p:cNvPr id="7" name="矩形 6">
             <a:extLst>
               <a:ext uri="{FF2B5EF4-FFF2-40B4-BE49-F238E27FC236}">
-                <a16:creationId xmlns:a16="http://schemas.microsoft.com/office/drawing/2014/main" xmlns="" id="{0FDAD747-108F-4A6D-9220-5EA05067FF1E}"/>
+                <a16:creationId xmlns="" xmlns:a16="http://schemas.microsoft.com/office/drawing/2014/main" id="{0FDAD747-108F-4A6D-9220-5EA05067FF1E}"/>
               </a:ext>
             </a:extLst>
           </p:cNvPr>
@@ -7919,7 +8170,7 @@
           <p:cNvPr id="9" name="矩形 13" descr="紫色网格">
             <a:extLst>
               <a:ext uri="{FF2B5EF4-FFF2-40B4-BE49-F238E27FC236}">
-                <a16:creationId xmlns:a16="http://schemas.microsoft.com/office/drawing/2014/main" xmlns="" id="{44AEA09D-FD0A-4CA0-883D-93E5EAF762D6}"/>
+                <a16:creationId xmlns="" xmlns:a16="http://schemas.microsoft.com/office/drawing/2014/main" id="{44AEA09D-FD0A-4CA0-883D-93E5EAF762D6}"/>
               </a:ext>
             </a:extLst>
           </p:cNvPr>
@@ -8440,7 +8691,7 @@
           <p:cNvPr id="5" name="矩形 4">
             <a:extLst>
               <a:ext uri="{FF2B5EF4-FFF2-40B4-BE49-F238E27FC236}">
-                <a16:creationId xmlns:a16="http://schemas.microsoft.com/office/drawing/2014/main" xmlns="" id="{AB1DF3D9-EC08-40CA-853D-48B16F99EE56}"/>
+                <a16:creationId xmlns="" xmlns:a16="http://schemas.microsoft.com/office/drawing/2014/main" id="{AB1DF3D9-EC08-40CA-853D-48B16F99EE56}"/>
               </a:ext>
             </a:extLst>
           </p:cNvPr>
@@ -8582,7 +8833,7 @@
           <p:cNvPr id="7" name="矩形 6">
             <a:extLst>
               <a:ext uri="{FF2B5EF4-FFF2-40B4-BE49-F238E27FC236}">
-                <a16:creationId xmlns:a16="http://schemas.microsoft.com/office/drawing/2014/main" xmlns="" id="{0FDAD747-108F-4A6D-9220-5EA05067FF1E}"/>
+                <a16:creationId xmlns="" xmlns:a16="http://schemas.microsoft.com/office/drawing/2014/main" id="{0FDAD747-108F-4A6D-9220-5EA05067FF1E}"/>
               </a:ext>
             </a:extLst>
           </p:cNvPr>
@@ -8725,7 +8976,7 @@
           <p:cNvPr id="5" name="矩形 4">
             <a:extLst>
               <a:ext uri="{FF2B5EF4-FFF2-40B4-BE49-F238E27FC236}">
-                <a16:creationId xmlns:a16="http://schemas.microsoft.com/office/drawing/2014/main" xmlns="" id="{AB1DF3D9-EC08-40CA-853D-48B16F99EE56}"/>
+                <a16:creationId xmlns="" xmlns:a16="http://schemas.microsoft.com/office/drawing/2014/main" id="{AB1DF3D9-EC08-40CA-853D-48B16F99EE56}"/>
               </a:ext>
             </a:extLst>
           </p:cNvPr>
@@ -8913,7 +9164,7 @@
           <p:cNvPr id="9" name="矩形 8">
             <a:extLst>
               <a:ext uri="{FF2B5EF4-FFF2-40B4-BE49-F238E27FC236}">
-                <a16:creationId xmlns:a16="http://schemas.microsoft.com/office/drawing/2014/main" xmlns="" id="{0FDAD747-108F-4A6D-9220-5EA05067FF1E}"/>
+                <a16:creationId xmlns="" xmlns:a16="http://schemas.microsoft.com/office/drawing/2014/main" id="{0FDAD747-108F-4A6D-9220-5EA05067FF1E}"/>
               </a:ext>
             </a:extLst>
           </p:cNvPr>
@@ -9056,7 +9307,7 @@
           <p:cNvPr id="5" name="矩形 4">
             <a:extLst>
               <a:ext uri="{FF2B5EF4-FFF2-40B4-BE49-F238E27FC236}">
-                <a16:creationId xmlns:a16="http://schemas.microsoft.com/office/drawing/2014/main" xmlns="" id="{AB1DF3D9-EC08-40CA-853D-48B16F99EE56}"/>
+                <a16:creationId xmlns="" xmlns:a16="http://schemas.microsoft.com/office/drawing/2014/main" id="{AB1DF3D9-EC08-40CA-853D-48B16F99EE56}"/>
               </a:ext>
             </a:extLst>
           </p:cNvPr>
@@ -9143,7 +9394,7 @@
           <p:cNvPr id="7" name="矩形 6">
             <a:extLst>
               <a:ext uri="{FF2B5EF4-FFF2-40B4-BE49-F238E27FC236}">
-                <a16:creationId xmlns:a16="http://schemas.microsoft.com/office/drawing/2014/main" xmlns="" id="{0FDAD747-108F-4A6D-9220-5EA05067FF1E}"/>
+                <a16:creationId xmlns="" xmlns:a16="http://schemas.microsoft.com/office/drawing/2014/main" id="{0FDAD747-108F-4A6D-9220-5EA05067FF1E}"/>
               </a:ext>
             </a:extLst>
           </p:cNvPr>
@@ -9352,7 +9603,7 @@
           <p:cNvPr id="8" name="矩形 7">
             <a:extLst>
               <a:ext uri="{FF2B5EF4-FFF2-40B4-BE49-F238E27FC236}">
-                <a16:creationId xmlns:a16="http://schemas.microsoft.com/office/drawing/2014/main" xmlns="" id="{0FDAD747-108F-4A6D-9220-5EA05067FF1E}"/>
+                <a16:creationId xmlns="" xmlns:a16="http://schemas.microsoft.com/office/drawing/2014/main" id="{0FDAD747-108F-4A6D-9220-5EA05067FF1E}"/>
               </a:ext>
             </a:extLst>
           </p:cNvPr>
@@ -9465,7 +9716,7 @@
           <p:cNvPr id="10" name="矩形 13" descr="紫色网格">
             <a:extLst>
               <a:ext uri="{FF2B5EF4-FFF2-40B4-BE49-F238E27FC236}">
-                <a16:creationId xmlns:a16="http://schemas.microsoft.com/office/drawing/2014/main" xmlns="" id="{44AEA09D-FD0A-4CA0-883D-93E5EAF762D6}"/>
+                <a16:creationId xmlns="" xmlns:a16="http://schemas.microsoft.com/office/drawing/2014/main" id="{44AEA09D-FD0A-4CA0-883D-93E5EAF762D6}"/>
               </a:ext>
             </a:extLst>
           </p:cNvPr>
@@ -9771,7 +10022,7 @@
           <p:cNvPr id="12" name="矩形 11">
             <a:extLst>
               <a:ext uri="{FF2B5EF4-FFF2-40B4-BE49-F238E27FC236}">
-                <a16:creationId xmlns:a16="http://schemas.microsoft.com/office/drawing/2014/main" xmlns="" id="{0FDAD747-108F-4A6D-9220-5EA05067FF1E}"/>
+                <a16:creationId xmlns="" xmlns:a16="http://schemas.microsoft.com/office/drawing/2014/main" id="{0FDAD747-108F-4A6D-9220-5EA05067FF1E}"/>
               </a:ext>
             </a:extLst>
           </p:cNvPr>
@@ -9865,7 +10116,7 @@
           <p:cNvPr id="9" name="矩形 13" descr="紫色网格">
             <a:extLst>
               <a:ext uri="{FF2B5EF4-FFF2-40B4-BE49-F238E27FC236}">
-                <a16:creationId xmlns:a16="http://schemas.microsoft.com/office/drawing/2014/main" xmlns="" id="{44AEA09D-FD0A-4CA0-883D-93E5EAF762D6}"/>
+                <a16:creationId xmlns="" xmlns:a16="http://schemas.microsoft.com/office/drawing/2014/main" id="{44AEA09D-FD0A-4CA0-883D-93E5EAF762D6}"/>
               </a:ext>
             </a:extLst>
           </p:cNvPr>
@@ -10165,7 +10416,7 @@
           <p:cNvPr id="4" name="矩形 3">
             <a:extLst>
               <a:ext uri="{FF2B5EF4-FFF2-40B4-BE49-F238E27FC236}">
-                <a16:creationId xmlns:a16="http://schemas.microsoft.com/office/drawing/2014/main" xmlns="" id="{0FDAD747-108F-4A6D-9220-5EA05067FF1E}"/>
+                <a16:creationId xmlns="" xmlns:a16="http://schemas.microsoft.com/office/drawing/2014/main" id="{0FDAD747-108F-4A6D-9220-5EA05067FF1E}"/>
               </a:ext>
             </a:extLst>
           </p:cNvPr>
@@ -10256,7 +10507,7 @@
           <p:cNvPr id="7" name="矩形 6">
             <a:extLst>
               <a:ext uri="{FF2B5EF4-FFF2-40B4-BE49-F238E27FC236}">
-                <a16:creationId xmlns:a16="http://schemas.microsoft.com/office/drawing/2014/main" xmlns="" id="{0FDAD747-108F-4A6D-9220-5EA05067FF1E}"/>
+                <a16:creationId xmlns="" xmlns:a16="http://schemas.microsoft.com/office/drawing/2014/main" id="{0FDAD747-108F-4A6D-9220-5EA05067FF1E}"/>
               </a:ext>
             </a:extLst>
           </p:cNvPr>
@@ -10352,7 +10603,7 @@
           <p:cNvPr id="9" name="矩形 13" descr="紫色网格">
             <a:extLst>
               <a:ext uri="{FF2B5EF4-FFF2-40B4-BE49-F238E27FC236}">
-                <a16:creationId xmlns:a16="http://schemas.microsoft.com/office/drawing/2014/main" xmlns="" id="{44AEA09D-FD0A-4CA0-883D-93E5EAF762D6}"/>
+                <a16:creationId xmlns="" xmlns:a16="http://schemas.microsoft.com/office/drawing/2014/main" id="{44AEA09D-FD0A-4CA0-883D-93E5EAF762D6}"/>
               </a:ext>
             </a:extLst>
           </p:cNvPr>
@@ -10652,7 +10903,7 @@
           <p:cNvPr id="12" name="矩形 11">
             <a:extLst>
               <a:ext uri="{FF2B5EF4-FFF2-40B4-BE49-F238E27FC236}">
-                <a16:creationId xmlns:a16="http://schemas.microsoft.com/office/drawing/2014/main" xmlns="" id="{0FDAD747-108F-4A6D-9220-5EA05067FF1E}"/>
+                <a16:creationId xmlns="" xmlns:a16="http://schemas.microsoft.com/office/drawing/2014/main" id="{0FDAD747-108F-4A6D-9220-5EA05067FF1E}"/>
               </a:ext>
             </a:extLst>
           </p:cNvPr>
@@ -10746,7 +10997,7 @@
           <p:cNvPr id="6" name="矩形 13" descr="紫色网格">
             <a:extLst>
               <a:ext uri="{FF2B5EF4-FFF2-40B4-BE49-F238E27FC236}">
-                <a16:creationId xmlns:a16="http://schemas.microsoft.com/office/drawing/2014/main" xmlns="" id="{44AEA09D-FD0A-4CA0-883D-93E5EAF762D6}"/>
+                <a16:creationId xmlns="" xmlns:a16="http://schemas.microsoft.com/office/drawing/2014/main" id="{44AEA09D-FD0A-4CA0-883D-93E5EAF762D6}"/>
               </a:ext>
             </a:extLst>
           </p:cNvPr>
@@ -11078,7 +11329,7 @@
           <p:cNvPr id="52" name="矩形 51">
             <a:extLst>
               <a:ext uri="{FF2B5EF4-FFF2-40B4-BE49-F238E27FC236}">
-                <a16:creationId xmlns:a16="http://schemas.microsoft.com/office/drawing/2014/main" xmlns="" id="{C2B44424-4CFE-4BA2-9FCF-F0A911E8A749}"/>
+                <a16:creationId xmlns="" xmlns:a16="http://schemas.microsoft.com/office/drawing/2014/main" id="{C2B44424-4CFE-4BA2-9FCF-F0A911E8A749}"/>
               </a:ext>
             </a:extLst>
           </p:cNvPr>
@@ -11232,7 +11483,7 @@
           <p:cNvPr id="55" name="直接箭头连接符 54">
             <a:extLst>
               <a:ext uri="{FF2B5EF4-FFF2-40B4-BE49-F238E27FC236}">
-                <a16:creationId xmlns:a16="http://schemas.microsoft.com/office/drawing/2014/main" xmlns="" id="{EDD84E7C-3200-40E5-A3C0-E57D7F9E754E}"/>
+                <a16:creationId xmlns="" xmlns:a16="http://schemas.microsoft.com/office/drawing/2014/main" id="{EDD84E7C-3200-40E5-A3C0-E57D7F9E754E}"/>
               </a:ext>
             </a:extLst>
           </p:cNvPr>
@@ -11265,7 +11516,7 @@
           <p:cNvPr id="59" name="矩形 58">
             <a:extLst>
               <a:ext uri="{FF2B5EF4-FFF2-40B4-BE49-F238E27FC236}">
-                <a16:creationId xmlns:a16="http://schemas.microsoft.com/office/drawing/2014/main" xmlns="" id="{0FDAD747-108F-4A6D-9220-5EA05067FF1E}"/>
+                <a16:creationId xmlns="" xmlns:a16="http://schemas.microsoft.com/office/drawing/2014/main" id="{0FDAD747-108F-4A6D-9220-5EA05067FF1E}"/>
               </a:ext>
             </a:extLst>
           </p:cNvPr>
@@ -11312,7 +11563,7 @@
           <p:cNvPr id="60" name="矩形 59">
             <a:extLst>
               <a:ext uri="{FF2B5EF4-FFF2-40B4-BE49-F238E27FC236}">
-                <a16:creationId xmlns:a16="http://schemas.microsoft.com/office/drawing/2014/main" xmlns="" id="{5CEC9FB1-9CBF-4B7B-A321-DF404030F08B}"/>
+                <a16:creationId xmlns="" xmlns:a16="http://schemas.microsoft.com/office/drawing/2014/main" id="{5CEC9FB1-9CBF-4B7B-A321-DF404030F08B}"/>
               </a:ext>
             </a:extLst>
           </p:cNvPr>
@@ -11398,7 +11649,7 @@
           <p:cNvPr id="63" name="直接箭头连接符 62">
             <a:extLst>
               <a:ext uri="{FF2B5EF4-FFF2-40B4-BE49-F238E27FC236}">
-                <a16:creationId xmlns:a16="http://schemas.microsoft.com/office/drawing/2014/main" xmlns="" id="{5A7FC920-9D22-4290-B80F-F4BDC1DE109A}"/>
+                <a16:creationId xmlns="" xmlns:a16="http://schemas.microsoft.com/office/drawing/2014/main" id="{5A7FC920-9D22-4290-B80F-F4BDC1DE109A}"/>
               </a:ext>
             </a:extLst>
           </p:cNvPr>
@@ -11431,7 +11682,7 @@
           <p:cNvPr id="64" name="矩形 63">
             <a:extLst>
               <a:ext uri="{FF2B5EF4-FFF2-40B4-BE49-F238E27FC236}">
-                <a16:creationId xmlns:a16="http://schemas.microsoft.com/office/drawing/2014/main" xmlns="" id="{45B27A13-37E3-4777-9299-E75CAF1F6F9A}"/>
+                <a16:creationId xmlns="" xmlns:a16="http://schemas.microsoft.com/office/drawing/2014/main" id="{45B27A13-37E3-4777-9299-E75CAF1F6F9A}"/>
               </a:ext>
             </a:extLst>
           </p:cNvPr>
@@ -11479,7 +11730,7 @@
           <p:cNvPr id="65" name="图片 64">
             <a:extLst>
               <a:ext uri="{FF2B5EF4-FFF2-40B4-BE49-F238E27FC236}">
-                <a16:creationId xmlns:a16="http://schemas.microsoft.com/office/drawing/2014/main" xmlns="" id="{36569B5B-566F-4C60-9D63-318931B70CA2}"/>
+                <a16:creationId xmlns="" xmlns:a16="http://schemas.microsoft.com/office/drawing/2014/main" id="{36569B5B-566F-4C60-9D63-318931B70CA2}"/>
               </a:ext>
             </a:extLst>
           </p:cNvPr>
@@ -11515,7 +11766,7 @@
           <p:cNvPr id="66" name="矩形 65">
             <a:extLst>
               <a:ext uri="{FF2B5EF4-FFF2-40B4-BE49-F238E27FC236}">
-                <a16:creationId xmlns:a16="http://schemas.microsoft.com/office/drawing/2014/main" xmlns="" id="{2A55BA5B-CE30-435B-95FB-B00B8161E590}"/>
+                <a16:creationId xmlns="" xmlns:a16="http://schemas.microsoft.com/office/drawing/2014/main" id="{2A55BA5B-CE30-435B-95FB-B00B8161E590}"/>
               </a:ext>
             </a:extLst>
           </p:cNvPr>
@@ -11573,7 +11824,7 @@
           <p:cNvPr id="67" name="矩形 66">
             <a:extLst>
               <a:ext uri="{FF2B5EF4-FFF2-40B4-BE49-F238E27FC236}">
-                <a16:creationId xmlns:a16="http://schemas.microsoft.com/office/drawing/2014/main" xmlns="" id="{C2B44424-4CFE-4BA2-9FCF-F0A911E8A749}"/>
+                <a16:creationId xmlns="" xmlns:a16="http://schemas.microsoft.com/office/drawing/2014/main" id="{C2B44424-4CFE-4BA2-9FCF-F0A911E8A749}"/>
               </a:ext>
             </a:extLst>
           </p:cNvPr>
@@ -11684,7 +11935,7 @@
           <p:cNvPr id="72" name="矩形 13" descr="紫色网格">
             <a:extLst>
               <a:ext uri="{FF2B5EF4-FFF2-40B4-BE49-F238E27FC236}">
-                <a16:creationId xmlns:a16="http://schemas.microsoft.com/office/drawing/2014/main" xmlns="" id="{44AEA09D-FD0A-4CA0-883D-93E5EAF762D6}"/>
+                <a16:creationId xmlns="" xmlns:a16="http://schemas.microsoft.com/office/drawing/2014/main" id="{44AEA09D-FD0A-4CA0-883D-93E5EAF762D6}"/>
               </a:ext>
             </a:extLst>
           </p:cNvPr>
@@ -11951,7 +12202,7 @@
           <p:cNvPr id="73" name="矩形 72">
             <a:extLst>
               <a:ext uri="{FF2B5EF4-FFF2-40B4-BE49-F238E27FC236}">
-                <a16:creationId xmlns:a16="http://schemas.microsoft.com/office/drawing/2014/main" xmlns="" id="{0FDAD747-108F-4A6D-9220-5EA05067FF1E}"/>
+                <a16:creationId xmlns="" xmlns:a16="http://schemas.microsoft.com/office/drawing/2014/main" id="{0FDAD747-108F-4A6D-9220-5EA05067FF1E}"/>
               </a:ext>
             </a:extLst>
           </p:cNvPr>
@@ -11998,7 +12249,7 @@
           <p:cNvPr id="76" name="矩形 75">
             <a:extLst>
               <a:ext uri="{FF2B5EF4-FFF2-40B4-BE49-F238E27FC236}">
-                <a16:creationId xmlns:a16="http://schemas.microsoft.com/office/drawing/2014/main" xmlns="" id="{5CEC9FB1-9CBF-4B7B-A321-DF404030F08B}"/>
+                <a16:creationId xmlns="" xmlns:a16="http://schemas.microsoft.com/office/drawing/2014/main" id="{5CEC9FB1-9CBF-4B7B-A321-DF404030F08B}"/>
               </a:ext>
             </a:extLst>
           </p:cNvPr>
@@ -12084,7 +12335,7 @@
           <p:cNvPr id="77" name="矩形 76">
             <a:extLst>
               <a:ext uri="{FF2B5EF4-FFF2-40B4-BE49-F238E27FC236}">
-                <a16:creationId xmlns:a16="http://schemas.microsoft.com/office/drawing/2014/main" xmlns="" id="{5CEC9FB1-9CBF-4B7B-A321-DF404030F08B}"/>
+                <a16:creationId xmlns="" xmlns:a16="http://schemas.microsoft.com/office/drawing/2014/main" id="{5CEC9FB1-9CBF-4B7B-A321-DF404030F08B}"/>
               </a:ext>
             </a:extLst>
           </p:cNvPr>
@@ -12212,7 +12463,7 @@
           <p:cNvPr id="82" name="直接箭头连接符 81">
             <a:extLst>
               <a:ext uri="{FF2B5EF4-FFF2-40B4-BE49-F238E27FC236}">
-                <a16:creationId xmlns:a16="http://schemas.microsoft.com/office/drawing/2014/main" xmlns="" id="{EDD84E7C-3200-40E5-A3C0-E57D7F9E754E}"/>
+                <a16:creationId xmlns="" xmlns:a16="http://schemas.microsoft.com/office/drawing/2014/main" id="{EDD84E7C-3200-40E5-A3C0-E57D7F9E754E}"/>
               </a:ext>
             </a:extLst>
           </p:cNvPr>
@@ -12245,7 +12496,7 @@
           <p:cNvPr id="85" name="直接箭头连接符 84">
             <a:extLst>
               <a:ext uri="{FF2B5EF4-FFF2-40B4-BE49-F238E27FC236}">
-                <a16:creationId xmlns:a16="http://schemas.microsoft.com/office/drawing/2014/main" xmlns="" id="{EDD84E7C-3200-40E5-A3C0-E57D7F9E754E}"/>
+                <a16:creationId xmlns="" xmlns:a16="http://schemas.microsoft.com/office/drawing/2014/main" id="{EDD84E7C-3200-40E5-A3C0-E57D7F9E754E}"/>
               </a:ext>
             </a:extLst>
           </p:cNvPr>
@@ -12401,7 +12652,7 @@
           <p:cNvPr id="12" name="矩形 11">
             <a:extLst>
               <a:ext uri="{FF2B5EF4-FFF2-40B4-BE49-F238E27FC236}">
-                <a16:creationId xmlns:a16="http://schemas.microsoft.com/office/drawing/2014/main" xmlns="" id="{0FDAD747-108F-4A6D-9220-5EA05067FF1E}"/>
+                <a16:creationId xmlns="" xmlns:a16="http://schemas.microsoft.com/office/drawing/2014/main" id="{0FDAD747-108F-4A6D-9220-5EA05067FF1E}"/>
               </a:ext>
             </a:extLst>
           </p:cNvPr>
@@ -12448,7 +12699,7 @@
           <p:cNvPr id="4" name="矩形 3">
             <a:extLst>
               <a:ext uri="{FF2B5EF4-FFF2-40B4-BE49-F238E27FC236}">
-                <a16:creationId xmlns:a16="http://schemas.microsoft.com/office/drawing/2014/main" xmlns="" id="{0FDAD747-108F-4A6D-9220-5EA05067FF1E}"/>
+                <a16:creationId xmlns="" xmlns:a16="http://schemas.microsoft.com/office/drawing/2014/main" id="{0FDAD747-108F-4A6D-9220-5EA05067FF1E}"/>
               </a:ext>
             </a:extLst>
           </p:cNvPr>
@@ -12706,7 +12957,7 @@
           <p:cNvPr id="12" name="矩形 11">
             <a:extLst>
               <a:ext uri="{FF2B5EF4-FFF2-40B4-BE49-F238E27FC236}">
-                <a16:creationId xmlns:a16="http://schemas.microsoft.com/office/drawing/2014/main" xmlns="" id="{0FDAD747-108F-4A6D-9220-5EA05067FF1E}"/>
+                <a16:creationId xmlns="" xmlns:a16="http://schemas.microsoft.com/office/drawing/2014/main" id="{0FDAD747-108F-4A6D-9220-5EA05067FF1E}"/>
               </a:ext>
             </a:extLst>
           </p:cNvPr>
@@ -12756,7 +13007,7 @@
           <p:cNvPr id="4" name="矩形 3">
             <a:extLst>
               <a:ext uri="{FF2B5EF4-FFF2-40B4-BE49-F238E27FC236}">
-                <a16:creationId xmlns:a16="http://schemas.microsoft.com/office/drawing/2014/main" xmlns="" id="{0FDAD747-108F-4A6D-9220-5EA05067FF1E}"/>
+                <a16:creationId xmlns="" xmlns:a16="http://schemas.microsoft.com/office/drawing/2014/main" id="{0FDAD747-108F-4A6D-9220-5EA05067FF1E}"/>
               </a:ext>
             </a:extLst>
           </p:cNvPr>
@@ -13309,7 +13560,7 @@
           <p:cNvPr id="7" name="矩形 13" descr="紫色网格">
             <a:extLst>
               <a:ext uri="{FF2B5EF4-FFF2-40B4-BE49-F238E27FC236}">
-                <a16:creationId xmlns:a16="http://schemas.microsoft.com/office/drawing/2014/main" xmlns="" id="{44AEA09D-FD0A-4CA0-883D-93E5EAF762D6}"/>
+                <a16:creationId xmlns="" xmlns:a16="http://schemas.microsoft.com/office/drawing/2014/main" id="{44AEA09D-FD0A-4CA0-883D-93E5EAF762D6}"/>
               </a:ext>
             </a:extLst>
           </p:cNvPr>
@@ -13619,7 +13870,7 @@
           <p:cNvPr id="12" name="矩形 11">
             <a:extLst>
               <a:ext uri="{FF2B5EF4-FFF2-40B4-BE49-F238E27FC236}">
-                <a16:creationId xmlns:a16="http://schemas.microsoft.com/office/drawing/2014/main" xmlns="" id="{0FDAD747-108F-4A6D-9220-5EA05067FF1E}"/>
+                <a16:creationId xmlns="" xmlns:a16="http://schemas.microsoft.com/office/drawing/2014/main" id="{0FDAD747-108F-4A6D-9220-5EA05067FF1E}"/>
               </a:ext>
             </a:extLst>
           </p:cNvPr>
@@ -13676,7 +13927,7 @@
           <p:cNvPr id="4" name="矩形 3">
             <a:extLst>
               <a:ext uri="{FF2B5EF4-FFF2-40B4-BE49-F238E27FC236}">
-                <a16:creationId xmlns:a16="http://schemas.microsoft.com/office/drawing/2014/main" xmlns="" id="{0FDAD747-108F-4A6D-9220-5EA05067FF1E}"/>
+                <a16:creationId xmlns="" xmlns:a16="http://schemas.microsoft.com/office/drawing/2014/main" id="{0FDAD747-108F-4A6D-9220-5EA05067FF1E}"/>
               </a:ext>
             </a:extLst>
           </p:cNvPr>
@@ -14053,7 +14304,7 @@
           <p:cNvPr id="12" name="矩形 11">
             <a:extLst>
               <a:ext uri="{FF2B5EF4-FFF2-40B4-BE49-F238E27FC236}">
-                <a16:creationId xmlns:a16="http://schemas.microsoft.com/office/drawing/2014/main" xmlns="" id="{0FDAD747-108F-4A6D-9220-5EA05067FF1E}"/>
+                <a16:creationId xmlns="" xmlns:a16="http://schemas.microsoft.com/office/drawing/2014/main" id="{0FDAD747-108F-4A6D-9220-5EA05067FF1E}"/>
               </a:ext>
             </a:extLst>
           </p:cNvPr>
@@ -14100,7 +14351,7 @@
           <p:cNvPr id="4" name="矩形 3">
             <a:extLst>
               <a:ext uri="{FF2B5EF4-FFF2-40B4-BE49-F238E27FC236}">
-                <a16:creationId xmlns:a16="http://schemas.microsoft.com/office/drawing/2014/main" xmlns="" id="{0FDAD747-108F-4A6D-9220-5EA05067FF1E}"/>
+                <a16:creationId xmlns="" xmlns:a16="http://schemas.microsoft.com/office/drawing/2014/main" id="{0FDAD747-108F-4A6D-9220-5EA05067FF1E}"/>
               </a:ext>
             </a:extLst>
           </p:cNvPr>
@@ -14429,7 +14680,7 @@
           <p:cNvPr id="12" name="矩形 11">
             <a:extLst>
               <a:ext uri="{FF2B5EF4-FFF2-40B4-BE49-F238E27FC236}">
-                <a16:creationId xmlns:a16="http://schemas.microsoft.com/office/drawing/2014/main" xmlns="" id="{0FDAD747-108F-4A6D-9220-5EA05067FF1E}"/>
+                <a16:creationId xmlns="" xmlns:a16="http://schemas.microsoft.com/office/drawing/2014/main" id="{0FDAD747-108F-4A6D-9220-5EA05067FF1E}"/>
               </a:ext>
             </a:extLst>
           </p:cNvPr>
@@ -14489,7 +14740,7 @@
           <p:cNvPr id="4" name="矩形 3">
             <a:extLst>
               <a:ext uri="{FF2B5EF4-FFF2-40B4-BE49-F238E27FC236}">
-                <a16:creationId xmlns:a16="http://schemas.microsoft.com/office/drawing/2014/main" xmlns="" id="{0FDAD747-108F-4A6D-9220-5EA05067FF1E}"/>
+                <a16:creationId xmlns="" xmlns:a16="http://schemas.microsoft.com/office/drawing/2014/main" id="{0FDAD747-108F-4A6D-9220-5EA05067FF1E}"/>
               </a:ext>
             </a:extLst>
           </p:cNvPr>
@@ -15008,7 +15259,7 @@
           <p:cNvPr id="12" name="矩形 11">
             <a:extLst>
               <a:ext uri="{FF2B5EF4-FFF2-40B4-BE49-F238E27FC236}">
-                <a16:creationId xmlns:a16="http://schemas.microsoft.com/office/drawing/2014/main" xmlns="" id="{0FDAD747-108F-4A6D-9220-5EA05067FF1E}"/>
+                <a16:creationId xmlns="" xmlns:a16="http://schemas.microsoft.com/office/drawing/2014/main" id="{0FDAD747-108F-4A6D-9220-5EA05067FF1E}"/>
               </a:ext>
             </a:extLst>
           </p:cNvPr>
@@ -15075,7 +15326,7 @@
           <p:cNvPr id="4" name="矩形 3">
             <a:extLst>
               <a:ext uri="{FF2B5EF4-FFF2-40B4-BE49-F238E27FC236}">
-                <a16:creationId xmlns:a16="http://schemas.microsoft.com/office/drawing/2014/main" xmlns="" id="{0FDAD747-108F-4A6D-9220-5EA05067FF1E}"/>
+                <a16:creationId xmlns="" xmlns:a16="http://schemas.microsoft.com/office/drawing/2014/main" id="{0FDAD747-108F-4A6D-9220-5EA05067FF1E}"/>
               </a:ext>
             </a:extLst>
           </p:cNvPr>
@@ -15405,7 +15656,7 @@
           <p:cNvPr id="12" name="矩形 11">
             <a:extLst>
               <a:ext uri="{FF2B5EF4-FFF2-40B4-BE49-F238E27FC236}">
-                <a16:creationId xmlns:a16="http://schemas.microsoft.com/office/drawing/2014/main" xmlns="" id="{0FDAD747-108F-4A6D-9220-5EA05067FF1E}"/>
+                <a16:creationId xmlns="" xmlns:a16="http://schemas.microsoft.com/office/drawing/2014/main" id="{0FDAD747-108F-4A6D-9220-5EA05067FF1E}"/>
               </a:ext>
             </a:extLst>
           </p:cNvPr>
@@ -15452,7 +15703,7 @@
           <p:cNvPr id="4" name="矩形 3">
             <a:extLst>
               <a:ext uri="{FF2B5EF4-FFF2-40B4-BE49-F238E27FC236}">
-                <a16:creationId xmlns:a16="http://schemas.microsoft.com/office/drawing/2014/main" xmlns="" id="{0FDAD747-108F-4A6D-9220-5EA05067FF1E}"/>
+                <a16:creationId xmlns="" xmlns:a16="http://schemas.microsoft.com/office/drawing/2014/main" id="{0FDAD747-108F-4A6D-9220-5EA05067FF1E}"/>
               </a:ext>
             </a:extLst>
           </p:cNvPr>
@@ -15555,7 +15806,7 @@
           <p:cNvPr id="12" name="矩形 11">
             <a:extLst>
               <a:ext uri="{FF2B5EF4-FFF2-40B4-BE49-F238E27FC236}">
-                <a16:creationId xmlns:a16="http://schemas.microsoft.com/office/drawing/2014/main" xmlns="" id="{0FDAD747-108F-4A6D-9220-5EA05067FF1E}"/>
+                <a16:creationId xmlns="" xmlns:a16="http://schemas.microsoft.com/office/drawing/2014/main" id="{0FDAD747-108F-4A6D-9220-5EA05067FF1E}"/>
               </a:ext>
             </a:extLst>
           </p:cNvPr>
@@ -15663,7 +15914,7 @@
           <p:cNvPr id="12" name="矩形 11">
             <a:extLst>
               <a:ext uri="{FF2B5EF4-FFF2-40B4-BE49-F238E27FC236}">
-                <a16:creationId xmlns:a16="http://schemas.microsoft.com/office/drawing/2014/main" xmlns="" id="{0FDAD747-108F-4A6D-9220-5EA05067FF1E}"/>
+                <a16:creationId xmlns="" xmlns:a16="http://schemas.microsoft.com/office/drawing/2014/main" id="{0FDAD747-108F-4A6D-9220-5EA05067FF1E}"/>
               </a:ext>
             </a:extLst>
           </p:cNvPr>
@@ -15710,7 +15961,7 @@
           <p:cNvPr id="4" name="矩形 3">
             <a:extLst>
               <a:ext uri="{FF2B5EF4-FFF2-40B4-BE49-F238E27FC236}">
-                <a16:creationId xmlns:a16="http://schemas.microsoft.com/office/drawing/2014/main" xmlns="" id="{0FDAD747-108F-4A6D-9220-5EA05067FF1E}"/>
+                <a16:creationId xmlns="" xmlns:a16="http://schemas.microsoft.com/office/drawing/2014/main" id="{0FDAD747-108F-4A6D-9220-5EA05067FF1E}"/>
               </a:ext>
             </a:extLst>
           </p:cNvPr>
@@ -15854,7 +16105,7 @@
           <p:cNvPr id="5" name="矩形 13" descr="紫色网格">
             <a:extLst>
               <a:ext uri="{FF2B5EF4-FFF2-40B4-BE49-F238E27FC236}">
-                <a16:creationId xmlns:a16="http://schemas.microsoft.com/office/drawing/2014/main" xmlns="" id="{44AEA09D-FD0A-4CA0-883D-93E5EAF762D6}"/>
+                <a16:creationId xmlns="" xmlns:a16="http://schemas.microsoft.com/office/drawing/2014/main" id="{44AEA09D-FD0A-4CA0-883D-93E5EAF762D6}"/>
               </a:ext>
             </a:extLst>
           </p:cNvPr>
@@ -16174,7 +16425,7 @@
           <p:cNvPr id="52" name="矩形 51">
             <a:extLst>
               <a:ext uri="{FF2B5EF4-FFF2-40B4-BE49-F238E27FC236}">
-                <a16:creationId xmlns:a16="http://schemas.microsoft.com/office/drawing/2014/main" xmlns="" id="{C2B44424-4CFE-4BA2-9FCF-F0A911E8A749}"/>
+                <a16:creationId xmlns="" xmlns:a16="http://schemas.microsoft.com/office/drawing/2014/main" id="{C2B44424-4CFE-4BA2-9FCF-F0A911E8A749}"/>
               </a:ext>
             </a:extLst>
           </p:cNvPr>
@@ -16328,7 +16579,7 @@
           <p:cNvPr id="55" name="直接箭头连接符 54">
             <a:extLst>
               <a:ext uri="{FF2B5EF4-FFF2-40B4-BE49-F238E27FC236}">
-                <a16:creationId xmlns:a16="http://schemas.microsoft.com/office/drawing/2014/main" xmlns="" id="{EDD84E7C-3200-40E5-A3C0-E57D7F9E754E}"/>
+                <a16:creationId xmlns="" xmlns:a16="http://schemas.microsoft.com/office/drawing/2014/main" id="{EDD84E7C-3200-40E5-A3C0-E57D7F9E754E}"/>
               </a:ext>
             </a:extLst>
           </p:cNvPr>
@@ -16361,7 +16612,7 @@
           <p:cNvPr id="59" name="矩形 58">
             <a:extLst>
               <a:ext uri="{FF2B5EF4-FFF2-40B4-BE49-F238E27FC236}">
-                <a16:creationId xmlns:a16="http://schemas.microsoft.com/office/drawing/2014/main" xmlns="" id="{0FDAD747-108F-4A6D-9220-5EA05067FF1E}"/>
+                <a16:creationId xmlns="" xmlns:a16="http://schemas.microsoft.com/office/drawing/2014/main" id="{0FDAD747-108F-4A6D-9220-5EA05067FF1E}"/>
               </a:ext>
             </a:extLst>
           </p:cNvPr>
@@ -16428,7 +16679,7 @@
           <p:cNvPr id="63" name="直接箭头连接符 62">
             <a:extLst>
               <a:ext uri="{FF2B5EF4-FFF2-40B4-BE49-F238E27FC236}">
-                <a16:creationId xmlns:a16="http://schemas.microsoft.com/office/drawing/2014/main" xmlns="" id="{5A7FC920-9D22-4290-B80F-F4BDC1DE109A}"/>
+                <a16:creationId xmlns="" xmlns:a16="http://schemas.microsoft.com/office/drawing/2014/main" id="{5A7FC920-9D22-4290-B80F-F4BDC1DE109A}"/>
               </a:ext>
             </a:extLst>
           </p:cNvPr>
@@ -16461,7 +16712,7 @@
           <p:cNvPr id="64" name="矩形 63">
             <a:extLst>
               <a:ext uri="{FF2B5EF4-FFF2-40B4-BE49-F238E27FC236}">
-                <a16:creationId xmlns:a16="http://schemas.microsoft.com/office/drawing/2014/main" xmlns="" id="{45B27A13-37E3-4777-9299-E75CAF1F6F9A}"/>
+                <a16:creationId xmlns="" xmlns:a16="http://schemas.microsoft.com/office/drawing/2014/main" id="{45B27A13-37E3-4777-9299-E75CAF1F6F9A}"/>
               </a:ext>
             </a:extLst>
           </p:cNvPr>
@@ -16509,7 +16760,7 @@
           <p:cNvPr id="65" name="图片 64">
             <a:extLst>
               <a:ext uri="{FF2B5EF4-FFF2-40B4-BE49-F238E27FC236}">
-                <a16:creationId xmlns:a16="http://schemas.microsoft.com/office/drawing/2014/main" xmlns="" id="{36569B5B-566F-4C60-9D63-318931B70CA2}"/>
+                <a16:creationId xmlns="" xmlns:a16="http://schemas.microsoft.com/office/drawing/2014/main" id="{36569B5B-566F-4C60-9D63-318931B70CA2}"/>
               </a:ext>
             </a:extLst>
           </p:cNvPr>
@@ -16545,7 +16796,7 @@
           <p:cNvPr id="66" name="矩形 65">
             <a:extLst>
               <a:ext uri="{FF2B5EF4-FFF2-40B4-BE49-F238E27FC236}">
-                <a16:creationId xmlns:a16="http://schemas.microsoft.com/office/drawing/2014/main" xmlns="" id="{2A55BA5B-CE30-435B-95FB-B00B8161E590}"/>
+                <a16:creationId xmlns="" xmlns:a16="http://schemas.microsoft.com/office/drawing/2014/main" id="{2A55BA5B-CE30-435B-95FB-B00B8161E590}"/>
               </a:ext>
             </a:extLst>
           </p:cNvPr>
@@ -16613,7 +16864,7 @@
           <p:cNvPr id="67" name="矩形 66">
             <a:extLst>
               <a:ext uri="{FF2B5EF4-FFF2-40B4-BE49-F238E27FC236}">
-                <a16:creationId xmlns:a16="http://schemas.microsoft.com/office/drawing/2014/main" xmlns="" id="{C2B44424-4CFE-4BA2-9FCF-F0A911E8A749}"/>
+                <a16:creationId xmlns="" xmlns:a16="http://schemas.microsoft.com/office/drawing/2014/main" id="{C2B44424-4CFE-4BA2-9FCF-F0A911E8A749}"/>
               </a:ext>
             </a:extLst>
           </p:cNvPr>
@@ -16691,7 +16942,7 @@
           <p:cNvPr id="73" name="矩形 72">
             <a:extLst>
               <a:ext uri="{FF2B5EF4-FFF2-40B4-BE49-F238E27FC236}">
-                <a16:creationId xmlns:a16="http://schemas.microsoft.com/office/drawing/2014/main" xmlns="" id="{0FDAD747-108F-4A6D-9220-5EA05067FF1E}"/>
+                <a16:creationId xmlns="" xmlns:a16="http://schemas.microsoft.com/office/drawing/2014/main" id="{0FDAD747-108F-4A6D-9220-5EA05067FF1E}"/>
               </a:ext>
             </a:extLst>
           </p:cNvPr>
@@ -16738,7 +16989,7 @@
           <p:cNvPr id="15" name="图片 14">
             <a:extLst>
               <a:ext uri="{FF2B5EF4-FFF2-40B4-BE49-F238E27FC236}">
-                <a16:creationId xmlns:a16="http://schemas.microsoft.com/office/drawing/2014/main" xmlns="" id="{36569B5B-566F-4C60-9D63-318931B70CA2}"/>
+                <a16:creationId xmlns="" xmlns:a16="http://schemas.microsoft.com/office/drawing/2014/main" id="{36569B5B-566F-4C60-9D63-318931B70CA2}"/>
               </a:ext>
             </a:extLst>
           </p:cNvPr>
@@ -16781,7 +17032,7 @@
           <p:cNvPr id="16" name="矩形 13" descr="紫色网格">
             <a:extLst>
               <a:ext uri="{FF2B5EF4-FFF2-40B4-BE49-F238E27FC236}">
-                <a16:creationId xmlns:a16="http://schemas.microsoft.com/office/drawing/2014/main" xmlns="" id="{44AEA09D-FD0A-4CA0-883D-93E5EAF762D6}"/>
+                <a16:creationId xmlns="" xmlns:a16="http://schemas.microsoft.com/office/drawing/2014/main" id="{44AEA09D-FD0A-4CA0-883D-93E5EAF762D6}"/>
               </a:ext>
             </a:extLst>
           </p:cNvPr>
@@ -17187,7 +17438,7 @@
           <p:cNvPr id="12" name="矩形 11">
             <a:extLst>
               <a:ext uri="{FF2B5EF4-FFF2-40B4-BE49-F238E27FC236}">
-                <a16:creationId xmlns:a16="http://schemas.microsoft.com/office/drawing/2014/main" xmlns="" id="{0FDAD747-108F-4A6D-9220-5EA05067FF1E}"/>
+                <a16:creationId xmlns="" xmlns:a16="http://schemas.microsoft.com/office/drawing/2014/main" id="{0FDAD747-108F-4A6D-9220-5EA05067FF1E}"/>
               </a:ext>
             </a:extLst>
           </p:cNvPr>
@@ -17234,7 +17485,7 @@
           <p:cNvPr id="4" name="矩形 3">
             <a:extLst>
               <a:ext uri="{FF2B5EF4-FFF2-40B4-BE49-F238E27FC236}">
-                <a16:creationId xmlns:a16="http://schemas.microsoft.com/office/drawing/2014/main" xmlns="" id="{0FDAD747-108F-4A6D-9220-5EA05067FF1E}"/>
+                <a16:creationId xmlns="" xmlns:a16="http://schemas.microsoft.com/office/drawing/2014/main" id="{0FDAD747-108F-4A6D-9220-5EA05067FF1E}"/>
               </a:ext>
             </a:extLst>
           </p:cNvPr>
@@ -17291,17 +17542,7 @@
                 <a:latin typeface="微软雅黑" panose="020B0503020204020204" pitchFamily="34" charset="-122"/>
                 <a:ea typeface="微软雅黑" panose="020B0503020204020204" pitchFamily="34" charset="-122"/>
               </a:rPr>
-              <a:t>A Review of Time-Scale Modification of Music </a:t>
-            </a:r>
-            <a:r>
-              <a:rPr lang="en-US" altLang="zh-CN" sz="1600" b="1" dirty="0" smtClean="0">
-                <a:solidFill>
-                  <a:srgbClr val="C00000"/>
-                </a:solidFill>
-                <a:latin typeface="微软雅黑" panose="020B0503020204020204" pitchFamily="34" charset="-122"/>
-                <a:ea typeface="微软雅黑" panose="020B0503020204020204" pitchFamily="34" charset="-122"/>
-              </a:rPr>
-              <a:t>Signals</a:t>
+              <a:t>A Review of Time-Scale Modification of Music Signals</a:t>
             </a:r>
           </a:p>
           <a:p>
@@ -17443,7 +17684,7 @@
           <p:cNvPr id="5" name="矩形 4">
             <a:extLst>
               <a:ext uri="{FF2B5EF4-FFF2-40B4-BE49-F238E27FC236}">
-                <a16:creationId xmlns:a16="http://schemas.microsoft.com/office/drawing/2014/main" xmlns="" id="{AB1DF3D9-EC08-40CA-853D-48B16F99EE56}"/>
+                <a16:creationId xmlns="" xmlns:a16="http://schemas.microsoft.com/office/drawing/2014/main" id="{AB1DF3D9-EC08-40CA-853D-48B16F99EE56}"/>
               </a:ext>
             </a:extLst>
           </p:cNvPr>
@@ -17558,7 +17799,7 @@
           <p:cNvPr id="12" name="矩形 11">
             <a:extLst>
               <a:ext uri="{FF2B5EF4-FFF2-40B4-BE49-F238E27FC236}">
-                <a16:creationId xmlns:a16="http://schemas.microsoft.com/office/drawing/2014/main" xmlns="" id="{0FDAD747-108F-4A6D-9220-5EA05067FF1E}"/>
+                <a16:creationId xmlns="" xmlns:a16="http://schemas.microsoft.com/office/drawing/2014/main" id="{0FDAD747-108F-4A6D-9220-5EA05067FF1E}"/>
               </a:ext>
             </a:extLst>
           </p:cNvPr>
@@ -17605,7 +17846,7 @@
           <p:cNvPr id="6" name="矩形 5">
             <a:extLst>
               <a:ext uri="{FF2B5EF4-FFF2-40B4-BE49-F238E27FC236}">
-                <a16:creationId xmlns:a16="http://schemas.microsoft.com/office/drawing/2014/main" xmlns="" id="{0FDAD747-108F-4A6D-9220-5EA05067FF1E}"/>
+                <a16:creationId xmlns="" xmlns:a16="http://schemas.microsoft.com/office/drawing/2014/main" id="{0FDAD747-108F-4A6D-9220-5EA05067FF1E}"/>
               </a:ext>
             </a:extLst>
           </p:cNvPr>
@@ -17781,7 +18022,7 @@
           <p:cNvPr id="12" name="矩形 11">
             <a:extLst>
               <a:ext uri="{FF2B5EF4-FFF2-40B4-BE49-F238E27FC236}">
-                <a16:creationId xmlns:a16="http://schemas.microsoft.com/office/drawing/2014/main" xmlns="" id="{0FDAD747-108F-4A6D-9220-5EA05067FF1E}"/>
+                <a16:creationId xmlns="" xmlns:a16="http://schemas.microsoft.com/office/drawing/2014/main" id="{0FDAD747-108F-4A6D-9220-5EA05067FF1E}"/>
               </a:ext>
             </a:extLst>
           </p:cNvPr>
@@ -17830,7 +18071,7 @@
               <p:cNvPr id="4" name="矩形 3">
                 <a:extLst>
                   <a:ext uri="{FF2B5EF4-FFF2-40B4-BE49-F238E27FC236}">
-                    <a16:creationId xmlns:a16="http://schemas.microsoft.com/office/drawing/2014/main" xmlns="" id="{0FDAD747-108F-4A6D-9220-5EA05067FF1E}"/>
+                    <a16:creationId xmlns="" xmlns:a16="http://schemas.microsoft.com/office/drawing/2014/main" id="{0FDAD747-108F-4A6D-9220-5EA05067FF1E}"/>
                   </a:ext>
                 </a:extLst>
               </p:cNvPr>
@@ -18179,7 +18420,7 @@
           <p:cNvPr id="6" name="矩形 5">
             <a:extLst>
               <a:ext uri="{FF2B5EF4-FFF2-40B4-BE49-F238E27FC236}">
-                <a16:creationId xmlns:a16="http://schemas.microsoft.com/office/drawing/2014/main" xmlns="" id="{AB1DF3D9-EC08-40CA-853D-48B16F99EE56}"/>
+                <a16:creationId xmlns="" xmlns:a16="http://schemas.microsoft.com/office/drawing/2014/main" id="{AB1DF3D9-EC08-40CA-853D-48B16F99EE56}"/>
               </a:ext>
             </a:extLst>
           </p:cNvPr>
@@ -18271,7 +18512,7 @@
           <p:cNvPr id="12" name="矩形 11">
             <a:extLst>
               <a:ext uri="{FF2B5EF4-FFF2-40B4-BE49-F238E27FC236}">
-                <a16:creationId xmlns:a16="http://schemas.microsoft.com/office/drawing/2014/main" xmlns="" id="{0FDAD747-108F-4A6D-9220-5EA05067FF1E}"/>
+                <a16:creationId xmlns="" xmlns:a16="http://schemas.microsoft.com/office/drawing/2014/main" id="{0FDAD747-108F-4A6D-9220-5EA05067FF1E}"/>
               </a:ext>
             </a:extLst>
           </p:cNvPr>
@@ -18320,7 +18561,7 @@
               <p:cNvPr id="4" name="矩形 3">
                 <a:extLst>
                   <a:ext uri="{FF2B5EF4-FFF2-40B4-BE49-F238E27FC236}">
-                    <a16:creationId xmlns:a16="http://schemas.microsoft.com/office/drawing/2014/main" xmlns="" id="{0FDAD747-108F-4A6D-9220-5EA05067FF1E}"/>
+                    <a16:creationId xmlns="" xmlns:a16="http://schemas.microsoft.com/office/drawing/2014/main" id="{0FDAD747-108F-4A6D-9220-5EA05067FF1E}"/>
                   </a:ext>
                 </a:extLst>
               </p:cNvPr>
@@ -18645,7 +18886,7 @@
           <p:cNvPr id="6" name="矩形 5">
             <a:extLst>
               <a:ext uri="{FF2B5EF4-FFF2-40B4-BE49-F238E27FC236}">
-                <a16:creationId xmlns:a16="http://schemas.microsoft.com/office/drawing/2014/main" xmlns="" id="{AB1DF3D9-EC08-40CA-853D-48B16F99EE56}"/>
+                <a16:creationId xmlns="" xmlns:a16="http://schemas.microsoft.com/office/drawing/2014/main" id="{AB1DF3D9-EC08-40CA-853D-48B16F99EE56}"/>
               </a:ext>
             </a:extLst>
           </p:cNvPr>
@@ -18761,7 +19002,7 @@
           <p:cNvPr id="12" name="矩形 11">
             <a:extLst>
               <a:ext uri="{FF2B5EF4-FFF2-40B4-BE49-F238E27FC236}">
-                <a16:creationId xmlns:a16="http://schemas.microsoft.com/office/drawing/2014/main" xmlns="" id="{0FDAD747-108F-4A6D-9220-5EA05067FF1E}"/>
+                <a16:creationId xmlns="" xmlns:a16="http://schemas.microsoft.com/office/drawing/2014/main" id="{0FDAD747-108F-4A6D-9220-5EA05067FF1E}"/>
               </a:ext>
             </a:extLst>
           </p:cNvPr>
@@ -18808,7 +19049,7 @@
           <p:cNvPr id="4" name="矩形 3">
             <a:extLst>
               <a:ext uri="{FF2B5EF4-FFF2-40B4-BE49-F238E27FC236}">
-                <a16:creationId xmlns:a16="http://schemas.microsoft.com/office/drawing/2014/main" xmlns="" id="{0FDAD747-108F-4A6D-9220-5EA05067FF1E}"/>
+                <a16:creationId xmlns="" xmlns:a16="http://schemas.microsoft.com/office/drawing/2014/main" id="{0FDAD747-108F-4A6D-9220-5EA05067FF1E}"/>
               </a:ext>
             </a:extLst>
           </p:cNvPr>
@@ -18962,7 +19203,7 @@
           <p:cNvPr id="8" name="矩形 7">
             <a:extLst>
               <a:ext uri="{FF2B5EF4-FFF2-40B4-BE49-F238E27FC236}">
-                <a16:creationId xmlns:a16="http://schemas.microsoft.com/office/drawing/2014/main" xmlns="" id="{AB1DF3D9-EC08-40CA-853D-48B16F99EE56}"/>
+                <a16:creationId xmlns="" xmlns:a16="http://schemas.microsoft.com/office/drawing/2014/main" id="{AB1DF3D9-EC08-40CA-853D-48B16F99EE56}"/>
               </a:ext>
             </a:extLst>
           </p:cNvPr>
@@ -19102,7 +19343,7 @@
           <p:cNvPr id="12" name="矩形 11">
             <a:extLst>
               <a:ext uri="{FF2B5EF4-FFF2-40B4-BE49-F238E27FC236}">
-                <a16:creationId xmlns:a16="http://schemas.microsoft.com/office/drawing/2014/main" xmlns="" id="{0FDAD747-108F-4A6D-9220-5EA05067FF1E}"/>
+                <a16:creationId xmlns="" xmlns:a16="http://schemas.microsoft.com/office/drawing/2014/main" id="{0FDAD747-108F-4A6D-9220-5EA05067FF1E}"/>
               </a:ext>
             </a:extLst>
           </p:cNvPr>
@@ -19149,7 +19390,7 @@
           <p:cNvPr id="4" name="矩形 3">
             <a:extLst>
               <a:ext uri="{FF2B5EF4-FFF2-40B4-BE49-F238E27FC236}">
-                <a16:creationId xmlns:a16="http://schemas.microsoft.com/office/drawing/2014/main" xmlns="" id="{0FDAD747-108F-4A6D-9220-5EA05067FF1E}"/>
+                <a16:creationId xmlns="" xmlns:a16="http://schemas.microsoft.com/office/drawing/2014/main" id="{0FDAD747-108F-4A6D-9220-5EA05067FF1E}"/>
               </a:ext>
             </a:extLst>
           </p:cNvPr>
@@ -19274,7 +19515,7 @@
           <p:cNvPr id="6" name="矩形 5">
             <a:extLst>
               <a:ext uri="{FF2B5EF4-FFF2-40B4-BE49-F238E27FC236}">
-                <a16:creationId xmlns:a16="http://schemas.microsoft.com/office/drawing/2014/main" xmlns="" id="{AB1DF3D9-EC08-40CA-853D-48B16F99EE56}"/>
+                <a16:creationId xmlns="" xmlns:a16="http://schemas.microsoft.com/office/drawing/2014/main" id="{AB1DF3D9-EC08-40CA-853D-48B16F99EE56}"/>
               </a:ext>
             </a:extLst>
           </p:cNvPr>
@@ -19413,7 +19654,7 @@
           <p:cNvPr id="12" name="矩形 11">
             <a:extLst>
               <a:ext uri="{FF2B5EF4-FFF2-40B4-BE49-F238E27FC236}">
-                <a16:creationId xmlns:a16="http://schemas.microsoft.com/office/drawing/2014/main" xmlns="" id="{0FDAD747-108F-4A6D-9220-5EA05067FF1E}"/>
+                <a16:creationId xmlns="" xmlns:a16="http://schemas.microsoft.com/office/drawing/2014/main" id="{0FDAD747-108F-4A6D-9220-5EA05067FF1E}"/>
               </a:ext>
             </a:extLst>
           </p:cNvPr>
@@ -19460,7 +19701,7 @@
           <p:cNvPr id="4" name="矩形 3">
             <a:extLst>
               <a:ext uri="{FF2B5EF4-FFF2-40B4-BE49-F238E27FC236}">
-                <a16:creationId xmlns:a16="http://schemas.microsoft.com/office/drawing/2014/main" xmlns="" id="{0FDAD747-108F-4A6D-9220-5EA05067FF1E}"/>
+                <a16:creationId xmlns="" xmlns:a16="http://schemas.microsoft.com/office/drawing/2014/main" id="{0FDAD747-108F-4A6D-9220-5EA05067FF1E}"/>
               </a:ext>
             </a:extLst>
           </p:cNvPr>
@@ -19628,7 +19869,7 @@
           <p:cNvPr id="6" name="矩形 5">
             <a:extLst>
               <a:ext uri="{FF2B5EF4-FFF2-40B4-BE49-F238E27FC236}">
-                <a16:creationId xmlns:a16="http://schemas.microsoft.com/office/drawing/2014/main" xmlns="" id="{AB1DF3D9-EC08-40CA-853D-48B16F99EE56}"/>
+                <a16:creationId xmlns="" xmlns:a16="http://schemas.microsoft.com/office/drawing/2014/main" id="{AB1DF3D9-EC08-40CA-853D-48B16F99EE56}"/>
               </a:ext>
             </a:extLst>
           </p:cNvPr>
@@ -19768,7 +20009,7 @@
           <p:cNvPr id="12" name="矩形 11">
             <a:extLst>
               <a:ext uri="{FF2B5EF4-FFF2-40B4-BE49-F238E27FC236}">
-                <a16:creationId xmlns:a16="http://schemas.microsoft.com/office/drawing/2014/main" xmlns="" id="{0FDAD747-108F-4A6D-9220-5EA05067FF1E}"/>
+                <a16:creationId xmlns="" xmlns:a16="http://schemas.microsoft.com/office/drawing/2014/main" id="{0FDAD747-108F-4A6D-9220-5EA05067FF1E}"/>
               </a:ext>
             </a:extLst>
           </p:cNvPr>
@@ -19815,7 +20056,7 @@
           <p:cNvPr id="6" name="矩形 5">
             <a:extLst>
               <a:ext uri="{FF2B5EF4-FFF2-40B4-BE49-F238E27FC236}">
-                <a16:creationId xmlns:a16="http://schemas.microsoft.com/office/drawing/2014/main" xmlns="" id="{AB1DF3D9-EC08-40CA-853D-48B16F99EE56}"/>
+                <a16:creationId xmlns="" xmlns:a16="http://schemas.microsoft.com/office/drawing/2014/main" id="{AB1DF3D9-EC08-40CA-853D-48B16F99EE56}"/>
               </a:ext>
             </a:extLst>
           </p:cNvPr>
@@ -19955,7 +20196,7 @@
           <p:cNvPr id="12" name="矩形 11">
             <a:extLst>
               <a:ext uri="{FF2B5EF4-FFF2-40B4-BE49-F238E27FC236}">
-                <a16:creationId xmlns:a16="http://schemas.microsoft.com/office/drawing/2014/main" xmlns="" id="{0FDAD747-108F-4A6D-9220-5EA05067FF1E}"/>
+                <a16:creationId xmlns="" xmlns:a16="http://schemas.microsoft.com/office/drawing/2014/main" id="{0FDAD747-108F-4A6D-9220-5EA05067FF1E}"/>
               </a:ext>
             </a:extLst>
           </p:cNvPr>
@@ -20002,7 +20243,7 @@
           <p:cNvPr id="4" name="矩形 3">
             <a:extLst>
               <a:ext uri="{FF2B5EF4-FFF2-40B4-BE49-F238E27FC236}">
-                <a16:creationId xmlns:a16="http://schemas.microsoft.com/office/drawing/2014/main" xmlns="" id="{0FDAD747-108F-4A6D-9220-5EA05067FF1E}"/>
+                <a16:creationId xmlns="" xmlns:a16="http://schemas.microsoft.com/office/drawing/2014/main" id="{0FDAD747-108F-4A6D-9220-5EA05067FF1E}"/>
               </a:ext>
             </a:extLst>
           </p:cNvPr>
@@ -20482,7 +20723,7 @@
           <p:cNvPr id="6" name="矩形 5">
             <a:extLst>
               <a:ext uri="{FF2B5EF4-FFF2-40B4-BE49-F238E27FC236}">
-                <a16:creationId xmlns:a16="http://schemas.microsoft.com/office/drawing/2014/main" xmlns="" id="{AB1DF3D9-EC08-40CA-853D-48B16F99EE56}"/>
+                <a16:creationId xmlns="" xmlns:a16="http://schemas.microsoft.com/office/drawing/2014/main" id="{AB1DF3D9-EC08-40CA-853D-48B16F99EE56}"/>
               </a:ext>
             </a:extLst>
           </p:cNvPr>
@@ -20574,7 +20815,7 @@
           <p:cNvPr id="12" name="矩形 11">
             <a:extLst>
               <a:ext uri="{FF2B5EF4-FFF2-40B4-BE49-F238E27FC236}">
-                <a16:creationId xmlns:a16="http://schemas.microsoft.com/office/drawing/2014/main" xmlns="" id="{0FDAD747-108F-4A6D-9220-5EA05067FF1E}"/>
+                <a16:creationId xmlns="" xmlns:a16="http://schemas.microsoft.com/office/drawing/2014/main" id="{0FDAD747-108F-4A6D-9220-5EA05067FF1E}"/>
               </a:ext>
             </a:extLst>
           </p:cNvPr>
@@ -20653,7 +20894,7 @@
           <p:cNvPr id="14" name="矩形 13">
             <a:extLst>
               <a:ext uri="{FF2B5EF4-FFF2-40B4-BE49-F238E27FC236}">
-                <a16:creationId xmlns:a16="http://schemas.microsoft.com/office/drawing/2014/main" xmlns="" id="{C2B44424-4CFE-4BA2-9FCF-F0A911E8A749}"/>
+                <a16:creationId xmlns="" xmlns:a16="http://schemas.microsoft.com/office/drawing/2014/main" id="{C2B44424-4CFE-4BA2-9FCF-F0A911E8A749}"/>
               </a:ext>
             </a:extLst>
           </p:cNvPr>
@@ -20807,7 +21048,7 @@
           <p:cNvPr id="16" name="直接箭头连接符 15">
             <a:extLst>
               <a:ext uri="{FF2B5EF4-FFF2-40B4-BE49-F238E27FC236}">
-                <a16:creationId xmlns:a16="http://schemas.microsoft.com/office/drawing/2014/main" xmlns="" id="{EDD84E7C-3200-40E5-A3C0-E57D7F9E754E}"/>
+                <a16:creationId xmlns="" xmlns:a16="http://schemas.microsoft.com/office/drawing/2014/main" id="{EDD84E7C-3200-40E5-A3C0-E57D7F9E754E}"/>
               </a:ext>
             </a:extLst>
           </p:cNvPr>
@@ -20840,7 +21081,7 @@
           <p:cNvPr id="17" name="矩形 16">
             <a:extLst>
               <a:ext uri="{FF2B5EF4-FFF2-40B4-BE49-F238E27FC236}">
-                <a16:creationId xmlns:a16="http://schemas.microsoft.com/office/drawing/2014/main" xmlns="" id="{0FDAD747-108F-4A6D-9220-5EA05067FF1E}"/>
+                <a16:creationId xmlns="" xmlns:a16="http://schemas.microsoft.com/office/drawing/2014/main" id="{0FDAD747-108F-4A6D-9220-5EA05067FF1E}"/>
               </a:ext>
             </a:extLst>
           </p:cNvPr>
@@ -20887,7 +21128,7 @@
           <p:cNvPr id="18" name="矩形 17">
             <a:extLst>
               <a:ext uri="{FF2B5EF4-FFF2-40B4-BE49-F238E27FC236}">
-                <a16:creationId xmlns:a16="http://schemas.microsoft.com/office/drawing/2014/main" xmlns="" id="{5CEC9FB1-9CBF-4B7B-A321-DF404030F08B}"/>
+                <a16:creationId xmlns="" xmlns:a16="http://schemas.microsoft.com/office/drawing/2014/main" id="{5CEC9FB1-9CBF-4B7B-A321-DF404030F08B}"/>
               </a:ext>
             </a:extLst>
           </p:cNvPr>
@@ -20973,7 +21214,7 @@
           <p:cNvPr id="19" name="直接箭头连接符 18">
             <a:extLst>
               <a:ext uri="{FF2B5EF4-FFF2-40B4-BE49-F238E27FC236}">
-                <a16:creationId xmlns:a16="http://schemas.microsoft.com/office/drawing/2014/main" xmlns="" id="{5A7FC920-9D22-4290-B80F-F4BDC1DE109A}"/>
+                <a16:creationId xmlns="" xmlns:a16="http://schemas.microsoft.com/office/drawing/2014/main" id="{5A7FC920-9D22-4290-B80F-F4BDC1DE109A}"/>
               </a:ext>
             </a:extLst>
           </p:cNvPr>
@@ -21006,7 +21247,7 @@
           <p:cNvPr id="20" name="矩形 19">
             <a:extLst>
               <a:ext uri="{FF2B5EF4-FFF2-40B4-BE49-F238E27FC236}">
-                <a16:creationId xmlns:a16="http://schemas.microsoft.com/office/drawing/2014/main" xmlns="" id="{45B27A13-37E3-4777-9299-E75CAF1F6F9A}"/>
+                <a16:creationId xmlns="" xmlns:a16="http://schemas.microsoft.com/office/drawing/2014/main" id="{45B27A13-37E3-4777-9299-E75CAF1F6F9A}"/>
               </a:ext>
             </a:extLst>
           </p:cNvPr>
@@ -21054,7 +21295,7 @@
           <p:cNvPr id="21" name="图片 20">
             <a:extLst>
               <a:ext uri="{FF2B5EF4-FFF2-40B4-BE49-F238E27FC236}">
-                <a16:creationId xmlns:a16="http://schemas.microsoft.com/office/drawing/2014/main" xmlns="" id="{36569B5B-566F-4C60-9D63-318931B70CA2}"/>
+                <a16:creationId xmlns="" xmlns:a16="http://schemas.microsoft.com/office/drawing/2014/main" id="{36569B5B-566F-4C60-9D63-318931B70CA2}"/>
               </a:ext>
             </a:extLst>
           </p:cNvPr>
@@ -21090,7 +21331,7 @@
           <p:cNvPr id="22" name="矩形 21">
             <a:extLst>
               <a:ext uri="{FF2B5EF4-FFF2-40B4-BE49-F238E27FC236}">
-                <a16:creationId xmlns:a16="http://schemas.microsoft.com/office/drawing/2014/main" xmlns="" id="{2A55BA5B-CE30-435B-95FB-B00B8161E590}"/>
+                <a16:creationId xmlns="" xmlns:a16="http://schemas.microsoft.com/office/drawing/2014/main" id="{2A55BA5B-CE30-435B-95FB-B00B8161E590}"/>
               </a:ext>
             </a:extLst>
           </p:cNvPr>
@@ -21148,7 +21389,7 @@
           <p:cNvPr id="23" name="矩形 22">
             <a:extLst>
               <a:ext uri="{FF2B5EF4-FFF2-40B4-BE49-F238E27FC236}">
-                <a16:creationId xmlns:a16="http://schemas.microsoft.com/office/drawing/2014/main" xmlns="" id="{C2B44424-4CFE-4BA2-9FCF-F0A911E8A749}"/>
+                <a16:creationId xmlns="" xmlns:a16="http://schemas.microsoft.com/office/drawing/2014/main" id="{C2B44424-4CFE-4BA2-9FCF-F0A911E8A749}"/>
               </a:ext>
             </a:extLst>
           </p:cNvPr>
@@ -21259,7 +21500,7 @@
           <p:cNvPr id="25" name="矩形 24">
             <a:extLst>
               <a:ext uri="{FF2B5EF4-FFF2-40B4-BE49-F238E27FC236}">
-                <a16:creationId xmlns:a16="http://schemas.microsoft.com/office/drawing/2014/main" xmlns="" id="{0FDAD747-108F-4A6D-9220-5EA05067FF1E}"/>
+                <a16:creationId xmlns="" xmlns:a16="http://schemas.microsoft.com/office/drawing/2014/main" id="{0FDAD747-108F-4A6D-9220-5EA05067FF1E}"/>
               </a:ext>
             </a:extLst>
           </p:cNvPr>
@@ -21410,7 +21651,7 @@
           <p:cNvPr id="30" name="矩形 29">
             <a:extLst>
               <a:ext uri="{FF2B5EF4-FFF2-40B4-BE49-F238E27FC236}">
-                <a16:creationId xmlns:a16="http://schemas.microsoft.com/office/drawing/2014/main" xmlns="" id="{2A55BA5B-CE30-435B-95FB-B00B8161E590}"/>
+                <a16:creationId xmlns="" xmlns:a16="http://schemas.microsoft.com/office/drawing/2014/main" id="{2A55BA5B-CE30-435B-95FB-B00B8161E590}"/>
               </a:ext>
             </a:extLst>
           </p:cNvPr>
@@ -21478,7 +21719,7 @@
           <p:cNvPr id="31" name="矩形 30">
             <a:extLst>
               <a:ext uri="{FF2B5EF4-FFF2-40B4-BE49-F238E27FC236}">
-                <a16:creationId xmlns:a16="http://schemas.microsoft.com/office/drawing/2014/main" xmlns="" id="{2A55BA5B-CE30-435B-95FB-B00B8161E590}"/>
+                <a16:creationId xmlns="" xmlns:a16="http://schemas.microsoft.com/office/drawing/2014/main" id="{2A55BA5B-CE30-435B-95FB-B00B8161E590}"/>
               </a:ext>
             </a:extLst>
           </p:cNvPr>
@@ -21586,7 +21827,7 @@
           <p:cNvPr id="33" name="矩形 13" descr="紫色网格">
             <a:extLst>
               <a:ext uri="{FF2B5EF4-FFF2-40B4-BE49-F238E27FC236}">
-                <a16:creationId xmlns:a16="http://schemas.microsoft.com/office/drawing/2014/main" xmlns="" id="{44AEA09D-FD0A-4CA0-883D-93E5EAF762D6}"/>
+                <a16:creationId xmlns="" xmlns:a16="http://schemas.microsoft.com/office/drawing/2014/main" id="{44AEA09D-FD0A-4CA0-883D-93E5EAF762D6}"/>
               </a:ext>
             </a:extLst>
           </p:cNvPr>
@@ -21916,7 +22157,7 @@
           <p:cNvPr id="12" name="矩形 11">
             <a:extLst>
               <a:ext uri="{FF2B5EF4-FFF2-40B4-BE49-F238E27FC236}">
-                <a16:creationId xmlns:a16="http://schemas.microsoft.com/office/drawing/2014/main" xmlns="" id="{0FDAD747-108F-4A6D-9220-5EA05067FF1E}"/>
+                <a16:creationId xmlns="" xmlns:a16="http://schemas.microsoft.com/office/drawing/2014/main" id="{0FDAD747-108F-4A6D-9220-5EA05067FF1E}"/>
               </a:ext>
             </a:extLst>
           </p:cNvPr>
@@ -21963,7 +22204,7 @@
           <p:cNvPr id="4" name="矩形 3">
             <a:extLst>
               <a:ext uri="{FF2B5EF4-FFF2-40B4-BE49-F238E27FC236}">
-                <a16:creationId xmlns:a16="http://schemas.microsoft.com/office/drawing/2014/main" xmlns="" id="{0FDAD747-108F-4A6D-9220-5EA05067FF1E}"/>
+                <a16:creationId xmlns="" xmlns:a16="http://schemas.microsoft.com/office/drawing/2014/main" id="{0FDAD747-108F-4A6D-9220-5EA05067FF1E}"/>
               </a:ext>
             </a:extLst>
           </p:cNvPr>
@@ -22112,7 +22353,7 @@
           <p:cNvPr id="6" name="矩形 5">
             <a:extLst>
               <a:ext uri="{FF2B5EF4-FFF2-40B4-BE49-F238E27FC236}">
-                <a16:creationId xmlns:a16="http://schemas.microsoft.com/office/drawing/2014/main" xmlns="" id="{AB1DF3D9-EC08-40CA-853D-48B16F99EE56}"/>
+                <a16:creationId xmlns="" xmlns:a16="http://schemas.microsoft.com/office/drawing/2014/main" id="{AB1DF3D9-EC08-40CA-853D-48B16F99EE56}"/>
               </a:ext>
             </a:extLst>
           </p:cNvPr>
@@ -22288,7 +22529,7 @@
           <p:cNvPr id="12" name="矩形 11">
             <a:extLst>
               <a:ext uri="{FF2B5EF4-FFF2-40B4-BE49-F238E27FC236}">
-                <a16:creationId xmlns:a16="http://schemas.microsoft.com/office/drawing/2014/main" xmlns="" id="{0FDAD747-108F-4A6D-9220-5EA05067FF1E}"/>
+                <a16:creationId xmlns="" xmlns:a16="http://schemas.microsoft.com/office/drawing/2014/main" id="{0FDAD747-108F-4A6D-9220-5EA05067FF1E}"/>
               </a:ext>
             </a:extLst>
           </p:cNvPr>
@@ -22335,7 +22576,7 @@
           <p:cNvPr id="4" name="矩形 3">
             <a:extLst>
               <a:ext uri="{FF2B5EF4-FFF2-40B4-BE49-F238E27FC236}">
-                <a16:creationId xmlns:a16="http://schemas.microsoft.com/office/drawing/2014/main" xmlns="" id="{0FDAD747-108F-4A6D-9220-5EA05067FF1E}"/>
+                <a16:creationId xmlns="" xmlns:a16="http://schemas.microsoft.com/office/drawing/2014/main" id="{0FDAD747-108F-4A6D-9220-5EA05067FF1E}"/>
               </a:ext>
             </a:extLst>
           </p:cNvPr>
@@ -22654,7 +22895,7 @@
           <p:cNvPr id="26" name="矩形 25" descr="紫色网格">
             <a:extLst>
               <a:ext uri="{FF2B5EF4-FFF2-40B4-BE49-F238E27FC236}">
-                <a16:creationId xmlns:lc="http://schemas.openxmlformats.org/drawingml/2006/lockedCanvas" xmlns="" xmlns:a16="http://schemas.microsoft.com/office/drawing/2014/main" id="{44AEA09D-FD0A-4CA0-883D-93E5EAF762D6}"/>
+                <a16:creationId xmlns:a16="http://schemas.microsoft.com/office/drawing/2014/main" xmlns="" xmlns:lc="http://schemas.openxmlformats.org/drawingml/2006/lockedCanvas" id="{44AEA09D-FD0A-4CA0-883D-93E5EAF762D6}"/>
               </a:ext>
             </a:extLst>
           </p:cNvPr>
@@ -22867,7 +23108,7 @@
           <p:cNvPr id="12" name="矩形 11">
             <a:extLst>
               <a:ext uri="{FF2B5EF4-FFF2-40B4-BE49-F238E27FC236}">
-                <a16:creationId xmlns:a16="http://schemas.microsoft.com/office/drawing/2014/main" xmlns="" id="{0FDAD747-108F-4A6D-9220-5EA05067FF1E}"/>
+                <a16:creationId xmlns="" xmlns:a16="http://schemas.microsoft.com/office/drawing/2014/main" id="{0FDAD747-108F-4A6D-9220-5EA05067FF1E}"/>
               </a:ext>
             </a:extLst>
           </p:cNvPr>
@@ -22927,7 +23168,7 @@
           <p:cNvPr id="11" name="矩形 10">
             <a:extLst>
               <a:ext uri="{FF2B5EF4-FFF2-40B4-BE49-F238E27FC236}">
-                <a16:creationId xmlns:a16="http://schemas.microsoft.com/office/drawing/2014/main" xmlns="" id="{C2B44424-4CFE-4BA2-9FCF-F0A911E8A749}"/>
+                <a16:creationId xmlns="" xmlns:a16="http://schemas.microsoft.com/office/drawing/2014/main" id="{C2B44424-4CFE-4BA2-9FCF-F0A911E8A749}"/>
               </a:ext>
             </a:extLst>
           </p:cNvPr>
@@ -23026,7 +23267,7 @@
           <p:cNvPr id="13" name="直接箭头连接符 12">
             <a:extLst>
               <a:ext uri="{FF2B5EF4-FFF2-40B4-BE49-F238E27FC236}">
-                <a16:creationId xmlns:a16="http://schemas.microsoft.com/office/drawing/2014/main" xmlns="" id="{EDD84E7C-3200-40E5-A3C0-E57D7F9E754E}"/>
+                <a16:creationId xmlns="" xmlns:a16="http://schemas.microsoft.com/office/drawing/2014/main" id="{EDD84E7C-3200-40E5-A3C0-E57D7F9E754E}"/>
               </a:ext>
             </a:extLst>
           </p:cNvPr>
@@ -23059,7 +23300,7 @@
           <p:cNvPr id="14" name="矩形 13">
             <a:extLst>
               <a:ext uri="{FF2B5EF4-FFF2-40B4-BE49-F238E27FC236}">
-                <a16:creationId xmlns:a16="http://schemas.microsoft.com/office/drawing/2014/main" xmlns="" id="{0FDAD747-108F-4A6D-9220-5EA05067FF1E}"/>
+                <a16:creationId xmlns="" xmlns:a16="http://schemas.microsoft.com/office/drawing/2014/main" id="{0FDAD747-108F-4A6D-9220-5EA05067FF1E}"/>
               </a:ext>
             </a:extLst>
           </p:cNvPr>
@@ -23147,7 +23388,7 @@
           <p:cNvPr id="15" name="矩形 14">
             <a:extLst>
               <a:ext uri="{FF2B5EF4-FFF2-40B4-BE49-F238E27FC236}">
-                <a16:creationId xmlns:a16="http://schemas.microsoft.com/office/drawing/2014/main" xmlns="" id="{5CEC9FB1-9CBF-4B7B-A321-DF404030F08B}"/>
+                <a16:creationId xmlns="" xmlns:a16="http://schemas.microsoft.com/office/drawing/2014/main" id="{5CEC9FB1-9CBF-4B7B-A321-DF404030F08B}"/>
               </a:ext>
             </a:extLst>
           </p:cNvPr>
@@ -23233,7 +23474,7 @@
           <p:cNvPr id="16" name="直接箭头连接符 15">
             <a:extLst>
               <a:ext uri="{FF2B5EF4-FFF2-40B4-BE49-F238E27FC236}">
-                <a16:creationId xmlns:a16="http://schemas.microsoft.com/office/drawing/2014/main" xmlns="" id="{5A7FC920-9D22-4290-B80F-F4BDC1DE109A}"/>
+                <a16:creationId xmlns="" xmlns:a16="http://schemas.microsoft.com/office/drawing/2014/main" id="{5A7FC920-9D22-4290-B80F-F4BDC1DE109A}"/>
               </a:ext>
             </a:extLst>
           </p:cNvPr>
@@ -23266,7 +23507,7 @@
           <p:cNvPr id="19" name="矩形 18">
             <a:extLst>
               <a:ext uri="{FF2B5EF4-FFF2-40B4-BE49-F238E27FC236}">
-                <a16:creationId xmlns:a16="http://schemas.microsoft.com/office/drawing/2014/main" xmlns="" id="{2A55BA5B-CE30-435B-95FB-B00B8161E590}"/>
+                <a16:creationId xmlns="" xmlns:a16="http://schemas.microsoft.com/office/drawing/2014/main" id="{2A55BA5B-CE30-435B-95FB-B00B8161E590}"/>
               </a:ext>
             </a:extLst>
           </p:cNvPr>
@@ -23324,7 +23565,7 @@
           <p:cNvPr id="23" name="矩形 22">
             <a:extLst>
               <a:ext uri="{FF2B5EF4-FFF2-40B4-BE49-F238E27FC236}">
-                <a16:creationId xmlns:a16="http://schemas.microsoft.com/office/drawing/2014/main" xmlns="" id="{C2B44424-4CFE-4BA2-9FCF-F0A911E8A749}"/>
+                <a16:creationId xmlns="" xmlns:a16="http://schemas.microsoft.com/office/drawing/2014/main" id="{C2B44424-4CFE-4BA2-9FCF-F0A911E8A749}"/>
               </a:ext>
             </a:extLst>
           </p:cNvPr>
@@ -23408,7 +23649,7 @@
           <p:cNvPr id="24" name="矩形 23">
             <a:extLst>
               <a:ext uri="{FF2B5EF4-FFF2-40B4-BE49-F238E27FC236}">
-                <a16:creationId xmlns:a16="http://schemas.microsoft.com/office/drawing/2014/main" xmlns="" id="{0FDAD747-108F-4A6D-9220-5EA05067FF1E}"/>
+                <a16:creationId xmlns="" xmlns:a16="http://schemas.microsoft.com/office/drawing/2014/main" id="{0FDAD747-108F-4A6D-9220-5EA05067FF1E}"/>
               </a:ext>
             </a:extLst>
           </p:cNvPr>
@@ -23516,7 +23757,7 @@
           <p:cNvPr id="25" name="矩形 24" descr="紫色网格">
             <a:extLst>
               <a:ext uri="{FF2B5EF4-FFF2-40B4-BE49-F238E27FC236}">
-                <a16:creationId xmlns:lc="http://schemas.openxmlformats.org/drawingml/2006/lockedCanvas" xmlns="" xmlns:a16="http://schemas.microsoft.com/office/drawing/2014/main" id="{44AEA09D-FD0A-4CA0-883D-93E5EAF762D6}"/>
+                <a16:creationId xmlns:a16="http://schemas.microsoft.com/office/drawing/2014/main" xmlns="" xmlns:lc="http://schemas.openxmlformats.org/drawingml/2006/lockedCanvas" id="{44AEA09D-FD0A-4CA0-883D-93E5EAF762D6}"/>
               </a:ext>
             </a:extLst>
           </p:cNvPr>
@@ -23680,7 +23921,7 @@
           <p:cNvPr id="27" name="矩形 26" descr="紫色网格">
             <a:extLst>
               <a:ext uri="{FF2B5EF4-FFF2-40B4-BE49-F238E27FC236}">
-                <a16:creationId xmlns:lc="http://schemas.openxmlformats.org/drawingml/2006/lockedCanvas" xmlns="" xmlns:a16="http://schemas.microsoft.com/office/drawing/2014/main" id="{44AEA09D-FD0A-4CA0-883D-93E5EAF762D6}"/>
+                <a16:creationId xmlns:a16="http://schemas.microsoft.com/office/drawing/2014/main" xmlns="" xmlns:lc="http://schemas.openxmlformats.org/drawingml/2006/lockedCanvas" id="{44AEA09D-FD0A-4CA0-883D-93E5EAF762D6}"/>
               </a:ext>
             </a:extLst>
           </p:cNvPr>
@@ -23889,7 +24130,7 @@
           <p:cNvPr id="28" name="矩形 27" descr="紫色网格">
             <a:extLst>
               <a:ext uri="{FF2B5EF4-FFF2-40B4-BE49-F238E27FC236}">
-                <a16:creationId xmlns:lc="http://schemas.openxmlformats.org/drawingml/2006/lockedCanvas" xmlns="" xmlns:a16="http://schemas.microsoft.com/office/drawing/2014/main" id="{44AEA09D-FD0A-4CA0-883D-93E5EAF762D6}"/>
+                <a16:creationId xmlns:a16="http://schemas.microsoft.com/office/drawing/2014/main" xmlns="" xmlns:lc="http://schemas.openxmlformats.org/drawingml/2006/lockedCanvas" id="{44AEA09D-FD0A-4CA0-883D-93E5EAF762D6}"/>
               </a:ext>
             </a:extLst>
           </p:cNvPr>
@@ -24064,7 +24305,7 @@
           <p:cNvPr id="29" name="矩形 28" descr="紫色网格">
             <a:extLst>
               <a:ext uri="{FF2B5EF4-FFF2-40B4-BE49-F238E27FC236}">
-                <a16:creationId xmlns:lc="http://schemas.openxmlformats.org/drawingml/2006/lockedCanvas" xmlns="" xmlns:a16="http://schemas.microsoft.com/office/drawing/2014/main" id="{44AEA09D-FD0A-4CA0-883D-93E5EAF762D6}"/>
+                <a16:creationId xmlns:a16="http://schemas.microsoft.com/office/drawing/2014/main" xmlns="" xmlns:lc="http://schemas.openxmlformats.org/drawingml/2006/lockedCanvas" id="{44AEA09D-FD0A-4CA0-883D-93E5EAF762D6}"/>
               </a:ext>
             </a:extLst>
           </p:cNvPr>
@@ -24289,7 +24530,7 @@
           <p:cNvPr id="30" name="矩形 29" descr="紫色网格">
             <a:extLst>
               <a:ext uri="{FF2B5EF4-FFF2-40B4-BE49-F238E27FC236}">
-                <a16:creationId xmlns:lc="http://schemas.openxmlformats.org/drawingml/2006/lockedCanvas" xmlns="" xmlns:a16="http://schemas.microsoft.com/office/drawing/2014/main" id="{44AEA09D-FD0A-4CA0-883D-93E5EAF762D6}"/>
+                <a16:creationId xmlns:a16="http://schemas.microsoft.com/office/drawing/2014/main" xmlns="" xmlns:lc="http://schemas.openxmlformats.org/drawingml/2006/lockedCanvas" id="{44AEA09D-FD0A-4CA0-883D-93E5EAF762D6}"/>
               </a:ext>
             </a:extLst>
           </p:cNvPr>
@@ -24490,7 +24731,7 @@
           <p:cNvPr id="12" name="矩形 11">
             <a:extLst>
               <a:ext uri="{FF2B5EF4-FFF2-40B4-BE49-F238E27FC236}">
-                <a16:creationId xmlns:a16="http://schemas.microsoft.com/office/drawing/2014/main" xmlns="" id="{0FDAD747-108F-4A6D-9220-5EA05067FF1E}"/>
+                <a16:creationId xmlns="" xmlns:a16="http://schemas.microsoft.com/office/drawing/2014/main" id="{0FDAD747-108F-4A6D-9220-5EA05067FF1E}"/>
               </a:ext>
             </a:extLst>
           </p:cNvPr>
@@ -24550,7 +24791,7 @@
           <p:cNvPr id="4" name="矩形 3">
             <a:extLst>
               <a:ext uri="{FF2B5EF4-FFF2-40B4-BE49-F238E27FC236}">
-                <a16:creationId xmlns:a16="http://schemas.microsoft.com/office/drawing/2014/main" xmlns="" id="{0FDAD747-108F-4A6D-9220-5EA05067FF1E}"/>
+                <a16:creationId xmlns="" xmlns:a16="http://schemas.microsoft.com/office/drawing/2014/main" id="{0FDAD747-108F-4A6D-9220-5EA05067FF1E}"/>
               </a:ext>
             </a:extLst>
           </p:cNvPr>
@@ -24794,7 +25035,7 @@
           <p:cNvPr id="5" name="矩形 4" descr="紫色网格">
             <a:extLst>
               <a:ext uri="{FF2B5EF4-FFF2-40B4-BE49-F238E27FC236}">
-                <a16:creationId xmlns:lc="http://schemas.openxmlformats.org/drawingml/2006/lockedCanvas" xmlns="" xmlns:a16="http://schemas.microsoft.com/office/drawing/2014/main" id="{44AEA09D-FD0A-4CA0-883D-93E5EAF762D6}"/>
+                <a16:creationId xmlns:a16="http://schemas.microsoft.com/office/drawing/2014/main" xmlns="" xmlns:lc="http://schemas.openxmlformats.org/drawingml/2006/lockedCanvas" id="{44AEA09D-FD0A-4CA0-883D-93E5EAF762D6}"/>
               </a:ext>
             </a:extLst>
           </p:cNvPr>
@@ -25087,7 +25328,7 @@
           <p:cNvPr id="6" name="矩形 5" descr="紫色网格">
             <a:extLst>
               <a:ext uri="{FF2B5EF4-FFF2-40B4-BE49-F238E27FC236}">
-                <a16:creationId xmlns:lc="http://schemas.openxmlformats.org/drawingml/2006/lockedCanvas" xmlns="" xmlns:a16="http://schemas.microsoft.com/office/drawing/2014/main" id="{44AEA09D-FD0A-4CA0-883D-93E5EAF762D6}"/>
+                <a16:creationId xmlns:a16="http://schemas.microsoft.com/office/drawing/2014/main" xmlns="" xmlns:lc="http://schemas.openxmlformats.org/drawingml/2006/lockedCanvas" id="{44AEA09D-FD0A-4CA0-883D-93E5EAF762D6}"/>
               </a:ext>
             </a:extLst>
           </p:cNvPr>
@@ -25388,7 +25629,7 @@
           <p:cNvPr id="7" name="矩形 6" descr="紫色网格">
             <a:extLst>
               <a:ext uri="{FF2B5EF4-FFF2-40B4-BE49-F238E27FC236}">
-                <a16:creationId xmlns:lc="http://schemas.openxmlformats.org/drawingml/2006/lockedCanvas" xmlns="" xmlns:a16="http://schemas.microsoft.com/office/drawing/2014/main" id="{44AEA09D-FD0A-4CA0-883D-93E5EAF762D6}"/>
+                <a16:creationId xmlns:a16="http://schemas.microsoft.com/office/drawing/2014/main" xmlns="" xmlns:lc="http://schemas.openxmlformats.org/drawingml/2006/lockedCanvas" id="{44AEA09D-FD0A-4CA0-883D-93E5EAF762D6}"/>
               </a:ext>
             </a:extLst>
           </p:cNvPr>
@@ -25598,7 +25839,7 @@
           <p:cNvPr id="8" name="矩形 7" descr="紫色网格">
             <a:extLst>
               <a:ext uri="{FF2B5EF4-FFF2-40B4-BE49-F238E27FC236}">
-                <a16:creationId xmlns:lc="http://schemas.openxmlformats.org/drawingml/2006/lockedCanvas" xmlns="" xmlns:a16="http://schemas.microsoft.com/office/drawing/2014/main" id="{44AEA09D-FD0A-4CA0-883D-93E5EAF762D6}"/>
+                <a16:creationId xmlns:a16="http://schemas.microsoft.com/office/drawing/2014/main" xmlns="" xmlns:lc="http://schemas.openxmlformats.org/drawingml/2006/lockedCanvas" id="{44AEA09D-FD0A-4CA0-883D-93E5EAF762D6}"/>
               </a:ext>
             </a:extLst>
           </p:cNvPr>
@@ -25797,7 +26038,7 @@
           <p:cNvPr id="9" name="矩形 8" descr="紫色网格">
             <a:extLst>
               <a:ext uri="{FF2B5EF4-FFF2-40B4-BE49-F238E27FC236}">
-                <a16:creationId xmlns:lc="http://schemas.openxmlformats.org/drawingml/2006/lockedCanvas" xmlns="" xmlns:a16="http://schemas.microsoft.com/office/drawing/2014/main" id="{44AEA09D-FD0A-4CA0-883D-93E5EAF762D6}"/>
+                <a16:creationId xmlns:a16="http://schemas.microsoft.com/office/drawing/2014/main" xmlns="" xmlns:lc="http://schemas.openxmlformats.org/drawingml/2006/lockedCanvas" id="{44AEA09D-FD0A-4CA0-883D-93E5EAF762D6}"/>
               </a:ext>
             </a:extLst>
           </p:cNvPr>
@@ -26033,7 +26274,7 @@
           <p:cNvPr id="12" name="矩形 11">
             <a:extLst>
               <a:ext uri="{FF2B5EF4-FFF2-40B4-BE49-F238E27FC236}">
-                <a16:creationId xmlns:a16="http://schemas.microsoft.com/office/drawing/2014/main" xmlns="" id="{0FDAD747-108F-4A6D-9220-5EA05067FF1E}"/>
+                <a16:creationId xmlns="" xmlns:a16="http://schemas.microsoft.com/office/drawing/2014/main" id="{0FDAD747-108F-4A6D-9220-5EA05067FF1E}"/>
               </a:ext>
             </a:extLst>
           </p:cNvPr>
@@ -26093,7 +26334,7 @@
           <p:cNvPr id="4" name="矩形 3">
             <a:extLst>
               <a:ext uri="{FF2B5EF4-FFF2-40B4-BE49-F238E27FC236}">
-                <a16:creationId xmlns:a16="http://schemas.microsoft.com/office/drawing/2014/main" xmlns="" id="{0FDAD747-108F-4A6D-9220-5EA05067FF1E}"/>
+                <a16:creationId xmlns="" xmlns:a16="http://schemas.microsoft.com/office/drawing/2014/main" id="{0FDAD747-108F-4A6D-9220-5EA05067FF1E}"/>
               </a:ext>
             </a:extLst>
           </p:cNvPr>
@@ -26464,7 +26705,7 @@
           <p:cNvPr id="12" name="矩形 11">
             <a:extLst>
               <a:ext uri="{FF2B5EF4-FFF2-40B4-BE49-F238E27FC236}">
-                <a16:creationId xmlns:a16="http://schemas.microsoft.com/office/drawing/2014/main" xmlns="" id="{0FDAD747-108F-4A6D-9220-5EA05067FF1E}"/>
+                <a16:creationId xmlns="" xmlns:a16="http://schemas.microsoft.com/office/drawing/2014/main" id="{0FDAD747-108F-4A6D-9220-5EA05067FF1E}"/>
               </a:ext>
             </a:extLst>
           </p:cNvPr>
@@ -27446,7 +27687,7 @@
           <p:cNvPr id="10" name="矩形 9" descr="紫色网格">
             <a:extLst>
               <a:ext uri="{FF2B5EF4-FFF2-40B4-BE49-F238E27FC236}">
-                <a16:creationId xmlns:lc="http://schemas.openxmlformats.org/drawingml/2006/lockedCanvas" xmlns="" xmlns:a16="http://schemas.microsoft.com/office/drawing/2014/main" id="{44AEA09D-FD0A-4CA0-883D-93E5EAF762D6}"/>
+                <a16:creationId xmlns:a16="http://schemas.microsoft.com/office/drawing/2014/main" xmlns="" xmlns:lc="http://schemas.openxmlformats.org/drawingml/2006/lockedCanvas" id="{44AEA09D-FD0A-4CA0-883D-93E5EAF762D6}"/>
               </a:ext>
             </a:extLst>
           </p:cNvPr>
@@ -27660,7 +27901,7 @@
           <p:cNvPr id="12" name="矩形 11">
             <a:extLst>
               <a:ext uri="{FF2B5EF4-FFF2-40B4-BE49-F238E27FC236}">
-                <a16:creationId xmlns:a16="http://schemas.microsoft.com/office/drawing/2014/main" xmlns="" id="{0FDAD747-108F-4A6D-9220-5EA05067FF1E}"/>
+                <a16:creationId xmlns="" xmlns:a16="http://schemas.microsoft.com/office/drawing/2014/main" id="{0FDAD747-108F-4A6D-9220-5EA05067FF1E}"/>
               </a:ext>
             </a:extLst>
           </p:cNvPr>
@@ -27727,7 +27968,7 @@
           <p:cNvPr id="4" name="矩形 3">
             <a:extLst>
               <a:ext uri="{FF2B5EF4-FFF2-40B4-BE49-F238E27FC236}">
-                <a16:creationId xmlns:a16="http://schemas.microsoft.com/office/drawing/2014/main" xmlns="" id="{0FDAD747-108F-4A6D-9220-5EA05067FF1E}"/>
+                <a16:creationId xmlns="" xmlns:a16="http://schemas.microsoft.com/office/drawing/2014/main" id="{0FDAD747-108F-4A6D-9220-5EA05067FF1E}"/>
               </a:ext>
             </a:extLst>
           </p:cNvPr>
@@ -28097,7 +28338,7 @@
           <p:cNvPr id="12" name="矩形 11">
             <a:extLst>
               <a:ext uri="{FF2B5EF4-FFF2-40B4-BE49-F238E27FC236}">
-                <a16:creationId xmlns:a16="http://schemas.microsoft.com/office/drawing/2014/main" xmlns="" id="{0FDAD747-108F-4A6D-9220-5EA05067FF1E}"/>
+                <a16:creationId xmlns="" xmlns:a16="http://schemas.microsoft.com/office/drawing/2014/main" id="{0FDAD747-108F-4A6D-9220-5EA05067FF1E}"/>
               </a:ext>
             </a:extLst>
           </p:cNvPr>
@@ -28176,7 +28417,7 @@
           <p:cNvPr id="14" name="矩形 13">
             <a:extLst>
               <a:ext uri="{FF2B5EF4-FFF2-40B4-BE49-F238E27FC236}">
-                <a16:creationId xmlns:a16="http://schemas.microsoft.com/office/drawing/2014/main" xmlns="" id="{C2B44424-4CFE-4BA2-9FCF-F0A911E8A749}"/>
+                <a16:creationId xmlns="" xmlns:a16="http://schemas.microsoft.com/office/drawing/2014/main" id="{C2B44424-4CFE-4BA2-9FCF-F0A911E8A749}"/>
               </a:ext>
             </a:extLst>
           </p:cNvPr>
@@ -28330,7 +28571,7 @@
           <p:cNvPr id="16" name="直接箭头连接符 15">
             <a:extLst>
               <a:ext uri="{FF2B5EF4-FFF2-40B4-BE49-F238E27FC236}">
-                <a16:creationId xmlns:a16="http://schemas.microsoft.com/office/drawing/2014/main" xmlns="" id="{EDD84E7C-3200-40E5-A3C0-E57D7F9E754E}"/>
+                <a16:creationId xmlns="" xmlns:a16="http://schemas.microsoft.com/office/drawing/2014/main" id="{EDD84E7C-3200-40E5-A3C0-E57D7F9E754E}"/>
               </a:ext>
             </a:extLst>
           </p:cNvPr>
@@ -28363,7 +28604,7 @@
           <p:cNvPr id="17" name="矩形 16">
             <a:extLst>
               <a:ext uri="{FF2B5EF4-FFF2-40B4-BE49-F238E27FC236}">
-                <a16:creationId xmlns:a16="http://schemas.microsoft.com/office/drawing/2014/main" xmlns="" id="{0FDAD747-108F-4A6D-9220-5EA05067FF1E}"/>
+                <a16:creationId xmlns="" xmlns:a16="http://schemas.microsoft.com/office/drawing/2014/main" id="{0FDAD747-108F-4A6D-9220-5EA05067FF1E}"/>
               </a:ext>
             </a:extLst>
           </p:cNvPr>
@@ -28410,7 +28651,7 @@
           <p:cNvPr id="18" name="矩形 17">
             <a:extLst>
               <a:ext uri="{FF2B5EF4-FFF2-40B4-BE49-F238E27FC236}">
-                <a16:creationId xmlns:a16="http://schemas.microsoft.com/office/drawing/2014/main" xmlns="" id="{5CEC9FB1-9CBF-4B7B-A321-DF404030F08B}"/>
+                <a16:creationId xmlns="" xmlns:a16="http://schemas.microsoft.com/office/drawing/2014/main" id="{5CEC9FB1-9CBF-4B7B-A321-DF404030F08B}"/>
               </a:ext>
             </a:extLst>
           </p:cNvPr>
@@ -28496,7 +28737,7 @@
           <p:cNvPr id="19" name="直接箭头连接符 18">
             <a:extLst>
               <a:ext uri="{FF2B5EF4-FFF2-40B4-BE49-F238E27FC236}">
-                <a16:creationId xmlns:a16="http://schemas.microsoft.com/office/drawing/2014/main" xmlns="" id="{5A7FC920-9D22-4290-B80F-F4BDC1DE109A}"/>
+                <a16:creationId xmlns="" xmlns:a16="http://schemas.microsoft.com/office/drawing/2014/main" id="{5A7FC920-9D22-4290-B80F-F4BDC1DE109A}"/>
               </a:ext>
             </a:extLst>
           </p:cNvPr>
@@ -28529,7 +28770,7 @@
           <p:cNvPr id="20" name="矩形 19">
             <a:extLst>
               <a:ext uri="{FF2B5EF4-FFF2-40B4-BE49-F238E27FC236}">
-                <a16:creationId xmlns:a16="http://schemas.microsoft.com/office/drawing/2014/main" xmlns="" id="{45B27A13-37E3-4777-9299-E75CAF1F6F9A}"/>
+                <a16:creationId xmlns="" xmlns:a16="http://schemas.microsoft.com/office/drawing/2014/main" id="{45B27A13-37E3-4777-9299-E75CAF1F6F9A}"/>
               </a:ext>
             </a:extLst>
           </p:cNvPr>
@@ -28577,7 +28818,7 @@
           <p:cNvPr id="21" name="图片 20">
             <a:extLst>
               <a:ext uri="{FF2B5EF4-FFF2-40B4-BE49-F238E27FC236}">
-                <a16:creationId xmlns:a16="http://schemas.microsoft.com/office/drawing/2014/main" xmlns="" id="{36569B5B-566F-4C60-9D63-318931B70CA2}"/>
+                <a16:creationId xmlns="" xmlns:a16="http://schemas.microsoft.com/office/drawing/2014/main" id="{36569B5B-566F-4C60-9D63-318931B70CA2}"/>
               </a:ext>
             </a:extLst>
           </p:cNvPr>
@@ -28613,7 +28854,7 @@
           <p:cNvPr id="22" name="矩形 21">
             <a:extLst>
               <a:ext uri="{FF2B5EF4-FFF2-40B4-BE49-F238E27FC236}">
-                <a16:creationId xmlns:a16="http://schemas.microsoft.com/office/drawing/2014/main" xmlns="" id="{2A55BA5B-CE30-435B-95FB-B00B8161E590}"/>
+                <a16:creationId xmlns="" xmlns:a16="http://schemas.microsoft.com/office/drawing/2014/main" id="{2A55BA5B-CE30-435B-95FB-B00B8161E590}"/>
               </a:ext>
             </a:extLst>
           </p:cNvPr>
@@ -28671,7 +28912,7 @@
           <p:cNvPr id="23" name="矩形 22">
             <a:extLst>
               <a:ext uri="{FF2B5EF4-FFF2-40B4-BE49-F238E27FC236}">
-                <a16:creationId xmlns:a16="http://schemas.microsoft.com/office/drawing/2014/main" xmlns="" id="{C2B44424-4CFE-4BA2-9FCF-F0A911E8A749}"/>
+                <a16:creationId xmlns="" xmlns:a16="http://schemas.microsoft.com/office/drawing/2014/main" id="{C2B44424-4CFE-4BA2-9FCF-F0A911E8A749}"/>
               </a:ext>
             </a:extLst>
           </p:cNvPr>
@@ -28782,7 +29023,7 @@
           <p:cNvPr id="25" name="矩形 24">
             <a:extLst>
               <a:ext uri="{FF2B5EF4-FFF2-40B4-BE49-F238E27FC236}">
-                <a16:creationId xmlns:a16="http://schemas.microsoft.com/office/drawing/2014/main" xmlns="" id="{0FDAD747-108F-4A6D-9220-5EA05067FF1E}"/>
+                <a16:creationId xmlns="" xmlns:a16="http://schemas.microsoft.com/office/drawing/2014/main" id="{0FDAD747-108F-4A6D-9220-5EA05067FF1E}"/>
               </a:ext>
             </a:extLst>
           </p:cNvPr>
@@ -28981,7 +29222,7 @@
           <p:cNvPr id="30" name="矩形 29">
             <a:extLst>
               <a:ext uri="{FF2B5EF4-FFF2-40B4-BE49-F238E27FC236}">
-                <a16:creationId xmlns:a16="http://schemas.microsoft.com/office/drawing/2014/main" xmlns="" id="{2A55BA5B-CE30-435B-95FB-B00B8161E590}"/>
+                <a16:creationId xmlns="" xmlns:a16="http://schemas.microsoft.com/office/drawing/2014/main" id="{2A55BA5B-CE30-435B-95FB-B00B8161E590}"/>
               </a:ext>
             </a:extLst>
           </p:cNvPr>
@@ -29049,7 +29290,7 @@
           <p:cNvPr id="27" name="矩形 26">
             <a:extLst>
               <a:ext uri="{FF2B5EF4-FFF2-40B4-BE49-F238E27FC236}">
-                <a16:creationId xmlns:a16="http://schemas.microsoft.com/office/drawing/2014/main" xmlns="" id="{0FDAD747-108F-4A6D-9220-5EA05067FF1E}"/>
+                <a16:creationId xmlns="" xmlns:a16="http://schemas.microsoft.com/office/drawing/2014/main" id="{0FDAD747-108F-4A6D-9220-5EA05067FF1E}"/>
               </a:ext>
             </a:extLst>
           </p:cNvPr>
@@ -29116,7 +29357,7 @@
           <p:cNvPr id="28" name="矩形 13" descr="紫色网格">
             <a:extLst>
               <a:ext uri="{FF2B5EF4-FFF2-40B4-BE49-F238E27FC236}">
-                <a16:creationId xmlns:a16="http://schemas.microsoft.com/office/drawing/2014/main" xmlns="" id="{44AEA09D-FD0A-4CA0-883D-93E5EAF762D6}"/>
+                <a16:creationId xmlns="" xmlns:a16="http://schemas.microsoft.com/office/drawing/2014/main" id="{44AEA09D-FD0A-4CA0-883D-93E5EAF762D6}"/>
               </a:ext>
             </a:extLst>
           </p:cNvPr>
@@ -29416,7 +29657,7 @@
           <p:cNvPr id="12" name="矩形 11">
             <a:extLst>
               <a:ext uri="{FF2B5EF4-FFF2-40B4-BE49-F238E27FC236}">
-                <a16:creationId xmlns:a16="http://schemas.microsoft.com/office/drawing/2014/main" xmlns="" id="{0FDAD747-108F-4A6D-9220-5EA05067FF1E}"/>
+                <a16:creationId xmlns="" xmlns:a16="http://schemas.microsoft.com/office/drawing/2014/main" id="{0FDAD747-108F-4A6D-9220-5EA05067FF1E}"/>
               </a:ext>
             </a:extLst>
           </p:cNvPr>
@@ -29483,7 +29724,7 @@
           <p:cNvPr id="4" name="矩形 3">
             <a:extLst>
               <a:ext uri="{FF2B5EF4-FFF2-40B4-BE49-F238E27FC236}">
-                <a16:creationId xmlns:a16="http://schemas.microsoft.com/office/drawing/2014/main" xmlns="" id="{0FDAD747-108F-4A6D-9220-5EA05067FF1E}"/>
+                <a16:creationId xmlns="" xmlns:a16="http://schemas.microsoft.com/office/drawing/2014/main" id="{0FDAD747-108F-4A6D-9220-5EA05067FF1E}"/>
               </a:ext>
             </a:extLst>
           </p:cNvPr>
@@ -30055,7 +30296,7 @@
           <p:cNvPr id="12" name="矩形 11">
             <a:extLst>
               <a:ext uri="{FF2B5EF4-FFF2-40B4-BE49-F238E27FC236}">
-                <a16:creationId xmlns:a16="http://schemas.microsoft.com/office/drawing/2014/main" xmlns="" id="{0FDAD747-108F-4A6D-9220-5EA05067FF1E}"/>
+                <a16:creationId xmlns="" xmlns:a16="http://schemas.microsoft.com/office/drawing/2014/main" id="{0FDAD747-108F-4A6D-9220-5EA05067FF1E}"/>
               </a:ext>
             </a:extLst>
           </p:cNvPr>
@@ -30102,7 +30343,7 @@
           <p:cNvPr id="4" name="矩形 3">
             <a:extLst>
               <a:ext uri="{FF2B5EF4-FFF2-40B4-BE49-F238E27FC236}">
-                <a16:creationId xmlns:a16="http://schemas.microsoft.com/office/drawing/2014/main" xmlns="" id="{0FDAD747-108F-4A6D-9220-5EA05067FF1E}"/>
+                <a16:creationId xmlns="" xmlns:a16="http://schemas.microsoft.com/office/drawing/2014/main" id="{0FDAD747-108F-4A6D-9220-5EA05067FF1E}"/>
               </a:ext>
             </a:extLst>
           </p:cNvPr>
@@ -30565,6 +30806,890 @@
     <p:extLst>
       <p:ext uri="{BB962C8B-B14F-4D97-AF65-F5344CB8AC3E}">
         <p14:creationId xmlns:p14="http://schemas.microsoft.com/office/powerpoint/2010/main" val="2554868103"/>
+      </p:ext>
+    </p:extLst>
+  </p:cSld>
+  <p:clrMapOvr>
+    <a:masterClrMapping/>
+  </p:clrMapOvr>
+  <p:timing>
+    <p:tnLst>
+      <p:par>
+        <p:cTn id="1" dur="indefinite" restart="never" nodeType="tmRoot"/>
+      </p:par>
+    </p:tnLst>
+  </p:timing>
+</p:sld>
+</file>
+
+<file path=ppt/slides/slide53.xml><?xml version="1.0" encoding="utf-8"?>
+<p:sld xmlns:a="http://schemas.openxmlformats.org/drawingml/2006/main" xmlns:r="http://schemas.openxmlformats.org/officeDocument/2006/relationships" xmlns:p="http://schemas.openxmlformats.org/presentationml/2006/main">
+  <p:cSld>
+    <p:spTree>
+      <p:nvGrpSpPr>
+        <p:cNvPr id="1" name=""/>
+        <p:cNvGrpSpPr/>
+        <p:nvPr/>
+      </p:nvGrpSpPr>
+      <p:grpSpPr>
+        <a:xfrm>
+          <a:off x="0" y="0"/>
+          <a:ext cx="0" cy="0"/>
+          <a:chOff x="0" y="0"/>
+          <a:chExt cx="0" cy="0"/>
+        </a:xfrm>
+      </p:grpSpPr>
+      <p:sp>
+        <p:nvSpPr>
+          <p:cNvPr id="13" name="文本框 12"/>
+          <p:cNvSpPr txBox="1"/>
+          <p:nvPr/>
+        </p:nvSpPr>
+        <p:spPr>
+          <a:xfrm>
+            <a:off x="1133852" y="2368487"/>
+            <a:ext cx="9954277" cy="707886"/>
+          </a:xfrm>
+          <a:prstGeom prst="rect">
+            <a:avLst/>
+          </a:prstGeom>
+          <a:noFill/>
+        </p:spPr>
+        <p:txBody>
+          <a:bodyPr wrap="square" rtlCol="0" anchor="ctr">
+            <a:spAutoFit/>
+          </a:bodyPr>
+          <a:lstStyle/>
+          <a:p>
+            <a:pPr algn="ctr"/>
+            <a:r>
+              <a:rPr lang="en-US" altLang="zh-CN" sz="4000" b="1" dirty="0" smtClean="0">
+                <a:solidFill>
+                  <a:schemeClr val="bg2">
+                    <a:lumMod val="10000"/>
+                  </a:schemeClr>
+                </a:solidFill>
+                <a:latin typeface="微软雅黑" panose="020B0503020204020204" pitchFamily="34" charset="-122"/>
+                <a:ea typeface="微软雅黑" panose="020B0503020204020204" pitchFamily="34" charset="-122"/>
+              </a:rPr>
+              <a:t>4</a:t>
+            </a:r>
+            <a:r>
+              <a:rPr lang="zh-CN" altLang="en-US" sz="4000" b="1" dirty="0" smtClean="0">
+                <a:solidFill>
+                  <a:schemeClr val="bg2">
+                    <a:lumMod val="10000"/>
+                  </a:schemeClr>
+                </a:solidFill>
+                <a:latin typeface="微软雅黑" panose="020B0503020204020204" pitchFamily="34" charset="-122"/>
+                <a:ea typeface="微软雅黑" panose="020B0503020204020204" pitchFamily="34" charset="-122"/>
+              </a:rPr>
+              <a:t>月</a:t>
+            </a:r>
+            <a:r>
+              <a:rPr lang="en-US" altLang="zh-CN" sz="4000" b="1" dirty="0">
+                <a:solidFill>
+                  <a:schemeClr val="bg2">
+                    <a:lumMod val="10000"/>
+                  </a:schemeClr>
+                </a:solidFill>
+                <a:latin typeface="微软雅黑" panose="020B0503020204020204" pitchFamily="34" charset="-122"/>
+                <a:ea typeface="微软雅黑" panose="020B0503020204020204" pitchFamily="34" charset="-122"/>
+              </a:rPr>
+              <a:t>1</a:t>
+            </a:r>
+            <a:r>
+              <a:rPr lang="zh-CN" altLang="en-US" sz="4000" b="1" dirty="0" smtClean="0">
+                <a:solidFill>
+                  <a:schemeClr val="bg2">
+                    <a:lumMod val="10000"/>
+                  </a:schemeClr>
+                </a:solidFill>
+                <a:latin typeface="微软雅黑" panose="020B0503020204020204" pitchFamily="34" charset="-122"/>
+                <a:ea typeface="微软雅黑" panose="020B0503020204020204" pitchFamily="34" charset="-122"/>
+              </a:rPr>
+              <a:t>号</a:t>
+            </a:r>
+            <a:r>
+              <a:rPr lang="zh-CN" altLang="en-US" sz="4000" b="1" dirty="0" smtClean="0">
+                <a:solidFill>
+                  <a:schemeClr val="bg2">
+                    <a:lumMod val="10000"/>
+                  </a:schemeClr>
+                </a:solidFill>
+                <a:latin typeface="微软雅黑" panose="020B0503020204020204" pitchFamily="34" charset="-122"/>
+                <a:ea typeface="微软雅黑" panose="020B0503020204020204" pitchFamily="34" charset="-122"/>
+              </a:rPr>
+              <a:t>讨论</a:t>
+            </a:r>
+            <a:r>
+              <a:rPr lang="en-US" altLang="zh-CN" sz="4000" b="1" dirty="0" smtClean="0">
+                <a:solidFill>
+                  <a:schemeClr val="bg2">
+                    <a:lumMod val="10000"/>
+                  </a:schemeClr>
+                </a:solidFill>
+                <a:latin typeface="微软雅黑" panose="020B0503020204020204" pitchFamily="34" charset="-122"/>
+                <a:ea typeface="微软雅黑" panose="020B0503020204020204" pitchFamily="34" charset="-122"/>
+              </a:rPr>
+              <a:t>Memo</a:t>
+            </a:r>
+            <a:endParaRPr lang="en-US" altLang="zh-CN" sz="4000" dirty="0" smtClean="0">
+              <a:solidFill>
+                <a:schemeClr val="bg2">
+                  <a:lumMod val="10000"/>
+                </a:schemeClr>
+              </a:solidFill>
+              <a:latin typeface="微软雅黑" panose="020B0503020204020204" pitchFamily="34" charset="-122"/>
+              <a:ea typeface="微软雅黑" panose="020B0503020204020204" pitchFamily="34" charset="-122"/>
+            </a:endParaRPr>
+          </a:p>
+        </p:txBody>
+      </p:sp>
+    </p:spTree>
+    <p:extLst>
+      <p:ext uri="{BB962C8B-B14F-4D97-AF65-F5344CB8AC3E}">
+        <p14:creationId xmlns:p14="http://schemas.microsoft.com/office/powerpoint/2010/main" val="779884173"/>
+      </p:ext>
+    </p:extLst>
+  </p:cSld>
+  <p:clrMapOvr>
+    <a:masterClrMapping/>
+  </p:clrMapOvr>
+  <p:timing>
+    <p:tnLst>
+      <p:par>
+        <p:cTn id="1" dur="indefinite" restart="never" nodeType="tmRoot"/>
+      </p:par>
+    </p:tnLst>
+  </p:timing>
+</p:sld>
+</file>
+
+<file path=ppt/slides/slide54.xml><?xml version="1.0" encoding="utf-8"?>
+<p:sld xmlns:a="http://schemas.openxmlformats.org/drawingml/2006/main" xmlns:r="http://schemas.openxmlformats.org/officeDocument/2006/relationships" xmlns:p="http://schemas.openxmlformats.org/presentationml/2006/main">
+  <p:cSld>
+    <p:spTree>
+      <p:nvGrpSpPr>
+        <p:cNvPr id="1" name=""/>
+        <p:cNvGrpSpPr/>
+        <p:nvPr/>
+      </p:nvGrpSpPr>
+      <p:grpSpPr>
+        <a:xfrm>
+          <a:off x="0" y="0"/>
+          <a:ext cx="0" cy="0"/>
+          <a:chOff x="0" y="0"/>
+          <a:chExt cx="0" cy="0"/>
+        </a:xfrm>
+      </p:grpSpPr>
+      <p:sp>
+        <p:nvSpPr>
+          <p:cNvPr id="12" name="矩形 11">
+            <a:extLst>
+              <a:ext uri="{FF2B5EF4-FFF2-40B4-BE49-F238E27FC236}">
+                <a16:creationId xmlns="" xmlns:a16="http://schemas.microsoft.com/office/drawing/2014/main" id="{0FDAD747-108F-4A6D-9220-5EA05067FF1E}"/>
+              </a:ext>
+            </a:extLst>
+          </p:cNvPr>
+          <p:cNvSpPr/>
+          <p:nvPr/>
+        </p:nvSpPr>
+        <p:spPr>
+          <a:xfrm>
+            <a:off x="843572" y="1120596"/>
+            <a:ext cx="1826141" cy="584775"/>
+          </a:xfrm>
+          <a:prstGeom prst="rect">
+            <a:avLst/>
+          </a:prstGeom>
+        </p:spPr>
+        <p:txBody>
+          <a:bodyPr wrap="none">
+            <a:spAutoFit/>
+          </a:bodyPr>
+          <a:lstStyle/>
+          <a:p>
+            <a:r>
+              <a:rPr lang="zh-CN" altLang="en-US" sz="3200" b="1" dirty="0" smtClean="0">
+                <a:solidFill>
+                  <a:prstClr val="black"/>
+                </a:solidFill>
+                <a:latin typeface="微软雅黑" panose="020B0503020204020204" pitchFamily="34" charset="-122"/>
+                <a:ea typeface="微软雅黑" panose="020B0503020204020204" pitchFamily="34" charset="-122"/>
+              </a:rPr>
+              <a:t>讨论内容</a:t>
+            </a:r>
+            <a:endParaRPr lang="zh-CN" altLang="en-US" sz="3200" b="1" dirty="0">
+              <a:solidFill>
+                <a:prstClr val="black"/>
+              </a:solidFill>
+              <a:latin typeface="微软雅黑" panose="020B0503020204020204" pitchFamily="34" charset="-122"/>
+              <a:ea typeface="微软雅黑" panose="020B0503020204020204" pitchFamily="34" charset="-122"/>
+            </a:endParaRPr>
+          </a:p>
+        </p:txBody>
+      </p:sp>
+      <p:sp>
+        <p:nvSpPr>
+          <p:cNvPr id="4" name="矩形 3">
+            <a:extLst>
+              <a:ext uri="{FF2B5EF4-FFF2-40B4-BE49-F238E27FC236}">
+                <a16:creationId xmlns="" xmlns:a16="http://schemas.microsoft.com/office/drawing/2014/main" id="{0FDAD747-108F-4A6D-9220-5EA05067FF1E}"/>
+              </a:ext>
+            </a:extLst>
+          </p:cNvPr>
+          <p:cNvSpPr/>
+          <p:nvPr/>
+        </p:nvSpPr>
+        <p:spPr>
+          <a:xfrm>
+            <a:off x="843573" y="2098407"/>
+            <a:ext cx="10730590" cy="3046988"/>
+          </a:xfrm>
+          <a:prstGeom prst="rect">
+            <a:avLst/>
+          </a:prstGeom>
+        </p:spPr>
+        <p:txBody>
+          <a:bodyPr wrap="square">
+            <a:spAutoFit/>
+          </a:bodyPr>
+          <a:lstStyle/>
+          <a:p>
+            <a:pPr marL="285750" indent="-285750">
+              <a:lnSpc>
+                <a:spcPct val="200000"/>
+              </a:lnSpc>
+              <a:buFont typeface="Wingdings" panose="05000000000000000000" pitchFamily="2" charset="2"/>
+              <a:buChar char="p"/>
+            </a:pPr>
+            <a:r>
+              <a:rPr lang="en-US" altLang="zh-CN" sz="1600" b="1" dirty="0" smtClean="0">
+                <a:solidFill>
+                  <a:prstClr val="black"/>
+                </a:solidFill>
+                <a:latin typeface="微软雅黑" panose="020B0503020204020204" pitchFamily="34" charset="-122"/>
+                <a:ea typeface="微软雅黑" panose="020B0503020204020204" pitchFamily="34" charset="-122"/>
+              </a:rPr>
+              <a:t>Paper1</a:t>
+            </a:r>
+            <a:r>
+              <a:rPr lang="zh-CN" altLang="en-US" sz="1600" b="1" dirty="0" smtClean="0">
+                <a:solidFill>
+                  <a:prstClr val="black"/>
+                </a:solidFill>
+                <a:latin typeface="微软雅黑" panose="020B0503020204020204" pitchFamily="34" charset="-122"/>
+                <a:ea typeface="微软雅黑" panose="020B0503020204020204" pitchFamily="34" charset="-122"/>
+              </a:rPr>
+              <a:t>：“</a:t>
+            </a:r>
+            <a:r>
+              <a:rPr lang="en-US" altLang="zh-CN" sz="1600" dirty="0" smtClean="0">
+                <a:solidFill>
+                  <a:prstClr val="black"/>
+                </a:solidFill>
+                <a:latin typeface="微软雅黑" panose="020B0503020204020204" pitchFamily="34" charset="-122"/>
+                <a:ea typeface="微软雅黑" panose="020B0503020204020204" pitchFamily="34" charset="-122"/>
+              </a:rPr>
+              <a:t>Speech </a:t>
+            </a:r>
+            <a:r>
+              <a:rPr lang="en-US" altLang="zh-CN" sz="1600" dirty="0">
+                <a:solidFill>
+                  <a:prstClr val="black"/>
+                </a:solidFill>
+                <a:latin typeface="微软雅黑" panose="020B0503020204020204" pitchFamily="34" charset="-122"/>
+                <a:ea typeface="微软雅黑" panose="020B0503020204020204" pitchFamily="34" charset="-122"/>
+              </a:rPr>
+              <a:t>Coding and Audio Preprocessing for Mitigating and Detecting </a:t>
+            </a:r>
+            <a:r>
+              <a:rPr lang="en-US" altLang="zh-CN" sz="1600" dirty="0" smtClean="0">
+                <a:solidFill>
+                  <a:prstClr val="black"/>
+                </a:solidFill>
+                <a:latin typeface="微软雅黑" panose="020B0503020204020204" pitchFamily="34" charset="-122"/>
+                <a:ea typeface="微软雅黑" panose="020B0503020204020204" pitchFamily="34" charset="-122"/>
+              </a:rPr>
+              <a:t>Audio Adversarial </a:t>
+            </a:r>
+            <a:r>
+              <a:rPr lang="en-US" altLang="zh-CN" sz="1600" dirty="0">
+                <a:solidFill>
+                  <a:prstClr val="black"/>
+                </a:solidFill>
+                <a:latin typeface="微软雅黑" panose="020B0503020204020204" pitchFamily="34" charset="-122"/>
+                <a:ea typeface="微软雅黑" panose="020B0503020204020204" pitchFamily="34" charset="-122"/>
+              </a:rPr>
+              <a:t>Examples on Automatic Speech </a:t>
+            </a:r>
+            <a:r>
+              <a:rPr lang="en-US" altLang="zh-CN" sz="1600" dirty="0" smtClean="0">
+                <a:solidFill>
+                  <a:prstClr val="black"/>
+                </a:solidFill>
+                <a:latin typeface="微软雅黑" panose="020B0503020204020204" pitchFamily="34" charset="-122"/>
+                <a:ea typeface="微软雅黑" panose="020B0503020204020204" pitchFamily="34" charset="-122"/>
+              </a:rPr>
+              <a:t>Recognition</a:t>
+            </a:r>
+            <a:r>
+              <a:rPr lang="zh-CN" altLang="en-US" sz="1600" dirty="0" smtClean="0">
+                <a:solidFill>
+                  <a:prstClr val="black"/>
+                </a:solidFill>
+                <a:latin typeface="微软雅黑" panose="020B0503020204020204" pitchFamily="34" charset="-122"/>
+                <a:ea typeface="微软雅黑" panose="020B0503020204020204" pitchFamily="34" charset="-122"/>
+              </a:rPr>
+              <a:t>”</a:t>
+            </a:r>
+            <a:endParaRPr lang="en-US" altLang="zh-CN" sz="1600" dirty="0" smtClean="0">
+              <a:solidFill>
+                <a:prstClr val="black"/>
+              </a:solidFill>
+              <a:latin typeface="微软雅黑" panose="020B0503020204020204" pitchFamily="34" charset="-122"/>
+              <a:ea typeface="微软雅黑" panose="020B0503020204020204" pitchFamily="34" charset="-122"/>
+            </a:endParaRPr>
+          </a:p>
+          <a:p>
+            <a:pPr marL="285750" indent="-285750">
+              <a:lnSpc>
+                <a:spcPct val="200000"/>
+              </a:lnSpc>
+              <a:buFont typeface="Wingdings" panose="05000000000000000000" pitchFamily="2" charset="2"/>
+              <a:buChar char="p"/>
+            </a:pPr>
+            <a:r>
+              <a:rPr lang="en-US" altLang="zh-CN" sz="1600" b="1" dirty="0" smtClean="0">
+                <a:solidFill>
+                  <a:prstClr val="black"/>
+                </a:solidFill>
+                <a:latin typeface="微软雅黑" panose="020B0503020204020204" pitchFamily="34" charset="-122"/>
+                <a:ea typeface="微软雅黑" panose="020B0503020204020204" pitchFamily="34" charset="-122"/>
+              </a:rPr>
+              <a:t>Paper2</a:t>
+            </a:r>
+            <a:r>
+              <a:rPr lang="zh-CN" altLang="en-US" sz="1600" b="1" dirty="0" smtClean="0">
+                <a:solidFill>
+                  <a:prstClr val="black"/>
+                </a:solidFill>
+                <a:latin typeface="微软雅黑" panose="020B0503020204020204" pitchFamily="34" charset="-122"/>
+                <a:ea typeface="微软雅黑" panose="020B0503020204020204" pitchFamily="34" charset="-122"/>
+              </a:rPr>
+              <a:t>：</a:t>
+            </a:r>
+            <a:r>
+              <a:rPr lang="zh-CN" altLang="en-US" sz="1600" i="1" dirty="0" smtClean="0">
+                <a:solidFill>
+                  <a:prstClr val="black"/>
+                </a:solidFill>
+                <a:latin typeface="微软雅黑" panose="020B0503020204020204" pitchFamily="34" charset="-122"/>
+                <a:ea typeface="微软雅黑" panose="020B0503020204020204" pitchFamily="34" charset="-122"/>
+              </a:rPr>
+              <a:t>“</a:t>
+            </a:r>
+            <a:r>
+              <a:rPr lang="en-US" altLang="zh-CN" sz="1600" dirty="0">
+                <a:solidFill>
+                  <a:prstClr val="black"/>
+                </a:solidFill>
+                <a:latin typeface="微软雅黑" panose="020B0503020204020204" pitchFamily="34" charset="-122"/>
+                <a:ea typeface="微软雅黑" panose="020B0503020204020204" pitchFamily="34" charset="-122"/>
+              </a:rPr>
+              <a:t>DOMPTEUR: Taming Audio Adversarial </a:t>
+            </a:r>
+            <a:r>
+              <a:rPr lang="en-US" altLang="zh-CN" sz="1600" dirty="0" smtClean="0">
+                <a:solidFill>
+                  <a:prstClr val="black"/>
+                </a:solidFill>
+                <a:latin typeface="微软雅黑" panose="020B0503020204020204" pitchFamily="34" charset="-122"/>
+                <a:ea typeface="微软雅黑" panose="020B0503020204020204" pitchFamily="34" charset="-122"/>
+              </a:rPr>
+              <a:t>Examples with </a:t>
+            </a:r>
+            <a:r>
+              <a:rPr lang="en-US" altLang="zh-CN" sz="1600" dirty="0">
+                <a:solidFill>
+                  <a:prstClr val="black"/>
+                </a:solidFill>
+                <a:latin typeface="微软雅黑" panose="020B0503020204020204" pitchFamily="34" charset="-122"/>
+                <a:ea typeface="微软雅黑" panose="020B0503020204020204" pitchFamily="34" charset="-122"/>
+              </a:rPr>
+              <a:t>Psychoacoustic Compression</a:t>
+            </a:r>
+            <a:r>
+              <a:rPr lang="zh-CN" altLang="en-US" sz="1600" dirty="0" smtClean="0">
+                <a:solidFill>
+                  <a:prstClr val="black"/>
+                </a:solidFill>
+                <a:latin typeface="微软雅黑" panose="020B0503020204020204" pitchFamily="34" charset="-122"/>
+                <a:ea typeface="微软雅黑" panose="020B0503020204020204" pitchFamily="34" charset="-122"/>
+              </a:rPr>
+              <a:t>”</a:t>
+            </a:r>
+            <a:endParaRPr lang="en-US" altLang="zh-CN" sz="1600" dirty="0" smtClean="0">
+              <a:solidFill>
+                <a:prstClr val="black"/>
+              </a:solidFill>
+              <a:latin typeface="微软雅黑" panose="020B0503020204020204" pitchFamily="34" charset="-122"/>
+              <a:ea typeface="微软雅黑" panose="020B0503020204020204" pitchFamily="34" charset="-122"/>
+            </a:endParaRPr>
+          </a:p>
+          <a:p>
+            <a:pPr marL="285750" indent="-285750">
+              <a:lnSpc>
+                <a:spcPct val="200000"/>
+              </a:lnSpc>
+              <a:buFont typeface="Wingdings" panose="05000000000000000000" pitchFamily="2" charset="2"/>
+              <a:buChar char="p"/>
+            </a:pPr>
+            <a:r>
+              <a:rPr lang="zh-CN" altLang="en-US" sz="1600" b="1" dirty="0" smtClean="0">
+                <a:solidFill>
+                  <a:prstClr val="black"/>
+                </a:solidFill>
+                <a:latin typeface="微软雅黑" panose="020B0503020204020204" pitchFamily="34" charset="-122"/>
+                <a:ea typeface="微软雅黑" panose="020B0503020204020204" pitchFamily="34" charset="-122"/>
+              </a:rPr>
+              <a:t>结论</a:t>
+            </a:r>
+            <a:r>
+              <a:rPr lang="en-US" altLang="zh-CN" sz="1600" b="1" dirty="0" smtClean="0">
+                <a:solidFill>
+                  <a:prstClr val="black"/>
+                </a:solidFill>
+                <a:latin typeface="微软雅黑" panose="020B0503020204020204" pitchFamily="34" charset="-122"/>
+                <a:ea typeface="微软雅黑" panose="020B0503020204020204" pitchFamily="34" charset="-122"/>
+              </a:rPr>
+              <a:t>1</a:t>
+            </a:r>
+            <a:r>
+              <a:rPr lang="zh-CN" altLang="en-US" sz="1600" dirty="0" smtClean="0">
+                <a:solidFill>
+                  <a:prstClr val="black"/>
+                </a:solidFill>
+                <a:latin typeface="微软雅黑" panose="020B0503020204020204" pitchFamily="34" charset="-122"/>
+                <a:ea typeface="微软雅黑" panose="020B0503020204020204" pitchFamily="34" charset="-122"/>
+              </a:rPr>
+              <a:t>：压缩算法对于未考虑此类预处理过程的攻击有影响，但是对于未经过此类预处理过的语料库训练的</a:t>
+            </a:r>
+            <a:r>
+              <a:rPr lang="en-US" altLang="zh-CN" sz="1600" dirty="0" smtClean="0">
+                <a:solidFill>
+                  <a:prstClr val="black"/>
+                </a:solidFill>
+                <a:latin typeface="微软雅黑" panose="020B0503020204020204" pitchFamily="34" charset="-122"/>
+                <a:ea typeface="微软雅黑" panose="020B0503020204020204" pitchFamily="34" charset="-122"/>
+              </a:rPr>
+              <a:t>ASR</a:t>
+            </a:r>
+            <a:r>
+              <a:rPr lang="zh-CN" altLang="en-US" sz="1600" dirty="0" smtClean="0">
+                <a:solidFill>
+                  <a:prstClr val="black"/>
+                </a:solidFill>
+                <a:latin typeface="微软雅黑" panose="020B0503020204020204" pitchFamily="34" charset="-122"/>
+                <a:ea typeface="微软雅黑" panose="020B0503020204020204" pitchFamily="34" charset="-122"/>
+              </a:rPr>
+              <a:t>的正常功能也有影响。因此此类防御方法必须要求</a:t>
+            </a:r>
+            <a:r>
+              <a:rPr lang="en-US" altLang="zh-CN" sz="1600" dirty="0" smtClean="0">
+                <a:solidFill>
+                  <a:prstClr val="black"/>
+                </a:solidFill>
+                <a:latin typeface="微软雅黑" panose="020B0503020204020204" pitchFamily="34" charset="-122"/>
+                <a:ea typeface="微软雅黑" panose="020B0503020204020204" pitchFamily="34" charset="-122"/>
+              </a:rPr>
+              <a:t>ASR</a:t>
+            </a:r>
+            <a:r>
+              <a:rPr lang="zh-CN" altLang="en-US" sz="1600" dirty="0" smtClean="0">
+                <a:solidFill>
+                  <a:prstClr val="black"/>
+                </a:solidFill>
+                <a:latin typeface="微软雅黑" panose="020B0503020204020204" pitchFamily="34" charset="-122"/>
+                <a:ea typeface="微软雅黑" panose="020B0503020204020204" pitchFamily="34" charset="-122"/>
+              </a:rPr>
+              <a:t>的训练样本为经过预处理过程后的数据。</a:t>
+            </a:r>
+            <a:endParaRPr lang="en-US" altLang="zh-CN" sz="1600" dirty="0" smtClean="0">
+              <a:solidFill>
+                <a:prstClr val="black"/>
+              </a:solidFill>
+              <a:latin typeface="微软雅黑" panose="020B0503020204020204" pitchFamily="34" charset="-122"/>
+              <a:ea typeface="微软雅黑" panose="020B0503020204020204" pitchFamily="34" charset="-122"/>
+            </a:endParaRPr>
+          </a:p>
+          <a:p>
+            <a:pPr marL="285750" indent="-285750">
+              <a:lnSpc>
+                <a:spcPct val="200000"/>
+              </a:lnSpc>
+              <a:buFont typeface="Wingdings" panose="05000000000000000000" pitchFamily="2" charset="2"/>
+              <a:buChar char="p"/>
+            </a:pPr>
+            <a:r>
+              <a:rPr lang="zh-CN" altLang="en-US" sz="1600" b="1" dirty="0" smtClean="0">
+                <a:solidFill>
+                  <a:prstClr val="black"/>
+                </a:solidFill>
+                <a:latin typeface="微软雅黑" panose="020B0503020204020204" pitchFamily="34" charset="-122"/>
+                <a:ea typeface="微软雅黑" panose="020B0503020204020204" pitchFamily="34" charset="-122"/>
+              </a:rPr>
+              <a:t>结论</a:t>
+            </a:r>
+            <a:r>
+              <a:rPr lang="en-US" altLang="zh-CN" sz="1600" b="1" dirty="0" smtClean="0">
+                <a:solidFill>
+                  <a:prstClr val="black"/>
+                </a:solidFill>
+                <a:latin typeface="微软雅黑" panose="020B0503020204020204" pitchFamily="34" charset="-122"/>
+                <a:ea typeface="微软雅黑" panose="020B0503020204020204" pitchFamily="34" charset="-122"/>
+              </a:rPr>
+              <a:t>2</a:t>
+            </a:r>
+            <a:r>
+              <a:rPr lang="zh-CN" altLang="en-US" sz="1600" dirty="0" smtClean="0">
+                <a:solidFill>
+                  <a:prstClr val="black"/>
+                </a:solidFill>
+                <a:latin typeface="微软雅黑" panose="020B0503020204020204" pitchFamily="34" charset="-122"/>
+                <a:ea typeface="微软雅黑" panose="020B0503020204020204" pitchFamily="34" charset="-122"/>
+              </a:rPr>
+              <a:t>：这两篇文章不管是研究的</a:t>
+            </a:r>
+            <a:r>
+              <a:rPr lang="en-US" altLang="zh-CN" sz="1600" dirty="0" smtClean="0">
+                <a:solidFill>
+                  <a:prstClr val="black"/>
+                </a:solidFill>
+                <a:latin typeface="微软雅黑" panose="020B0503020204020204" pitchFamily="34" charset="-122"/>
+                <a:ea typeface="微软雅黑" panose="020B0503020204020204" pitchFamily="34" charset="-122"/>
+              </a:rPr>
+              <a:t>AE</a:t>
+            </a:r>
+            <a:r>
+              <a:rPr lang="zh-CN" altLang="en-US" sz="1600" dirty="0" smtClean="0">
+                <a:solidFill>
+                  <a:prstClr val="black"/>
+                </a:solidFill>
+                <a:latin typeface="微软雅黑" panose="020B0503020204020204" pitchFamily="34" charset="-122"/>
+                <a:ea typeface="微软雅黑" panose="020B0503020204020204" pitchFamily="34" charset="-122"/>
+              </a:rPr>
+              <a:t>攻击方式，还是研究的预处理过程算法，考虑得都不全面。实验做的也不</a:t>
+            </a:r>
+            <a:r>
+              <a:rPr lang="en-US" altLang="zh-CN" sz="1600" dirty="0" smtClean="0">
+                <a:solidFill>
+                  <a:prstClr val="black"/>
+                </a:solidFill>
+                <a:latin typeface="微软雅黑" panose="020B0503020204020204" pitchFamily="34" charset="-122"/>
+                <a:ea typeface="微软雅黑" panose="020B0503020204020204" pitchFamily="34" charset="-122"/>
+              </a:rPr>
+              <a:t>solid</a:t>
+            </a:r>
+            <a:r>
+              <a:rPr lang="zh-CN" altLang="en-US" sz="1600" dirty="0" smtClean="0">
+                <a:solidFill>
+                  <a:prstClr val="black"/>
+                </a:solidFill>
+                <a:latin typeface="微软雅黑" panose="020B0503020204020204" pitchFamily="34" charset="-122"/>
+                <a:ea typeface="微软雅黑" panose="020B0503020204020204" pitchFamily="34" charset="-122"/>
+              </a:rPr>
+              <a:t>。</a:t>
+            </a:r>
+            <a:endParaRPr lang="en-US" altLang="zh-CN" sz="1600" dirty="0" smtClean="0">
+              <a:solidFill>
+                <a:prstClr val="black"/>
+              </a:solidFill>
+              <a:latin typeface="微软雅黑" panose="020B0503020204020204" pitchFamily="34" charset="-122"/>
+              <a:ea typeface="微软雅黑" panose="020B0503020204020204" pitchFamily="34" charset="-122"/>
+            </a:endParaRPr>
+          </a:p>
+        </p:txBody>
+      </p:sp>
+    </p:spTree>
+    <p:extLst>
+      <p:ext uri="{BB962C8B-B14F-4D97-AF65-F5344CB8AC3E}">
+        <p14:creationId xmlns:p14="http://schemas.microsoft.com/office/powerpoint/2010/main" val="3831409708"/>
+      </p:ext>
+    </p:extLst>
+  </p:cSld>
+  <p:clrMapOvr>
+    <a:masterClrMapping/>
+  </p:clrMapOvr>
+  <p:timing>
+    <p:tnLst>
+      <p:par>
+        <p:cTn id="1" dur="indefinite" restart="never" nodeType="tmRoot"/>
+      </p:par>
+    </p:tnLst>
+  </p:timing>
+</p:sld>
+</file>
+
+<file path=ppt/slides/slide55.xml><?xml version="1.0" encoding="utf-8"?>
+<p:sld xmlns:a="http://schemas.openxmlformats.org/drawingml/2006/main" xmlns:r="http://schemas.openxmlformats.org/officeDocument/2006/relationships" xmlns:p="http://schemas.openxmlformats.org/presentationml/2006/main">
+  <p:cSld>
+    <p:spTree>
+      <p:nvGrpSpPr>
+        <p:cNvPr id="1" name=""/>
+        <p:cNvGrpSpPr/>
+        <p:nvPr/>
+      </p:nvGrpSpPr>
+      <p:grpSpPr>
+        <a:xfrm>
+          <a:off x="0" y="0"/>
+          <a:ext cx="0" cy="0"/>
+          <a:chOff x="0" y="0"/>
+          <a:chExt cx="0" cy="0"/>
+        </a:xfrm>
+      </p:grpSpPr>
+      <p:sp>
+        <p:nvSpPr>
+          <p:cNvPr id="12" name="矩形 11">
+            <a:extLst>
+              <a:ext uri="{FF2B5EF4-FFF2-40B4-BE49-F238E27FC236}">
+                <a16:creationId xmlns="" xmlns:a16="http://schemas.microsoft.com/office/drawing/2014/main" id="{0FDAD747-108F-4A6D-9220-5EA05067FF1E}"/>
+              </a:ext>
+            </a:extLst>
+          </p:cNvPr>
+          <p:cNvSpPr/>
+          <p:nvPr/>
+        </p:nvSpPr>
+        <p:spPr>
+          <a:xfrm>
+            <a:off x="843572" y="1120596"/>
+            <a:ext cx="1826141" cy="584775"/>
+          </a:xfrm>
+          <a:prstGeom prst="rect">
+            <a:avLst/>
+          </a:prstGeom>
+        </p:spPr>
+        <p:txBody>
+          <a:bodyPr wrap="none">
+            <a:spAutoFit/>
+          </a:bodyPr>
+          <a:lstStyle/>
+          <a:p>
+            <a:r>
+              <a:rPr lang="zh-CN" altLang="en-US" sz="3200" b="1" dirty="0" smtClean="0">
+                <a:solidFill>
+                  <a:prstClr val="black"/>
+                </a:solidFill>
+                <a:latin typeface="微软雅黑" panose="020B0503020204020204" pitchFamily="34" charset="-122"/>
+                <a:ea typeface="微软雅黑" panose="020B0503020204020204" pitchFamily="34" charset="-122"/>
+              </a:rPr>
+              <a:t>讨论内容</a:t>
+            </a:r>
+            <a:endParaRPr lang="zh-CN" altLang="en-US" sz="3200" b="1" dirty="0">
+              <a:solidFill>
+                <a:prstClr val="black"/>
+              </a:solidFill>
+              <a:latin typeface="微软雅黑" panose="020B0503020204020204" pitchFamily="34" charset="-122"/>
+              <a:ea typeface="微软雅黑" panose="020B0503020204020204" pitchFamily="34" charset="-122"/>
+            </a:endParaRPr>
+          </a:p>
+        </p:txBody>
+      </p:sp>
+      <p:sp>
+        <p:nvSpPr>
+          <p:cNvPr id="4" name="矩形 3">
+            <a:extLst>
+              <a:ext uri="{FF2B5EF4-FFF2-40B4-BE49-F238E27FC236}">
+                <a16:creationId xmlns="" xmlns:a16="http://schemas.microsoft.com/office/drawing/2014/main" id="{0FDAD747-108F-4A6D-9220-5EA05067FF1E}"/>
+              </a:ext>
+            </a:extLst>
+          </p:cNvPr>
+          <p:cNvSpPr/>
+          <p:nvPr/>
+        </p:nvSpPr>
+        <p:spPr>
+          <a:xfrm>
+            <a:off x="843573" y="2098407"/>
+            <a:ext cx="10730590" cy="1569660"/>
+          </a:xfrm>
+          <a:prstGeom prst="rect">
+            <a:avLst/>
+          </a:prstGeom>
+        </p:spPr>
+        <p:txBody>
+          <a:bodyPr wrap="square">
+            <a:spAutoFit/>
+          </a:bodyPr>
+          <a:lstStyle/>
+          <a:p>
+            <a:pPr marL="285750" indent="-285750">
+              <a:lnSpc>
+                <a:spcPct val="200000"/>
+              </a:lnSpc>
+              <a:buFont typeface="Wingdings" panose="05000000000000000000" pitchFamily="2" charset="2"/>
+              <a:buChar char="p"/>
+            </a:pPr>
+            <a:r>
+              <a:rPr lang="zh-CN" altLang="en-US" sz="1600" b="1" dirty="0" smtClean="0">
+                <a:solidFill>
+                  <a:prstClr val="black"/>
+                </a:solidFill>
+                <a:latin typeface="微软雅黑" panose="020B0503020204020204" pitchFamily="34" charset="-122"/>
+                <a:ea typeface="微软雅黑" panose="020B0503020204020204" pitchFamily="34" charset="-122"/>
+              </a:rPr>
+              <a:t>思考</a:t>
+            </a:r>
+            <a:r>
+              <a:rPr lang="en-US" altLang="zh-CN" sz="1600" b="1" dirty="0">
+                <a:solidFill>
+                  <a:prstClr val="black"/>
+                </a:solidFill>
+                <a:latin typeface="微软雅黑" panose="020B0503020204020204" pitchFamily="34" charset="-122"/>
+                <a:ea typeface="微软雅黑" panose="020B0503020204020204" pitchFamily="34" charset="-122"/>
+              </a:rPr>
+              <a:t>1</a:t>
+            </a:r>
+            <a:r>
+              <a:rPr lang="zh-CN" altLang="en-US" sz="1600" dirty="0" smtClean="0">
+                <a:solidFill>
+                  <a:prstClr val="black"/>
+                </a:solidFill>
+                <a:latin typeface="微软雅黑" panose="020B0503020204020204" pitchFamily="34" charset="-122"/>
+                <a:ea typeface="微软雅黑" panose="020B0503020204020204" pitchFamily="34" charset="-122"/>
+              </a:rPr>
+              <a:t>：</a:t>
+            </a:r>
+            <a:r>
+              <a:rPr lang="zh-CN" altLang="en-US" sz="1600" dirty="0">
+                <a:solidFill>
+                  <a:prstClr val="black"/>
+                </a:solidFill>
+                <a:latin typeface="微软雅黑" panose="020B0503020204020204" pitchFamily="34" charset="-122"/>
+                <a:ea typeface="微软雅黑" panose="020B0503020204020204" pitchFamily="34" charset="-122"/>
+              </a:rPr>
+              <a:t>基于预处理算法的防御方法的本质是找一个“全能滤波器”。</a:t>
+            </a:r>
+            <a:r>
+              <a:rPr lang="en-US" altLang="zh-CN" sz="1600" dirty="0">
+                <a:solidFill>
+                  <a:prstClr val="black"/>
+                </a:solidFill>
+                <a:latin typeface="微软雅黑" panose="020B0503020204020204" pitchFamily="34" charset="-122"/>
+                <a:ea typeface="微软雅黑" panose="020B0503020204020204" pitchFamily="34" charset="-122"/>
+              </a:rPr>
+              <a:t>1</a:t>
+            </a:r>
+            <a:r>
+              <a:rPr lang="zh-CN" altLang="en-US" sz="1600" dirty="0">
+                <a:solidFill>
+                  <a:prstClr val="black"/>
+                </a:solidFill>
+                <a:latin typeface="微软雅黑" panose="020B0503020204020204" pitchFamily="34" charset="-122"/>
+                <a:ea typeface="微软雅黑" panose="020B0503020204020204" pitchFamily="34" charset="-122"/>
+              </a:rPr>
+              <a:t>）此“全能滤波器是否存在？”；</a:t>
+            </a:r>
+            <a:r>
+              <a:rPr lang="en-US" altLang="zh-CN" sz="1600" dirty="0">
+                <a:solidFill>
+                  <a:prstClr val="black"/>
+                </a:solidFill>
+                <a:latin typeface="微软雅黑" panose="020B0503020204020204" pitchFamily="34" charset="-122"/>
+                <a:ea typeface="微软雅黑" panose="020B0503020204020204" pitchFamily="34" charset="-122"/>
+              </a:rPr>
+              <a:t>2</a:t>
+            </a:r>
+            <a:r>
+              <a:rPr lang="zh-CN" altLang="en-US" sz="1600" dirty="0">
+                <a:solidFill>
+                  <a:prstClr val="black"/>
+                </a:solidFill>
+                <a:latin typeface="微软雅黑" panose="020B0503020204020204" pitchFamily="34" charset="-122"/>
+                <a:ea typeface="微软雅黑" panose="020B0503020204020204" pitchFamily="34" charset="-122"/>
+              </a:rPr>
+              <a:t>）如何验证攻击不成功（悖论）？</a:t>
+            </a:r>
+            <a:endParaRPr lang="en-US" altLang="zh-CN" sz="1600" dirty="0">
+              <a:solidFill>
+                <a:prstClr val="black"/>
+              </a:solidFill>
+              <a:latin typeface="微软雅黑" panose="020B0503020204020204" pitchFamily="34" charset="-122"/>
+              <a:ea typeface="微软雅黑" panose="020B0503020204020204" pitchFamily="34" charset="-122"/>
+            </a:endParaRPr>
+          </a:p>
+          <a:p>
+            <a:pPr marL="285750" indent="-285750">
+              <a:lnSpc>
+                <a:spcPct val="200000"/>
+              </a:lnSpc>
+              <a:buFont typeface="Wingdings" panose="05000000000000000000" pitchFamily="2" charset="2"/>
+              <a:buChar char="p"/>
+            </a:pPr>
+            <a:r>
+              <a:rPr lang="zh-CN" altLang="en-US" sz="1600" b="1" dirty="0" smtClean="0">
+                <a:solidFill>
+                  <a:prstClr val="black"/>
+                </a:solidFill>
+                <a:latin typeface="微软雅黑" panose="020B0503020204020204" pitchFamily="34" charset="-122"/>
+                <a:ea typeface="微软雅黑" panose="020B0503020204020204" pitchFamily="34" charset="-122"/>
+              </a:rPr>
+              <a:t>思考</a:t>
+            </a:r>
+            <a:r>
+              <a:rPr lang="en-US" altLang="zh-CN" sz="1600" b="1" dirty="0" smtClean="0">
+                <a:solidFill>
+                  <a:prstClr val="black"/>
+                </a:solidFill>
+                <a:latin typeface="微软雅黑" panose="020B0503020204020204" pitchFamily="34" charset="-122"/>
+                <a:ea typeface="微软雅黑" panose="020B0503020204020204" pitchFamily="34" charset="-122"/>
+              </a:rPr>
+              <a:t>2</a:t>
+            </a:r>
+            <a:r>
+              <a:rPr lang="zh-CN" altLang="en-US" sz="1600" b="1" dirty="0" smtClean="0">
+                <a:solidFill>
+                  <a:prstClr val="black"/>
+                </a:solidFill>
+                <a:latin typeface="微软雅黑" panose="020B0503020204020204" pitchFamily="34" charset="-122"/>
+                <a:ea typeface="微软雅黑" panose="020B0503020204020204" pitchFamily="34" charset="-122"/>
+              </a:rPr>
+              <a:t>：</a:t>
+            </a:r>
+            <a:r>
+              <a:rPr lang="zh-CN" altLang="en-US" sz="1600" dirty="0" smtClean="0">
+                <a:solidFill>
+                  <a:prstClr val="black"/>
+                </a:solidFill>
+                <a:latin typeface="微软雅黑" panose="020B0503020204020204" pitchFamily="34" charset="-122"/>
+                <a:ea typeface="微软雅黑" panose="020B0503020204020204" pitchFamily="34" charset="-122"/>
+              </a:rPr>
+              <a:t>基于预处理算法的攻击方法要比防御更直接，更不容被质疑</a:t>
+            </a:r>
+            <a:r>
+              <a:rPr lang="zh-CN" altLang="en-US" sz="1600" b="1" dirty="0" smtClean="0">
+                <a:solidFill>
+                  <a:prstClr val="black"/>
+                </a:solidFill>
+                <a:latin typeface="微软雅黑" panose="020B0503020204020204" pitchFamily="34" charset="-122"/>
+                <a:ea typeface="微软雅黑" panose="020B0503020204020204" pitchFamily="34" charset="-122"/>
+              </a:rPr>
+              <a:t>。</a:t>
+            </a:r>
+            <a:endParaRPr lang="en-US" altLang="zh-CN" sz="1600" dirty="0" smtClean="0">
+              <a:solidFill>
+                <a:prstClr val="black"/>
+              </a:solidFill>
+              <a:latin typeface="微软雅黑" panose="020B0503020204020204" pitchFamily="34" charset="-122"/>
+              <a:ea typeface="微软雅黑" panose="020B0503020204020204" pitchFamily="34" charset="-122"/>
+            </a:endParaRPr>
+          </a:p>
+        </p:txBody>
+      </p:sp>
+    </p:spTree>
+    <p:extLst>
+      <p:ext uri="{BB962C8B-B14F-4D97-AF65-F5344CB8AC3E}">
+        <p14:creationId xmlns:p14="http://schemas.microsoft.com/office/powerpoint/2010/main" val="755900239"/>
       </p:ext>
     </p:extLst>
   </p:cSld>
@@ -30603,7 +31728,7 @@
           <p:cNvPr id="12" name="矩形 11">
             <a:extLst>
               <a:ext uri="{FF2B5EF4-FFF2-40B4-BE49-F238E27FC236}">
-                <a16:creationId xmlns:a16="http://schemas.microsoft.com/office/drawing/2014/main" xmlns="" id="{0FDAD747-108F-4A6D-9220-5EA05067FF1E}"/>
+                <a16:creationId xmlns="" xmlns:a16="http://schemas.microsoft.com/office/drawing/2014/main" id="{0FDAD747-108F-4A6D-9220-5EA05067FF1E}"/>
               </a:ext>
             </a:extLst>
           </p:cNvPr>
@@ -30682,7 +31807,7 @@
           <p:cNvPr id="14" name="矩形 13">
             <a:extLst>
               <a:ext uri="{FF2B5EF4-FFF2-40B4-BE49-F238E27FC236}">
-                <a16:creationId xmlns:a16="http://schemas.microsoft.com/office/drawing/2014/main" xmlns="" id="{C2B44424-4CFE-4BA2-9FCF-F0A911E8A749}"/>
+                <a16:creationId xmlns="" xmlns:a16="http://schemas.microsoft.com/office/drawing/2014/main" id="{C2B44424-4CFE-4BA2-9FCF-F0A911E8A749}"/>
               </a:ext>
             </a:extLst>
           </p:cNvPr>
@@ -30836,7 +31961,7 @@
           <p:cNvPr id="16" name="直接箭头连接符 15">
             <a:extLst>
               <a:ext uri="{FF2B5EF4-FFF2-40B4-BE49-F238E27FC236}">
-                <a16:creationId xmlns:a16="http://schemas.microsoft.com/office/drawing/2014/main" xmlns="" id="{EDD84E7C-3200-40E5-A3C0-E57D7F9E754E}"/>
+                <a16:creationId xmlns="" xmlns:a16="http://schemas.microsoft.com/office/drawing/2014/main" id="{EDD84E7C-3200-40E5-A3C0-E57D7F9E754E}"/>
               </a:ext>
             </a:extLst>
           </p:cNvPr>
@@ -30869,7 +31994,7 @@
           <p:cNvPr id="17" name="矩形 16">
             <a:extLst>
               <a:ext uri="{FF2B5EF4-FFF2-40B4-BE49-F238E27FC236}">
-                <a16:creationId xmlns:a16="http://schemas.microsoft.com/office/drawing/2014/main" xmlns="" id="{0FDAD747-108F-4A6D-9220-5EA05067FF1E}"/>
+                <a16:creationId xmlns="" xmlns:a16="http://schemas.microsoft.com/office/drawing/2014/main" id="{0FDAD747-108F-4A6D-9220-5EA05067FF1E}"/>
               </a:ext>
             </a:extLst>
           </p:cNvPr>
@@ -30916,7 +32041,7 @@
           <p:cNvPr id="18" name="矩形 17">
             <a:extLst>
               <a:ext uri="{FF2B5EF4-FFF2-40B4-BE49-F238E27FC236}">
-                <a16:creationId xmlns:a16="http://schemas.microsoft.com/office/drawing/2014/main" xmlns="" id="{5CEC9FB1-9CBF-4B7B-A321-DF404030F08B}"/>
+                <a16:creationId xmlns="" xmlns:a16="http://schemas.microsoft.com/office/drawing/2014/main" id="{5CEC9FB1-9CBF-4B7B-A321-DF404030F08B}"/>
               </a:ext>
             </a:extLst>
           </p:cNvPr>
@@ -31002,7 +32127,7 @@
           <p:cNvPr id="19" name="直接箭头连接符 18">
             <a:extLst>
               <a:ext uri="{FF2B5EF4-FFF2-40B4-BE49-F238E27FC236}">
-                <a16:creationId xmlns:a16="http://schemas.microsoft.com/office/drawing/2014/main" xmlns="" id="{5A7FC920-9D22-4290-B80F-F4BDC1DE109A}"/>
+                <a16:creationId xmlns="" xmlns:a16="http://schemas.microsoft.com/office/drawing/2014/main" id="{5A7FC920-9D22-4290-B80F-F4BDC1DE109A}"/>
               </a:ext>
             </a:extLst>
           </p:cNvPr>
@@ -31035,7 +32160,7 @@
           <p:cNvPr id="20" name="矩形 19">
             <a:extLst>
               <a:ext uri="{FF2B5EF4-FFF2-40B4-BE49-F238E27FC236}">
-                <a16:creationId xmlns:a16="http://schemas.microsoft.com/office/drawing/2014/main" xmlns="" id="{45B27A13-37E3-4777-9299-E75CAF1F6F9A}"/>
+                <a16:creationId xmlns="" xmlns:a16="http://schemas.microsoft.com/office/drawing/2014/main" id="{45B27A13-37E3-4777-9299-E75CAF1F6F9A}"/>
               </a:ext>
             </a:extLst>
           </p:cNvPr>
@@ -31083,7 +32208,7 @@
           <p:cNvPr id="21" name="图片 20">
             <a:extLst>
               <a:ext uri="{FF2B5EF4-FFF2-40B4-BE49-F238E27FC236}">
-                <a16:creationId xmlns:a16="http://schemas.microsoft.com/office/drawing/2014/main" xmlns="" id="{36569B5B-566F-4C60-9D63-318931B70CA2}"/>
+                <a16:creationId xmlns="" xmlns:a16="http://schemas.microsoft.com/office/drawing/2014/main" id="{36569B5B-566F-4C60-9D63-318931B70CA2}"/>
               </a:ext>
             </a:extLst>
           </p:cNvPr>
@@ -31119,7 +32244,7 @@
           <p:cNvPr id="22" name="矩形 21">
             <a:extLst>
               <a:ext uri="{FF2B5EF4-FFF2-40B4-BE49-F238E27FC236}">
-                <a16:creationId xmlns:a16="http://schemas.microsoft.com/office/drawing/2014/main" xmlns="" id="{2A55BA5B-CE30-435B-95FB-B00B8161E590}"/>
+                <a16:creationId xmlns="" xmlns:a16="http://schemas.microsoft.com/office/drawing/2014/main" id="{2A55BA5B-CE30-435B-95FB-B00B8161E590}"/>
               </a:ext>
             </a:extLst>
           </p:cNvPr>
@@ -31177,7 +32302,7 @@
           <p:cNvPr id="23" name="矩形 22">
             <a:extLst>
               <a:ext uri="{FF2B5EF4-FFF2-40B4-BE49-F238E27FC236}">
-                <a16:creationId xmlns:a16="http://schemas.microsoft.com/office/drawing/2014/main" xmlns="" id="{C2B44424-4CFE-4BA2-9FCF-F0A911E8A749}"/>
+                <a16:creationId xmlns="" xmlns:a16="http://schemas.microsoft.com/office/drawing/2014/main" id="{C2B44424-4CFE-4BA2-9FCF-F0A911E8A749}"/>
               </a:ext>
             </a:extLst>
           </p:cNvPr>
@@ -31288,7 +32413,7 @@
           <p:cNvPr id="25" name="矩形 24">
             <a:extLst>
               <a:ext uri="{FF2B5EF4-FFF2-40B4-BE49-F238E27FC236}">
-                <a16:creationId xmlns:a16="http://schemas.microsoft.com/office/drawing/2014/main" xmlns="" id="{0FDAD747-108F-4A6D-9220-5EA05067FF1E}"/>
+                <a16:creationId xmlns="" xmlns:a16="http://schemas.microsoft.com/office/drawing/2014/main" id="{0FDAD747-108F-4A6D-9220-5EA05067FF1E}"/>
               </a:ext>
             </a:extLst>
           </p:cNvPr>
@@ -31487,7 +32612,7 @@
           <p:cNvPr id="30" name="矩形 29">
             <a:extLst>
               <a:ext uri="{FF2B5EF4-FFF2-40B4-BE49-F238E27FC236}">
-                <a16:creationId xmlns:a16="http://schemas.microsoft.com/office/drawing/2014/main" xmlns="" id="{2A55BA5B-CE30-435B-95FB-B00B8161E590}"/>
+                <a16:creationId xmlns="" xmlns:a16="http://schemas.microsoft.com/office/drawing/2014/main" id="{2A55BA5B-CE30-435B-95FB-B00B8161E590}"/>
               </a:ext>
             </a:extLst>
           </p:cNvPr>
@@ -31555,7 +32680,7 @@
           <p:cNvPr id="27" name="矩形 26">
             <a:extLst>
               <a:ext uri="{FF2B5EF4-FFF2-40B4-BE49-F238E27FC236}">
-                <a16:creationId xmlns:a16="http://schemas.microsoft.com/office/drawing/2014/main" xmlns="" id="{0FDAD747-108F-4A6D-9220-5EA05067FF1E}"/>
+                <a16:creationId xmlns="" xmlns:a16="http://schemas.microsoft.com/office/drawing/2014/main" id="{0FDAD747-108F-4A6D-9220-5EA05067FF1E}"/>
               </a:ext>
             </a:extLst>
           </p:cNvPr>
@@ -31622,7 +32747,7 @@
           <p:cNvPr id="28" name="矩形 13" descr="紫色网格">
             <a:extLst>
               <a:ext uri="{FF2B5EF4-FFF2-40B4-BE49-F238E27FC236}">
-                <a16:creationId xmlns:a16="http://schemas.microsoft.com/office/drawing/2014/main" xmlns="" id="{44AEA09D-FD0A-4CA0-883D-93E5EAF762D6}"/>
+                <a16:creationId xmlns="" xmlns:a16="http://schemas.microsoft.com/office/drawing/2014/main" id="{44AEA09D-FD0A-4CA0-883D-93E5EAF762D6}"/>
               </a:ext>
             </a:extLst>
           </p:cNvPr>
@@ -32016,7 +33141,7 @@
           <p:cNvPr id="7" name="矩形 6">
             <a:extLst>
               <a:ext uri="{FF2B5EF4-FFF2-40B4-BE49-F238E27FC236}">
-                <a16:creationId xmlns:a16="http://schemas.microsoft.com/office/drawing/2014/main" xmlns="" id="{0FDAD747-108F-4A6D-9220-5EA05067FF1E}"/>
+                <a16:creationId xmlns="" xmlns:a16="http://schemas.microsoft.com/office/drawing/2014/main" id="{0FDAD747-108F-4A6D-9220-5EA05067FF1E}"/>
               </a:ext>
             </a:extLst>
           </p:cNvPr>
@@ -32162,7 +33287,7 @@
           <p:cNvPr id="8" name="矩形 13" descr="紫色网格">
             <a:extLst>
               <a:ext uri="{FF2B5EF4-FFF2-40B4-BE49-F238E27FC236}">
-                <a16:creationId xmlns:a16="http://schemas.microsoft.com/office/drawing/2014/main" xmlns="" id="{44AEA09D-FD0A-4CA0-883D-93E5EAF762D6}"/>
+                <a16:creationId xmlns="" xmlns:a16="http://schemas.microsoft.com/office/drawing/2014/main" id="{44AEA09D-FD0A-4CA0-883D-93E5EAF762D6}"/>
               </a:ext>
             </a:extLst>
           </p:cNvPr>
@@ -32451,7 +33576,7 @@
           <p:cNvPr id="9" name="矩形 8">
             <a:extLst>
               <a:ext uri="{FF2B5EF4-FFF2-40B4-BE49-F238E27FC236}">
-                <a16:creationId xmlns:a16="http://schemas.microsoft.com/office/drawing/2014/main" xmlns="" id="{0FDAD747-108F-4A6D-9220-5EA05067FF1E}"/>
+                <a16:creationId xmlns="" xmlns:a16="http://schemas.microsoft.com/office/drawing/2014/main" id="{0FDAD747-108F-4A6D-9220-5EA05067FF1E}"/>
               </a:ext>
             </a:extLst>
           </p:cNvPr>
@@ -32561,7 +33686,7 @@
           <p:cNvPr id="9" name="矩形 8">
             <a:extLst>
               <a:ext uri="{FF2B5EF4-FFF2-40B4-BE49-F238E27FC236}">
-                <a16:creationId xmlns:a16="http://schemas.microsoft.com/office/drawing/2014/main" xmlns="" id="{AB1DF3D9-EC08-40CA-853D-48B16F99EE56}"/>
+                <a16:creationId xmlns="" xmlns:a16="http://schemas.microsoft.com/office/drawing/2014/main" id="{AB1DF3D9-EC08-40CA-853D-48B16F99EE56}"/>
               </a:ext>
             </a:extLst>
           </p:cNvPr>
@@ -32752,7 +33877,7 @@
           <p:cNvPr id="8" name="矩形 7">
             <a:extLst>
               <a:ext uri="{FF2B5EF4-FFF2-40B4-BE49-F238E27FC236}">
-                <a16:creationId xmlns:a16="http://schemas.microsoft.com/office/drawing/2014/main" xmlns="" id="{0FDAD747-108F-4A6D-9220-5EA05067FF1E}"/>
+                <a16:creationId xmlns="" xmlns:a16="http://schemas.microsoft.com/office/drawing/2014/main" id="{0FDAD747-108F-4A6D-9220-5EA05067FF1E}"/>
               </a:ext>
             </a:extLst>
           </p:cNvPr>

--- a/documents/基于音频预处理过程的语音识别系统攻击2.4.pptx
+++ b/documents/基于音频预处理过程的语音识别系统攻击2.4.pptx
@@ -5,7 +5,7 @@
     <p:sldMasterId id="2147483648" r:id="rId1"/>
   </p:sldMasterIdLst>
   <p:notesMasterIdLst>
-    <p:notesMasterId r:id="rId57"/>
+    <p:notesMasterId r:id="rId59"/>
   </p:notesMasterIdLst>
   <p:sldIdLst>
     <p:sldId id="337" r:id="rId2"/>
@@ -63,6 +63,8 @@
     <p:sldId id="397" r:id="rId54"/>
     <p:sldId id="398" r:id="rId55"/>
     <p:sldId id="399" r:id="rId56"/>
+    <p:sldId id="400" r:id="rId57"/>
+    <p:sldId id="401" r:id="rId58"/>
   </p:sldIdLst>
   <p:sldSz cx="12192000" cy="6858000"/>
   <p:notesSz cx="9874250" cy="6797675"/>
@@ -254,7 +256,7 @@
           <a:p>
             <a:fld id="{8F4F2EAB-82EF-4749-B0A6-32E8CB1FB1E4}" type="datetimeFigureOut">
               <a:rPr lang="zh-CN" altLang="en-US" smtClean="0"/>
-              <a:t>2020/4/1</a:t>
+              <a:t>2020/4/2</a:t>
             </a:fld>
             <a:endParaRPr lang="zh-CN" altLang="en-US"/>
           </a:p>
@@ -4700,6 +4702,174 @@
     <p:extLst>
       <p:ext uri="{BB962C8B-B14F-4D97-AF65-F5344CB8AC3E}">
         <p14:creationId xmlns:p14="http://schemas.microsoft.com/office/powerpoint/2010/main" val="240299381"/>
+      </p:ext>
+    </p:extLst>
+  </p:cSld>
+  <p:clrMapOvr>
+    <a:masterClrMapping/>
+  </p:clrMapOvr>
+</p:notes>
+</file>
+
+<file path=ppt/notesSlides/notesSlide48.xml><?xml version="1.0" encoding="utf-8"?>
+<p:notes xmlns:a="http://schemas.openxmlformats.org/drawingml/2006/main" xmlns:r="http://schemas.openxmlformats.org/officeDocument/2006/relationships" xmlns:p="http://schemas.openxmlformats.org/presentationml/2006/main">
+  <p:cSld>
+    <p:spTree>
+      <p:nvGrpSpPr>
+        <p:cNvPr id="1" name=""/>
+        <p:cNvGrpSpPr/>
+        <p:nvPr/>
+      </p:nvGrpSpPr>
+      <p:grpSpPr>
+        <a:xfrm>
+          <a:off x="0" y="0"/>
+          <a:ext cx="0" cy="0"/>
+          <a:chOff x="0" y="0"/>
+          <a:chExt cx="0" cy="0"/>
+        </a:xfrm>
+      </p:grpSpPr>
+      <p:sp>
+        <p:nvSpPr>
+          <p:cNvPr id="2" name="幻灯片图像占位符 1"/>
+          <p:cNvSpPr>
+            <a:spLocks noGrp="1" noRot="1" noChangeAspect="1"/>
+          </p:cNvSpPr>
+          <p:nvPr>
+            <p:ph type="sldImg"/>
+          </p:nvPr>
+        </p:nvSpPr>
+        <p:spPr/>
+      </p:sp>
+      <p:sp>
+        <p:nvSpPr>
+          <p:cNvPr id="3" name="备注占位符 2"/>
+          <p:cNvSpPr>
+            <a:spLocks noGrp="1"/>
+          </p:cNvSpPr>
+          <p:nvPr>
+            <p:ph type="body" idx="1"/>
+          </p:nvPr>
+        </p:nvSpPr>
+        <p:spPr/>
+        <p:txBody>
+          <a:bodyPr/>
+          <a:lstStyle/>
+          <a:p>
+            <a:endParaRPr lang="zh-CN" altLang="en-US" dirty="0"/>
+          </a:p>
+        </p:txBody>
+      </p:sp>
+      <p:sp>
+        <p:nvSpPr>
+          <p:cNvPr id="4" name="灯片编号占位符 3"/>
+          <p:cNvSpPr>
+            <a:spLocks noGrp="1"/>
+          </p:cNvSpPr>
+          <p:nvPr>
+            <p:ph type="sldNum" sz="quarter" idx="10"/>
+          </p:nvPr>
+        </p:nvSpPr>
+        <p:spPr/>
+        <p:txBody>
+          <a:bodyPr/>
+          <a:lstStyle/>
+          <a:p>
+            <a:fld id="{2E13179B-82BD-4567-A6FC-5FF2E5270D1F}" type="slidenum">
+              <a:rPr lang="zh-CN" altLang="en-US" smtClean="0"/>
+              <a:t>56</a:t>
+            </a:fld>
+            <a:endParaRPr lang="zh-CN" altLang="en-US"/>
+          </a:p>
+        </p:txBody>
+      </p:sp>
+    </p:spTree>
+    <p:extLst>
+      <p:ext uri="{BB962C8B-B14F-4D97-AF65-F5344CB8AC3E}">
+        <p14:creationId xmlns:p14="http://schemas.microsoft.com/office/powerpoint/2010/main" val="686935221"/>
+      </p:ext>
+    </p:extLst>
+  </p:cSld>
+  <p:clrMapOvr>
+    <a:masterClrMapping/>
+  </p:clrMapOvr>
+</p:notes>
+</file>
+
+<file path=ppt/notesSlides/notesSlide49.xml><?xml version="1.0" encoding="utf-8"?>
+<p:notes xmlns:a="http://schemas.openxmlformats.org/drawingml/2006/main" xmlns:r="http://schemas.openxmlformats.org/officeDocument/2006/relationships" xmlns:p="http://schemas.openxmlformats.org/presentationml/2006/main">
+  <p:cSld>
+    <p:spTree>
+      <p:nvGrpSpPr>
+        <p:cNvPr id="1" name=""/>
+        <p:cNvGrpSpPr/>
+        <p:nvPr/>
+      </p:nvGrpSpPr>
+      <p:grpSpPr>
+        <a:xfrm>
+          <a:off x="0" y="0"/>
+          <a:ext cx="0" cy="0"/>
+          <a:chOff x="0" y="0"/>
+          <a:chExt cx="0" cy="0"/>
+        </a:xfrm>
+      </p:grpSpPr>
+      <p:sp>
+        <p:nvSpPr>
+          <p:cNvPr id="2" name="幻灯片图像占位符 1"/>
+          <p:cNvSpPr>
+            <a:spLocks noGrp="1" noRot="1" noChangeAspect="1"/>
+          </p:cNvSpPr>
+          <p:nvPr>
+            <p:ph type="sldImg"/>
+          </p:nvPr>
+        </p:nvSpPr>
+        <p:spPr/>
+      </p:sp>
+      <p:sp>
+        <p:nvSpPr>
+          <p:cNvPr id="3" name="备注占位符 2"/>
+          <p:cNvSpPr>
+            <a:spLocks noGrp="1"/>
+          </p:cNvSpPr>
+          <p:nvPr>
+            <p:ph type="body" idx="1"/>
+          </p:nvPr>
+        </p:nvSpPr>
+        <p:spPr/>
+        <p:txBody>
+          <a:bodyPr/>
+          <a:lstStyle/>
+          <a:p>
+            <a:endParaRPr lang="zh-CN" altLang="en-US" dirty="0"/>
+          </a:p>
+        </p:txBody>
+      </p:sp>
+      <p:sp>
+        <p:nvSpPr>
+          <p:cNvPr id="4" name="灯片编号占位符 3"/>
+          <p:cNvSpPr>
+            <a:spLocks noGrp="1"/>
+          </p:cNvSpPr>
+          <p:nvPr>
+            <p:ph type="sldNum" sz="quarter" idx="10"/>
+          </p:nvPr>
+        </p:nvSpPr>
+        <p:spPr/>
+        <p:txBody>
+          <a:bodyPr/>
+          <a:lstStyle/>
+          <a:p>
+            <a:fld id="{2E13179B-82BD-4567-A6FC-5FF2E5270D1F}" type="slidenum">
+              <a:rPr lang="zh-CN" altLang="en-US" smtClean="0"/>
+              <a:t>57</a:t>
+            </a:fld>
+            <a:endParaRPr lang="zh-CN" altLang="en-US"/>
+          </a:p>
+        </p:txBody>
+      </p:sp>
+    </p:spTree>
+    <p:extLst>
+      <p:ext uri="{BB962C8B-B14F-4D97-AF65-F5344CB8AC3E}">
+        <p14:creationId xmlns:p14="http://schemas.microsoft.com/office/powerpoint/2010/main" val="2173258861"/>
       </p:ext>
     </p:extLst>
   </p:cSld>
@@ -7422,7 +7592,7 @@
           <p:cNvPr id="5" name="矩形 4">
             <a:extLst>
               <a:ext uri="{FF2B5EF4-FFF2-40B4-BE49-F238E27FC236}">
-                <a16:creationId xmlns="" xmlns:a16="http://schemas.microsoft.com/office/drawing/2014/main" id="{AB1DF3D9-EC08-40CA-853D-48B16F99EE56}"/>
+                <a16:creationId xmlns:a16="http://schemas.microsoft.com/office/drawing/2014/main" xmlns="" id="{AB1DF3D9-EC08-40CA-853D-48B16F99EE56}"/>
               </a:ext>
             </a:extLst>
           </p:cNvPr>
@@ -7598,7 +7768,7 @@
           <p:cNvPr id="8" name="矩形 7">
             <a:extLst>
               <a:ext uri="{FF2B5EF4-FFF2-40B4-BE49-F238E27FC236}">
-                <a16:creationId xmlns="" xmlns:a16="http://schemas.microsoft.com/office/drawing/2014/main" id="{0FDAD747-108F-4A6D-9220-5EA05067FF1E}"/>
+                <a16:creationId xmlns:a16="http://schemas.microsoft.com/office/drawing/2014/main" xmlns="" id="{0FDAD747-108F-4A6D-9220-5EA05067FF1E}"/>
               </a:ext>
             </a:extLst>
           </p:cNvPr>
@@ -7741,7 +7911,7 @@
           <p:cNvPr id="5" name="矩形 4">
             <a:extLst>
               <a:ext uri="{FF2B5EF4-FFF2-40B4-BE49-F238E27FC236}">
-                <a16:creationId xmlns="" xmlns:a16="http://schemas.microsoft.com/office/drawing/2014/main" id="{AB1DF3D9-EC08-40CA-853D-48B16F99EE56}"/>
+                <a16:creationId xmlns:a16="http://schemas.microsoft.com/office/drawing/2014/main" xmlns="" id="{AB1DF3D9-EC08-40CA-853D-48B16F99EE56}"/>
               </a:ext>
             </a:extLst>
           </p:cNvPr>
@@ -7827,7 +7997,7 @@
           <p:cNvPr id="6" name="矩形 5">
             <a:extLst>
               <a:ext uri="{FF2B5EF4-FFF2-40B4-BE49-F238E27FC236}">
-                <a16:creationId xmlns="" xmlns:a16="http://schemas.microsoft.com/office/drawing/2014/main" id="{0FDAD747-108F-4A6D-9220-5EA05067FF1E}"/>
+                <a16:creationId xmlns:a16="http://schemas.microsoft.com/office/drawing/2014/main" xmlns="" id="{0FDAD747-108F-4A6D-9220-5EA05067FF1E}"/>
               </a:ext>
             </a:extLst>
           </p:cNvPr>
@@ -7970,7 +8140,7 @@
           <p:cNvPr id="5" name="矩形 4">
             <a:extLst>
               <a:ext uri="{FF2B5EF4-FFF2-40B4-BE49-F238E27FC236}">
-                <a16:creationId xmlns="" xmlns:a16="http://schemas.microsoft.com/office/drawing/2014/main" id="{AB1DF3D9-EC08-40CA-853D-48B16F99EE56}"/>
+                <a16:creationId xmlns:a16="http://schemas.microsoft.com/office/drawing/2014/main" xmlns="" id="{AB1DF3D9-EC08-40CA-853D-48B16F99EE56}"/>
               </a:ext>
             </a:extLst>
           </p:cNvPr>
@@ -8057,7 +8227,7 @@
           <p:cNvPr id="7" name="矩形 6">
             <a:extLst>
               <a:ext uri="{FF2B5EF4-FFF2-40B4-BE49-F238E27FC236}">
-                <a16:creationId xmlns="" xmlns:a16="http://schemas.microsoft.com/office/drawing/2014/main" id="{0FDAD747-108F-4A6D-9220-5EA05067FF1E}"/>
+                <a16:creationId xmlns:a16="http://schemas.microsoft.com/office/drawing/2014/main" xmlns="" id="{0FDAD747-108F-4A6D-9220-5EA05067FF1E}"/>
               </a:ext>
             </a:extLst>
           </p:cNvPr>
@@ -8170,7 +8340,7 @@
           <p:cNvPr id="9" name="矩形 13" descr="紫色网格">
             <a:extLst>
               <a:ext uri="{FF2B5EF4-FFF2-40B4-BE49-F238E27FC236}">
-                <a16:creationId xmlns="" xmlns:a16="http://schemas.microsoft.com/office/drawing/2014/main" id="{44AEA09D-FD0A-4CA0-883D-93E5EAF762D6}"/>
+                <a16:creationId xmlns:a16="http://schemas.microsoft.com/office/drawing/2014/main" xmlns="" id="{44AEA09D-FD0A-4CA0-883D-93E5EAF762D6}"/>
               </a:ext>
             </a:extLst>
           </p:cNvPr>
@@ -8691,7 +8861,7 @@
           <p:cNvPr id="5" name="矩形 4">
             <a:extLst>
               <a:ext uri="{FF2B5EF4-FFF2-40B4-BE49-F238E27FC236}">
-                <a16:creationId xmlns="" xmlns:a16="http://schemas.microsoft.com/office/drawing/2014/main" id="{AB1DF3D9-EC08-40CA-853D-48B16F99EE56}"/>
+                <a16:creationId xmlns:a16="http://schemas.microsoft.com/office/drawing/2014/main" xmlns="" id="{AB1DF3D9-EC08-40CA-853D-48B16F99EE56}"/>
               </a:ext>
             </a:extLst>
           </p:cNvPr>
@@ -8833,7 +9003,7 @@
           <p:cNvPr id="7" name="矩形 6">
             <a:extLst>
               <a:ext uri="{FF2B5EF4-FFF2-40B4-BE49-F238E27FC236}">
-                <a16:creationId xmlns="" xmlns:a16="http://schemas.microsoft.com/office/drawing/2014/main" id="{0FDAD747-108F-4A6D-9220-5EA05067FF1E}"/>
+                <a16:creationId xmlns:a16="http://schemas.microsoft.com/office/drawing/2014/main" xmlns="" id="{0FDAD747-108F-4A6D-9220-5EA05067FF1E}"/>
               </a:ext>
             </a:extLst>
           </p:cNvPr>
@@ -8976,7 +9146,7 @@
           <p:cNvPr id="5" name="矩形 4">
             <a:extLst>
               <a:ext uri="{FF2B5EF4-FFF2-40B4-BE49-F238E27FC236}">
-                <a16:creationId xmlns="" xmlns:a16="http://schemas.microsoft.com/office/drawing/2014/main" id="{AB1DF3D9-EC08-40CA-853D-48B16F99EE56}"/>
+                <a16:creationId xmlns:a16="http://schemas.microsoft.com/office/drawing/2014/main" xmlns="" id="{AB1DF3D9-EC08-40CA-853D-48B16F99EE56}"/>
               </a:ext>
             </a:extLst>
           </p:cNvPr>
@@ -9164,7 +9334,7 @@
           <p:cNvPr id="9" name="矩形 8">
             <a:extLst>
               <a:ext uri="{FF2B5EF4-FFF2-40B4-BE49-F238E27FC236}">
-                <a16:creationId xmlns="" xmlns:a16="http://schemas.microsoft.com/office/drawing/2014/main" id="{0FDAD747-108F-4A6D-9220-5EA05067FF1E}"/>
+                <a16:creationId xmlns:a16="http://schemas.microsoft.com/office/drawing/2014/main" xmlns="" id="{0FDAD747-108F-4A6D-9220-5EA05067FF1E}"/>
               </a:ext>
             </a:extLst>
           </p:cNvPr>
@@ -9307,7 +9477,7 @@
           <p:cNvPr id="5" name="矩形 4">
             <a:extLst>
               <a:ext uri="{FF2B5EF4-FFF2-40B4-BE49-F238E27FC236}">
-                <a16:creationId xmlns="" xmlns:a16="http://schemas.microsoft.com/office/drawing/2014/main" id="{AB1DF3D9-EC08-40CA-853D-48B16F99EE56}"/>
+                <a16:creationId xmlns:a16="http://schemas.microsoft.com/office/drawing/2014/main" xmlns="" id="{AB1DF3D9-EC08-40CA-853D-48B16F99EE56}"/>
               </a:ext>
             </a:extLst>
           </p:cNvPr>
@@ -9394,7 +9564,7 @@
           <p:cNvPr id="7" name="矩形 6">
             <a:extLst>
               <a:ext uri="{FF2B5EF4-FFF2-40B4-BE49-F238E27FC236}">
-                <a16:creationId xmlns="" xmlns:a16="http://schemas.microsoft.com/office/drawing/2014/main" id="{0FDAD747-108F-4A6D-9220-5EA05067FF1E}"/>
+                <a16:creationId xmlns:a16="http://schemas.microsoft.com/office/drawing/2014/main" xmlns="" id="{0FDAD747-108F-4A6D-9220-5EA05067FF1E}"/>
               </a:ext>
             </a:extLst>
           </p:cNvPr>
@@ -9603,7 +9773,7 @@
           <p:cNvPr id="8" name="矩形 7">
             <a:extLst>
               <a:ext uri="{FF2B5EF4-FFF2-40B4-BE49-F238E27FC236}">
-                <a16:creationId xmlns="" xmlns:a16="http://schemas.microsoft.com/office/drawing/2014/main" id="{0FDAD747-108F-4A6D-9220-5EA05067FF1E}"/>
+                <a16:creationId xmlns:a16="http://schemas.microsoft.com/office/drawing/2014/main" xmlns="" id="{0FDAD747-108F-4A6D-9220-5EA05067FF1E}"/>
               </a:ext>
             </a:extLst>
           </p:cNvPr>
@@ -9716,7 +9886,7 @@
           <p:cNvPr id="10" name="矩形 13" descr="紫色网格">
             <a:extLst>
               <a:ext uri="{FF2B5EF4-FFF2-40B4-BE49-F238E27FC236}">
-                <a16:creationId xmlns="" xmlns:a16="http://schemas.microsoft.com/office/drawing/2014/main" id="{44AEA09D-FD0A-4CA0-883D-93E5EAF762D6}"/>
+                <a16:creationId xmlns:a16="http://schemas.microsoft.com/office/drawing/2014/main" xmlns="" id="{44AEA09D-FD0A-4CA0-883D-93E5EAF762D6}"/>
               </a:ext>
             </a:extLst>
           </p:cNvPr>
@@ -10022,7 +10192,7 @@
           <p:cNvPr id="12" name="矩形 11">
             <a:extLst>
               <a:ext uri="{FF2B5EF4-FFF2-40B4-BE49-F238E27FC236}">
-                <a16:creationId xmlns="" xmlns:a16="http://schemas.microsoft.com/office/drawing/2014/main" id="{0FDAD747-108F-4A6D-9220-5EA05067FF1E}"/>
+                <a16:creationId xmlns:a16="http://schemas.microsoft.com/office/drawing/2014/main" xmlns="" id="{0FDAD747-108F-4A6D-9220-5EA05067FF1E}"/>
               </a:ext>
             </a:extLst>
           </p:cNvPr>
@@ -10116,7 +10286,7 @@
           <p:cNvPr id="9" name="矩形 13" descr="紫色网格">
             <a:extLst>
               <a:ext uri="{FF2B5EF4-FFF2-40B4-BE49-F238E27FC236}">
-                <a16:creationId xmlns="" xmlns:a16="http://schemas.microsoft.com/office/drawing/2014/main" id="{44AEA09D-FD0A-4CA0-883D-93E5EAF762D6}"/>
+                <a16:creationId xmlns:a16="http://schemas.microsoft.com/office/drawing/2014/main" xmlns="" id="{44AEA09D-FD0A-4CA0-883D-93E5EAF762D6}"/>
               </a:ext>
             </a:extLst>
           </p:cNvPr>
@@ -10416,7 +10586,7 @@
           <p:cNvPr id="4" name="矩形 3">
             <a:extLst>
               <a:ext uri="{FF2B5EF4-FFF2-40B4-BE49-F238E27FC236}">
-                <a16:creationId xmlns="" xmlns:a16="http://schemas.microsoft.com/office/drawing/2014/main" id="{0FDAD747-108F-4A6D-9220-5EA05067FF1E}"/>
+                <a16:creationId xmlns:a16="http://schemas.microsoft.com/office/drawing/2014/main" xmlns="" id="{0FDAD747-108F-4A6D-9220-5EA05067FF1E}"/>
               </a:ext>
             </a:extLst>
           </p:cNvPr>
@@ -10507,7 +10677,7 @@
           <p:cNvPr id="7" name="矩形 6">
             <a:extLst>
               <a:ext uri="{FF2B5EF4-FFF2-40B4-BE49-F238E27FC236}">
-                <a16:creationId xmlns="" xmlns:a16="http://schemas.microsoft.com/office/drawing/2014/main" id="{0FDAD747-108F-4A6D-9220-5EA05067FF1E}"/>
+                <a16:creationId xmlns:a16="http://schemas.microsoft.com/office/drawing/2014/main" xmlns="" id="{0FDAD747-108F-4A6D-9220-5EA05067FF1E}"/>
               </a:ext>
             </a:extLst>
           </p:cNvPr>
@@ -10603,7 +10773,7 @@
           <p:cNvPr id="9" name="矩形 13" descr="紫色网格">
             <a:extLst>
               <a:ext uri="{FF2B5EF4-FFF2-40B4-BE49-F238E27FC236}">
-                <a16:creationId xmlns="" xmlns:a16="http://schemas.microsoft.com/office/drawing/2014/main" id="{44AEA09D-FD0A-4CA0-883D-93E5EAF762D6}"/>
+                <a16:creationId xmlns:a16="http://schemas.microsoft.com/office/drawing/2014/main" xmlns="" id="{44AEA09D-FD0A-4CA0-883D-93E5EAF762D6}"/>
               </a:ext>
             </a:extLst>
           </p:cNvPr>
@@ -10903,7 +11073,7 @@
           <p:cNvPr id="12" name="矩形 11">
             <a:extLst>
               <a:ext uri="{FF2B5EF4-FFF2-40B4-BE49-F238E27FC236}">
-                <a16:creationId xmlns="" xmlns:a16="http://schemas.microsoft.com/office/drawing/2014/main" id="{0FDAD747-108F-4A6D-9220-5EA05067FF1E}"/>
+                <a16:creationId xmlns:a16="http://schemas.microsoft.com/office/drawing/2014/main" xmlns="" id="{0FDAD747-108F-4A6D-9220-5EA05067FF1E}"/>
               </a:ext>
             </a:extLst>
           </p:cNvPr>
@@ -10997,7 +11167,7 @@
           <p:cNvPr id="6" name="矩形 13" descr="紫色网格">
             <a:extLst>
               <a:ext uri="{FF2B5EF4-FFF2-40B4-BE49-F238E27FC236}">
-                <a16:creationId xmlns="" xmlns:a16="http://schemas.microsoft.com/office/drawing/2014/main" id="{44AEA09D-FD0A-4CA0-883D-93E5EAF762D6}"/>
+                <a16:creationId xmlns:a16="http://schemas.microsoft.com/office/drawing/2014/main" xmlns="" id="{44AEA09D-FD0A-4CA0-883D-93E5EAF762D6}"/>
               </a:ext>
             </a:extLst>
           </p:cNvPr>
@@ -11329,7 +11499,7 @@
           <p:cNvPr id="52" name="矩形 51">
             <a:extLst>
               <a:ext uri="{FF2B5EF4-FFF2-40B4-BE49-F238E27FC236}">
-                <a16:creationId xmlns="" xmlns:a16="http://schemas.microsoft.com/office/drawing/2014/main" id="{C2B44424-4CFE-4BA2-9FCF-F0A911E8A749}"/>
+                <a16:creationId xmlns:a16="http://schemas.microsoft.com/office/drawing/2014/main" xmlns="" id="{C2B44424-4CFE-4BA2-9FCF-F0A911E8A749}"/>
               </a:ext>
             </a:extLst>
           </p:cNvPr>
@@ -11483,7 +11653,7 @@
           <p:cNvPr id="55" name="直接箭头连接符 54">
             <a:extLst>
               <a:ext uri="{FF2B5EF4-FFF2-40B4-BE49-F238E27FC236}">
-                <a16:creationId xmlns="" xmlns:a16="http://schemas.microsoft.com/office/drawing/2014/main" id="{EDD84E7C-3200-40E5-A3C0-E57D7F9E754E}"/>
+                <a16:creationId xmlns:a16="http://schemas.microsoft.com/office/drawing/2014/main" xmlns="" id="{EDD84E7C-3200-40E5-A3C0-E57D7F9E754E}"/>
               </a:ext>
             </a:extLst>
           </p:cNvPr>
@@ -11516,7 +11686,7 @@
           <p:cNvPr id="59" name="矩形 58">
             <a:extLst>
               <a:ext uri="{FF2B5EF4-FFF2-40B4-BE49-F238E27FC236}">
-                <a16:creationId xmlns="" xmlns:a16="http://schemas.microsoft.com/office/drawing/2014/main" id="{0FDAD747-108F-4A6D-9220-5EA05067FF1E}"/>
+                <a16:creationId xmlns:a16="http://schemas.microsoft.com/office/drawing/2014/main" xmlns="" id="{0FDAD747-108F-4A6D-9220-5EA05067FF1E}"/>
               </a:ext>
             </a:extLst>
           </p:cNvPr>
@@ -11563,7 +11733,7 @@
           <p:cNvPr id="60" name="矩形 59">
             <a:extLst>
               <a:ext uri="{FF2B5EF4-FFF2-40B4-BE49-F238E27FC236}">
-                <a16:creationId xmlns="" xmlns:a16="http://schemas.microsoft.com/office/drawing/2014/main" id="{5CEC9FB1-9CBF-4B7B-A321-DF404030F08B}"/>
+                <a16:creationId xmlns:a16="http://schemas.microsoft.com/office/drawing/2014/main" xmlns="" id="{5CEC9FB1-9CBF-4B7B-A321-DF404030F08B}"/>
               </a:ext>
             </a:extLst>
           </p:cNvPr>
@@ -11649,7 +11819,7 @@
           <p:cNvPr id="63" name="直接箭头连接符 62">
             <a:extLst>
               <a:ext uri="{FF2B5EF4-FFF2-40B4-BE49-F238E27FC236}">
-                <a16:creationId xmlns="" xmlns:a16="http://schemas.microsoft.com/office/drawing/2014/main" id="{5A7FC920-9D22-4290-B80F-F4BDC1DE109A}"/>
+                <a16:creationId xmlns:a16="http://schemas.microsoft.com/office/drawing/2014/main" xmlns="" id="{5A7FC920-9D22-4290-B80F-F4BDC1DE109A}"/>
               </a:ext>
             </a:extLst>
           </p:cNvPr>
@@ -11682,7 +11852,7 @@
           <p:cNvPr id="64" name="矩形 63">
             <a:extLst>
               <a:ext uri="{FF2B5EF4-FFF2-40B4-BE49-F238E27FC236}">
-                <a16:creationId xmlns="" xmlns:a16="http://schemas.microsoft.com/office/drawing/2014/main" id="{45B27A13-37E3-4777-9299-E75CAF1F6F9A}"/>
+                <a16:creationId xmlns:a16="http://schemas.microsoft.com/office/drawing/2014/main" xmlns="" id="{45B27A13-37E3-4777-9299-E75CAF1F6F9A}"/>
               </a:ext>
             </a:extLst>
           </p:cNvPr>
@@ -11730,7 +11900,7 @@
           <p:cNvPr id="65" name="图片 64">
             <a:extLst>
               <a:ext uri="{FF2B5EF4-FFF2-40B4-BE49-F238E27FC236}">
-                <a16:creationId xmlns="" xmlns:a16="http://schemas.microsoft.com/office/drawing/2014/main" id="{36569B5B-566F-4C60-9D63-318931B70CA2}"/>
+                <a16:creationId xmlns:a16="http://schemas.microsoft.com/office/drawing/2014/main" xmlns="" id="{36569B5B-566F-4C60-9D63-318931B70CA2}"/>
               </a:ext>
             </a:extLst>
           </p:cNvPr>
@@ -11766,7 +11936,7 @@
           <p:cNvPr id="66" name="矩形 65">
             <a:extLst>
               <a:ext uri="{FF2B5EF4-FFF2-40B4-BE49-F238E27FC236}">
-                <a16:creationId xmlns="" xmlns:a16="http://schemas.microsoft.com/office/drawing/2014/main" id="{2A55BA5B-CE30-435B-95FB-B00B8161E590}"/>
+                <a16:creationId xmlns:a16="http://schemas.microsoft.com/office/drawing/2014/main" xmlns="" id="{2A55BA5B-CE30-435B-95FB-B00B8161E590}"/>
               </a:ext>
             </a:extLst>
           </p:cNvPr>
@@ -11824,7 +11994,7 @@
           <p:cNvPr id="67" name="矩形 66">
             <a:extLst>
               <a:ext uri="{FF2B5EF4-FFF2-40B4-BE49-F238E27FC236}">
-                <a16:creationId xmlns="" xmlns:a16="http://schemas.microsoft.com/office/drawing/2014/main" id="{C2B44424-4CFE-4BA2-9FCF-F0A911E8A749}"/>
+                <a16:creationId xmlns:a16="http://schemas.microsoft.com/office/drawing/2014/main" xmlns="" id="{C2B44424-4CFE-4BA2-9FCF-F0A911E8A749}"/>
               </a:ext>
             </a:extLst>
           </p:cNvPr>
@@ -11935,7 +12105,7 @@
           <p:cNvPr id="72" name="矩形 13" descr="紫色网格">
             <a:extLst>
               <a:ext uri="{FF2B5EF4-FFF2-40B4-BE49-F238E27FC236}">
-                <a16:creationId xmlns="" xmlns:a16="http://schemas.microsoft.com/office/drawing/2014/main" id="{44AEA09D-FD0A-4CA0-883D-93E5EAF762D6}"/>
+                <a16:creationId xmlns:a16="http://schemas.microsoft.com/office/drawing/2014/main" xmlns="" id="{44AEA09D-FD0A-4CA0-883D-93E5EAF762D6}"/>
               </a:ext>
             </a:extLst>
           </p:cNvPr>
@@ -12202,7 +12372,7 @@
           <p:cNvPr id="73" name="矩形 72">
             <a:extLst>
               <a:ext uri="{FF2B5EF4-FFF2-40B4-BE49-F238E27FC236}">
-                <a16:creationId xmlns="" xmlns:a16="http://schemas.microsoft.com/office/drawing/2014/main" id="{0FDAD747-108F-4A6D-9220-5EA05067FF1E}"/>
+                <a16:creationId xmlns:a16="http://schemas.microsoft.com/office/drawing/2014/main" xmlns="" id="{0FDAD747-108F-4A6D-9220-5EA05067FF1E}"/>
               </a:ext>
             </a:extLst>
           </p:cNvPr>
@@ -12249,7 +12419,7 @@
           <p:cNvPr id="76" name="矩形 75">
             <a:extLst>
               <a:ext uri="{FF2B5EF4-FFF2-40B4-BE49-F238E27FC236}">
-                <a16:creationId xmlns="" xmlns:a16="http://schemas.microsoft.com/office/drawing/2014/main" id="{5CEC9FB1-9CBF-4B7B-A321-DF404030F08B}"/>
+                <a16:creationId xmlns:a16="http://schemas.microsoft.com/office/drawing/2014/main" xmlns="" id="{5CEC9FB1-9CBF-4B7B-A321-DF404030F08B}"/>
               </a:ext>
             </a:extLst>
           </p:cNvPr>
@@ -12335,7 +12505,7 @@
           <p:cNvPr id="77" name="矩形 76">
             <a:extLst>
               <a:ext uri="{FF2B5EF4-FFF2-40B4-BE49-F238E27FC236}">
-                <a16:creationId xmlns="" xmlns:a16="http://schemas.microsoft.com/office/drawing/2014/main" id="{5CEC9FB1-9CBF-4B7B-A321-DF404030F08B}"/>
+                <a16:creationId xmlns:a16="http://schemas.microsoft.com/office/drawing/2014/main" xmlns="" id="{5CEC9FB1-9CBF-4B7B-A321-DF404030F08B}"/>
               </a:ext>
             </a:extLst>
           </p:cNvPr>
@@ -12463,7 +12633,7 @@
           <p:cNvPr id="82" name="直接箭头连接符 81">
             <a:extLst>
               <a:ext uri="{FF2B5EF4-FFF2-40B4-BE49-F238E27FC236}">
-                <a16:creationId xmlns="" xmlns:a16="http://schemas.microsoft.com/office/drawing/2014/main" id="{EDD84E7C-3200-40E5-A3C0-E57D7F9E754E}"/>
+                <a16:creationId xmlns:a16="http://schemas.microsoft.com/office/drawing/2014/main" xmlns="" id="{EDD84E7C-3200-40E5-A3C0-E57D7F9E754E}"/>
               </a:ext>
             </a:extLst>
           </p:cNvPr>
@@ -12496,7 +12666,7 @@
           <p:cNvPr id="85" name="直接箭头连接符 84">
             <a:extLst>
               <a:ext uri="{FF2B5EF4-FFF2-40B4-BE49-F238E27FC236}">
-                <a16:creationId xmlns="" xmlns:a16="http://schemas.microsoft.com/office/drawing/2014/main" id="{EDD84E7C-3200-40E5-A3C0-E57D7F9E754E}"/>
+                <a16:creationId xmlns:a16="http://schemas.microsoft.com/office/drawing/2014/main" xmlns="" id="{EDD84E7C-3200-40E5-A3C0-E57D7F9E754E}"/>
               </a:ext>
             </a:extLst>
           </p:cNvPr>
@@ -12652,7 +12822,7 @@
           <p:cNvPr id="12" name="矩形 11">
             <a:extLst>
               <a:ext uri="{FF2B5EF4-FFF2-40B4-BE49-F238E27FC236}">
-                <a16:creationId xmlns="" xmlns:a16="http://schemas.microsoft.com/office/drawing/2014/main" id="{0FDAD747-108F-4A6D-9220-5EA05067FF1E}"/>
+                <a16:creationId xmlns:a16="http://schemas.microsoft.com/office/drawing/2014/main" xmlns="" id="{0FDAD747-108F-4A6D-9220-5EA05067FF1E}"/>
               </a:ext>
             </a:extLst>
           </p:cNvPr>
@@ -12699,7 +12869,7 @@
           <p:cNvPr id="4" name="矩形 3">
             <a:extLst>
               <a:ext uri="{FF2B5EF4-FFF2-40B4-BE49-F238E27FC236}">
-                <a16:creationId xmlns="" xmlns:a16="http://schemas.microsoft.com/office/drawing/2014/main" id="{0FDAD747-108F-4A6D-9220-5EA05067FF1E}"/>
+                <a16:creationId xmlns:a16="http://schemas.microsoft.com/office/drawing/2014/main" xmlns="" id="{0FDAD747-108F-4A6D-9220-5EA05067FF1E}"/>
               </a:ext>
             </a:extLst>
           </p:cNvPr>
@@ -12957,7 +13127,7 @@
           <p:cNvPr id="12" name="矩形 11">
             <a:extLst>
               <a:ext uri="{FF2B5EF4-FFF2-40B4-BE49-F238E27FC236}">
-                <a16:creationId xmlns="" xmlns:a16="http://schemas.microsoft.com/office/drawing/2014/main" id="{0FDAD747-108F-4A6D-9220-5EA05067FF1E}"/>
+                <a16:creationId xmlns:a16="http://schemas.microsoft.com/office/drawing/2014/main" xmlns="" id="{0FDAD747-108F-4A6D-9220-5EA05067FF1E}"/>
               </a:ext>
             </a:extLst>
           </p:cNvPr>
@@ -13007,7 +13177,7 @@
           <p:cNvPr id="4" name="矩形 3">
             <a:extLst>
               <a:ext uri="{FF2B5EF4-FFF2-40B4-BE49-F238E27FC236}">
-                <a16:creationId xmlns="" xmlns:a16="http://schemas.microsoft.com/office/drawing/2014/main" id="{0FDAD747-108F-4A6D-9220-5EA05067FF1E}"/>
+                <a16:creationId xmlns:a16="http://schemas.microsoft.com/office/drawing/2014/main" xmlns="" id="{0FDAD747-108F-4A6D-9220-5EA05067FF1E}"/>
               </a:ext>
             </a:extLst>
           </p:cNvPr>
@@ -13560,7 +13730,7 @@
           <p:cNvPr id="7" name="矩形 13" descr="紫色网格">
             <a:extLst>
               <a:ext uri="{FF2B5EF4-FFF2-40B4-BE49-F238E27FC236}">
-                <a16:creationId xmlns="" xmlns:a16="http://schemas.microsoft.com/office/drawing/2014/main" id="{44AEA09D-FD0A-4CA0-883D-93E5EAF762D6}"/>
+                <a16:creationId xmlns:a16="http://schemas.microsoft.com/office/drawing/2014/main" xmlns="" id="{44AEA09D-FD0A-4CA0-883D-93E5EAF762D6}"/>
               </a:ext>
             </a:extLst>
           </p:cNvPr>
@@ -13870,7 +14040,7 @@
           <p:cNvPr id="12" name="矩形 11">
             <a:extLst>
               <a:ext uri="{FF2B5EF4-FFF2-40B4-BE49-F238E27FC236}">
-                <a16:creationId xmlns="" xmlns:a16="http://schemas.microsoft.com/office/drawing/2014/main" id="{0FDAD747-108F-4A6D-9220-5EA05067FF1E}"/>
+                <a16:creationId xmlns:a16="http://schemas.microsoft.com/office/drawing/2014/main" xmlns="" id="{0FDAD747-108F-4A6D-9220-5EA05067FF1E}"/>
               </a:ext>
             </a:extLst>
           </p:cNvPr>
@@ -13927,7 +14097,7 @@
           <p:cNvPr id="4" name="矩形 3">
             <a:extLst>
               <a:ext uri="{FF2B5EF4-FFF2-40B4-BE49-F238E27FC236}">
-                <a16:creationId xmlns="" xmlns:a16="http://schemas.microsoft.com/office/drawing/2014/main" id="{0FDAD747-108F-4A6D-9220-5EA05067FF1E}"/>
+                <a16:creationId xmlns:a16="http://schemas.microsoft.com/office/drawing/2014/main" xmlns="" id="{0FDAD747-108F-4A6D-9220-5EA05067FF1E}"/>
               </a:ext>
             </a:extLst>
           </p:cNvPr>
@@ -14304,7 +14474,7 @@
           <p:cNvPr id="12" name="矩形 11">
             <a:extLst>
               <a:ext uri="{FF2B5EF4-FFF2-40B4-BE49-F238E27FC236}">
-                <a16:creationId xmlns="" xmlns:a16="http://schemas.microsoft.com/office/drawing/2014/main" id="{0FDAD747-108F-4A6D-9220-5EA05067FF1E}"/>
+                <a16:creationId xmlns:a16="http://schemas.microsoft.com/office/drawing/2014/main" xmlns="" id="{0FDAD747-108F-4A6D-9220-5EA05067FF1E}"/>
               </a:ext>
             </a:extLst>
           </p:cNvPr>
@@ -14351,7 +14521,7 @@
           <p:cNvPr id="4" name="矩形 3">
             <a:extLst>
               <a:ext uri="{FF2B5EF4-FFF2-40B4-BE49-F238E27FC236}">
-                <a16:creationId xmlns="" xmlns:a16="http://schemas.microsoft.com/office/drawing/2014/main" id="{0FDAD747-108F-4A6D-9220-5EA05067FF1E}"/>
+                <a16:creationId xmlns:a16="http://schemas.microsoft.com/office/drawing/2014/main" xmlns="" id="{0FDAD747-108F-4A6D-9220-5EA05067FF1E}"/>
               </a:ext>
             </a:extLst>
           </p:cNvPr>
@@ -14680,7 +14850,7 @@
           <p:cNvPr id="12" name="矩形 11">
             <a:extLst>
               <a:ext uri="{FF2B5EF4-FFF2-40B4-BE49-F238E27FC236}">
-                <a16:creationId xmlns="" xmlns:a16="http://schemas.microsoft.com/office/drawing/2014/main" id="{0FDAD747-108F-4A6D-9220-5EA05067FF1E}"/>
+                <a16:creationId xmlns:a16="http://schemas.microsoft.com/office/drawing/2014/main" xmlns="" id="{0FDAD747-108F-4A6D-9220-5EA05067FF1E}"/>
               </a:ext>
             </a:extLst>
           </p:cNvPr>
@@ -14740,7 +14910,7 @@
           <p:cNvPr id="4" name="矩形 3">
             <a:extLst>
               <a:ext uri="{FF2B5EF4-FFF2-40B4-BE49-F238E27FC236}">
-                <a16:creationId xmlns="" xmlns:a16="http://schemas.microsoft.com/office/drawing/2014/main" id="{0FDAD747-108F-4A6D-9220-5EA05067FF1E}"/>
+                <a16:creationId xmlns:a16="http://schemas.microsoft.com/office/drawing/2014/main" xmlns="" id="{0FDAD747-108F-4A6D-9220-5EA05067FF1E}"/>
               </a:ext>
             </a:extLst>
           </p:cNvPr>
@@ -15259,7 +15429,7 @@
           <p:cNvPr id="12" name="矩形 11">
             <a:extLst>
               <a:ext uri="{FF2B5EF4-FFF2-40B4-BE49-F238E27FC236}">
-                <a16:creationId xmlns="" xmlns:a16="http://schemas.microsoft.com/office/drawing/2014/main" id="{0FDAD747-108F-4A6D-9220-5EA05067FF1E}"/>
+                <a16:creationId xmlns:a16="http://schemas.microsoft.com/office/drawing/2014/main" xmlns="" id="{0FDAD747-108F-4A6D-9220-5EA05067FF1E}"/>
               </a:ext>
             </a:extLst>
           </p:cNvPr>
@@ -15326,7 +15496,7 @@
           <p:cNvPr id="4" name="矩形 3">
             <a:extLst>
               <a:ext uri="{FF2B5EF4-FFF2-40B4-BE49-F238E27FC236}">
-                <a16:creationId xmlns="" xmlns:a16="http://schemas.microsoft.com/office/drawing/2014/main" id="{0FDAD747-108F-4A6D-9220-5EA05067FF1E}"/>
+                <a16:creationId xmlns:a16="http://schemas.microsoft.com/office/drawing/2014/main" xmlns="" id="{0FDAD747-108F-4A6D-9220-5EA05067FF1E}"/>
               </a:ext>
             </a:extLst>
           </p:cNvPr>
@@ -15656,7 +15826,7 @@
           <p:cNvPr id="12" name="矩形 11">
             <a:extLst>
               <a:ext uri="{FF2B5EF4-FFF2-40B4-BE49-F238E27FC236}">
-                <a16:creationId xmlns="" xmlns:a16="http://schemas.microsoft.com/office/drawing/2014/main" id="{0FDAD747-108F-4A6D-9220-5EA05067FF1E}"/>
+                <a16:creationId xmlns:a16="http://schemas.microsoft.com/office/drawing/2014/main" xmlns="" id="{0FDAD747-108F-4A6D-9220-5EA05067FF1E}"/>
               </a:ext>
             </a:extLst>
           </p:cNvPr>
@@ -15703,7 +15873,7 @@
           <p:cNvPr id="4" name="矩形 3">
             <a:extLst>
               <a:ext uri="{FF2B5EF4-FFF2-40B4-BE49-F238E27FC236}">
-                <a16:creationId xmlns="" xmlns:a16="http://schemas.microsoft.com/office/drawing/2014/main" id="{0FDAD747-108F-4A6D-9220-5EA05067FF1E}"/>
+                <a16:creationId xmlns:a16="http://schemas.microsoft.com/office/drawing/2014/main" xmlns="" id="{0FDAD747-108F-4A6D-9220-5EA05067FF1E}"/>
               </a:ext>
             </a:extLst>
           </p:cNvPr>
@@ -15806,7 +15976,7 @@
           <p:cNvPr id="12" name="矩形 11">
             <a:extLst>
               <a:ext uri="{FF2B5EF4-FFF2-40B4-BE49-F238E27FC236}">
-                <a16:creationId xmlns="" xmlns:a16="http://schemas.microsoft.com/office/drawing/2014/main" id="{0FDAD747-108F-4A6D-9220-5EA05067FF1E}"/>
+                <a16:creationId xmlns:a16="http://schemas.microsoft.com/office/drawing/2014/main" xmlns="" id="{0FDAD747-108F-4A6D-9220-5EA05067FF1E}"/>
               </a:ext>
             </a:extLst>
           </p:cNvPr>
@@ -15914,7 +16084,7 @@
           <p:cNvPr id="12" name="矩形 11">
             <a:extLst>
               <a:ext uri="{FF2B5EF4-FFF2-40B4-BE49-F238E27FC236}">
-                <a16:creationId xmlns="" xmlns:a16="http://schemas.microsoft.com/office/drawing/2014/main" id="{0FDAD747-108F-4A6D-9220-5EA05067FF1E}"/>
+                <a16:creationId xmlns:a16="http://schemas.microsoft.com/office/drawing/2014/main" xmlns="" id="{0FDAD747-108F-4A6D-9220-5EA05067FF1E}"/>
               </a:ext>
             </a:extLst>
           </p:cNvPr>
@@ -15961,7 +16131,7 @@
           <p:cNvPr id="4" name="矩形 3">
             <a:extLst>
               <a:ext uri="{FF2B5EF4-FFF2-40B4-BE49-F238E27FC236}">
-                <a16:creationId xmlns="" xmlns:a16="http://schemas.microsoft.com/office/drawing/2014/main" id="{0FDAD747-108F-4A6D-9220-5EA05067FF1E}"/>
+                <a16:creationId xmlns:a16="http://schemas.microsoft.com/office/drawing/2014/main" xmlns="" id="{0FDAD747-108F-4A6D-9220-5EA05067FF1E}"/>
               </a:ext>
             </a:extLst>
           </p:cNvPr>
@@ -16105,7 +16275,7 @@
           <p:cNvPr id="5" name="矩形 13" descr="紫色网格">
             <a:extLst>
               <a:ext uri="{FF2B5EF4-FFF2-40B4-BE49-F238E27FC236}">
-                <a16:creationId xmlns="" xmlns:a16="http://schemas.microsoft.com/office/drawing/2014/main" id="{44AEA09D-FD0A-4CA0-883D-93E5EAF762D6}"/>
+                <a16:creationId xmlns:a16="http://schemas.microsoft.com/office/drawing/2014/main" xmlns="" id="{44AEA09D-FD0A-4CA0-883D-93E5EAF762D6}"/>
               </a:ext>
             </a:extLst>
           </p:cNvPr>
@@ -16425,7 +16595,7 @@
           <p:cNvPr id="52" name="矩形 51">
             <a:extLst>
               <a:ext uri="{FF2B5EF4-FFF2-40B4-BE49-F238E27FC236}">
-                <a16:creationId xmlns="" xmlns:a16="http://schemas.microsoft.com/office/drawing/2014/main" id="{C2B44424-4CFE-4BA2-9FCF-F0A911E8A749}"/>
+                <a16:creationId xmlns:a16="http://schemas.microsoft.com/office/drawing/2014/main" xmlns="" id="{C2B44424-4CFE-4BA2-9FCF-F0A911E8A749}"/>
               </a:ext>
             </a:extLst>
           </p:cNvPr>
@@ -16579,7 +16749,7 @@
           <p:cNvPr id="55" name="直接箭头连接符 54">
             <a:extLst>
               <a:ext uri="{FF2B5EF4-FFF2-40B4-BE49-F238E27FC236}">
-                <a16:creationId xmlns="" xmlns:a16="http://schemas.microsoft.com/office/drawing/2014/main" id="{EDD84E7C-3200-40E5-A3C0-E57D7F9E754E}"/>
+                <a16:creationId xmlns:a16="http://schemas.microsoft.com/office/drawing/2014/main" xmlns="" id="{EDD84E7C-3200-40E5-A3C0-E57D7F9E754E}"/>
               </a:ext>
             </a:extLst>
           </p:cNvPr>
@@ -16612,7 +16782,7 @@
           <p:cNvPr id="59" name="矩形 58">
             <a:extLst>
               <a:ext uri="{FF2B5EF4-FFF2-40B4-BE49-F238E27FC236}">
-                <a16:creationId xmlns="" xmlns:a16="http://schemas.microsoft.com/office/drawing/2014/main" id="{0FDAD747-108F-4A6D-9220-5EA05067FF1E}"/>
+                <a16:creationId xmlns:a16="http://schemas.microsoft.com/office/drawing/2014/main" xmlns="" id="{0FDAD747-108F-4A6D-9220-5EA05067FF1E}"/>
               </a:ext>
             </a:extLst>
           </p:cNvPr>
@@ -16679,7 +16849,7 @@
           <p:cNvPr id="63" name="直接箭头连接符 62">
             <a:extLst>
               <a:ext uri="{FF2B5EF4-FFF2-40B4-BE49-F238E27FC236}">
-                <a16:creationId xmlns="" xmlns:a16="http://schemas.microsoft.com/office/drawing/2014/main" id="{5A7FC920-9D22-4290-B80F-F4BDC1DE109A}"/>
+                <a16:creationId xmlns:a16="http://schemas.microsoft.com/office/drawing/2014/main" xmlns="" id="{5A7FC920-9D22-4290-B80F-F4BDC1DE109A}"/>
               </a:ext>
             </a:extLst>
           </p:cNvPr>
@@ -16712,7 +16882,7 @@
           <p:cNvPr id="64" name="矩形 63">
             <a:extLst>
               <a:ext uri="{FF2B5EF4-FFF2-40B4-BE49-F238E27FC236}">
-                <a16:creationId xmlns="" xmlns:a16="http://schemas.microsoft.com/office/drawing/2014/main" id="{45B27A13-37E3-4777-9299-E75CAF1F6F9A}"/>
+                <a16:creationId xmlns:a16="http://schemas.microsoft.com/office/drawing/2014/main" xmlns="" id="{45B27A13-37E3-4777-9299-E75CAF1F6F9A}"/>
               </a:ext>
             </a:extLst>
           </p:cNvPr>
@@ -16760,7 +16930,7 @@
           <p:cNvPr id="65" name="图片 64">
             <a:extLst>
               <a:ext uri="{FF2B5EF4-FFF2-40B4-BE49-F238E27FC236}">
-                <a16:creationId xmlns="" xmlns:a16="http://schemas.microsoft.com/office/drawing/2014/main" id="{36569B5B-566F-4C60-9D63-318931B70CA2}"/>
+                <a16:creationId xmlns:a16="http://schemas.microsoft.com/office/drawing/2014/main" xmlns="" id="{36569B5B-566F-4C60-9D63-318931B70CA2}"/>
               </a:ext>
             </a:extLst>
           </p:cNvPr>
@@ -16796,7 +16966,7 @@
           <p:cNvPr id="66" name="矩形 65">
             <a:extLst>
               <a:ext uri="{FF2B5EF4-FFF2-40B4-BE49-F238E27FC236}">
-                <a16:creationId xmlns="" xmlns:a16="http://schemas.microsoft.com/office/drawing/2014/main" id="{2A55BA5B-CE30-435B-95FB-B00B8161E590}"/>
+                <a16:creationId xmlns:a16="http://schemas.microsoft.com/office/drawing/2014/main" xmlns="" id="{2A55BA5B-CE30-435B-95FB-B00B8161E590}"/>
               </a:ext>
             </a:extLst>
           </p:cNvPr>
@@ -16864,7 +17034,7 @@
           <p:cNvPr id="67" name="矩形 66">
             <a:extLst>
               <a:ext uri="{FF2B5EF4-FFF2-40B4-BE49-F238E27FC236}">
-                <a16:creationId xmlns="" xmlns:a16="http://schemas.microsoft.com/office/drawing/2014/main" id="{C2B44424-4CFE-4BA2-9FCF-F0A911E8A749}"/>
+                <a16:creationId xmlns:a16="http://schemas.microsoft.com/office/drawing/2014/main" xmlns="" id="{C2B44424-4CFE-4BA2-9FCF-F0A911E8A749}"/>
               </a:ext>
             </a:extLst>
           </p:cNvPr>
@@ -16942,7 +17112,7 @@
           <p:cNvPr id="73" name="矩形 72">
             <a:extLst>
               <a:ext uri="{FF2B5EF4-FFF2-40B4-BE49-F238E27FC236}">
-                <a16:creationId xmlns="" xmlns:a16="http://schemas.microsoft.com/office/drawing/2014/main" id="{0FDAD747-108F-4A6D-9220-5EA05067FF1E}"/>
+                <a16:creationId xmlns:a16="http://schemas.microsoft.com/office/drawing/2014/main" xmlns="" id="{0FDAD747-108F-4A6D-9220-5EA05067FF1E}"/>
               </a:ext>
             </a:extLst>
           </p:cNvPr>
@@ -16989,7 +17159,7 @@
           <p:cNvPr id="15" name="图片 14">
             <a:extLst>
               <a:ext uri="{FF2B5EF4-FFF2-40B4-BE49-F238E27FC236}">
-                <a16:creationId xmlns="" xmlns:a16="http://schemas.microsoft.com/office/drawing/2014/main" id="{36569B5B-566F-4C60-9D63-318931B70CA2}"/>
+                <a16:creationId xmlns:a16="http://schemas.microsoft.com/office/drawing/2014/main" xmlns="" id="{36569B5B-566F-4C60-9D63-318931B70CA2}"/>
               </a:ext>
             </a:extLst>
           </p:cNvPr>
@@ -17032,7 +17202,7 @@
           <p:cNvPr id="16" name="矩形 13" descr="紫色网格">
             <a:extLst>
               <a:ext uri="{FF2B5EF4-FFF2-40B4-BE49-F238E27FC236}">
-                <a16:creationId xmlns="" xmlns:a16="http://schemas.microsoft.com/office/drawing/2014/main" id="{44AEA09D-FD0A-4CA0-883D-93E5EAF762D6}"/>
+                <a16:creationId xmlns:a16="http://schemas.microsoft.com/office/drawing/2014/main" xmlns="" id="{44AEA09D-FD0A-4CA0-883D-93E5EAF762D6}"/>
               </a:ext>
             </a:extLst>
           </p:cNvPr>
@@ -17438,7 +17608,7 @@
           <p:cNvPr id="12" name="矩形 11">
             <a:extLst>
               <a:ext uri="{FF2B5EF4-FFF2-40B4-BE49-F238E27FC236}">
-                <a16:creationId xmlns="" xmlns:a16="http://schemas.microsoft.com/office/drawing/2014/main" id="{0FDAD747-108F-4A6D-9220-5EA05067FF1E}"/>
+                <a16:creationId xmlns:a16="http://schemas.microsoft.com/office/drawing/2014/main" xmlns="" id="{0FDAD747-108F-4A6D-9220-5EA05067FF1E}"/>
               </a:ext>
             </a:extLst>
           </p:cNvPr>
@@ -17485,7 +17655,7 @@
           <p:cNvPr id="4" name="矩形 3">
             <a:extLst>
               <a:ext uri="{FF2B5EF4-FFF2-40B4-BE49-F238E27FC236}">
-                <a16:creationId xmlns="" xmlns:a16="http://schemas.microsoft.com/office/drawing/2014/main" id="{0FDAD747-108F-4A6D-9220-5EA05067FF1E}"/>
+                <a16:creationId xmlns:a16="http://schemas.microsoft.com/office/drawing/2014/main" xmlns="" id="{0FDAD747-108F-4A6D-9220-5EA05067FF1E}"/>
               </a:ext>
             </a:extLst>
           </p:cNvPr>
@@ -17684,7 +17854,7 @@
           <p:cNvPr id="5" name="矩形 4">
             <a:extLst>
               <a:ext uri="{FF2B5EF4-FFF2-40B4-BE49-F238E27FC236}">
-                <a16:creationId xmlns="" xmlns:a16="http://schemas.microsoft.com/office/drawing/2014/main" id="{AB1DF3D9-EC08-40CA-853D-48B16F99EE56}"/>
+                <a16:creationId xmlns:a16="http://schemas.microsoft.com/office/drawing/2014/main" xmlns="" id="{AB1DF3D9-EC08-40CA-853D-48B16F99EE56}"/>
               </a:ext>
             </a:extLst>
           </p:cNvPr>
@@ -17799,7 +17969,7 @@
           <p:cNvPr id="12" name="矩形 11">
             <a:extLst>
               <a:ext uri="{FF2B5EF4-FFF2-40B4-BE49-F238E27FC236}">
-                <a16:creationId xmlns="" xmlns:a16="http://schemas.microsoft.com/office/drawing/2014/main" id="{0FDAD747-108F-4A6D-9220-5EA05067FF1E}"/>
+                <a16:creationId xmlns:a16="http://schemas.microsoft.com/office/drawing/2014/main" xmlns="" id="{0FDAD747-108F-4A6D-9220-5EA05067FF1E}"/>
               </a:ext>
             </a:extLst>
           </p:cNvPr>
@@ -17846,7 +18016,7 @@
           <p:cNvPr id="6" name="矩形 5">
             <a:extLst>
               <a:ext uri="{FF2B5EF4-FFF2-40B4-BE49-F238E27FC236}">
-                <a16:creationId xmlns="" xmlns:a16="http://schemas.microsoft.com/office/drawing/2014/main" id="{0FDAD747-108F-4A6D-9220-5EA05067FF1E}"/>
+                <a16:creationId xmlns:a16="http://schemas.microsoft.com/office/drawing/2014/main" xmlns="" id="{0FDAD747-108F-4A6D-9220-5EA05067FF1E}"/>
               </a:ext>
             </a:extLst>
           </p:cNvPr>
@@ -18022,7 +18192,7 @@
           <p:cNvPr id="12" name="矩形 11">
             <a:extLst>
               <a:ext uri="{FF2B5EF4-FFF2-40B4-BE49-F238E27FC236}">
-                <a16:creationId xmlns="" xmlns:a16="http://schemas.microsoft.com/office/drawing/2014/main" id="{0FDAD747-108F-4A6D-9220-5EA05067FF1E}"/>
+                <a16:creationId xmlns:a16="http://schemas.microsoft.com/office/drawing/2014/main" xmlns="" id="{0FDAD747-108F-4A6D-9220-5EA05067FF1E}"/>
               </a:ext>
             </a:extLst>
           </p:cNvPr>
@@ -18071,7 +18241,7 @@
               <p:cNvPr id="4" name="矩形 3">
                 <a:extLst>
                   <a:ext uri="{FF2B5EF4-FFF2-40B4-BE49-F238E27FC236}">
-                    <a16:creationId xmlns="" xmlns:a16="http://schemas.microsoft.com/office/drawing/2014/main" id="{0FDAD747-108F-4A6D-9220-5EA05067FF1E}"/>
+                    <a16:creationId xmlns:a16="http://schemas.microsoft.com/office/drawing/2014/main" xmlns="" id="{0FDAD747-108F-4A6D-9220-5EA05067FF1E}"/>
                   </a:ext>
                 </a:extLst>
               </p:cNvPr>
@@ -18420,7 +18590,7 @@
           <p:cNvPr id="6" name="矩形 5">
             <a:extLst>
               <a:ext uri="{FF2B5EF4-FFF2-40B4-BE49-F238E27FC236}">
-                <a16:creationId xmlns="" xmlns:a16="http://schemas.microsoft.com/office/drawing/2014/main" id="{AB1DF3D9-EC08-40CA-853D-48B16F99EE56}"/>
+                <a16:creationId xmlns:a16="http://schemas.microsoft.com/office/drawing/2014/main" xmlns="" id="{AB1DF3D9-EC08-40CA-853D-48B16F99EE56}"/>
               </a:ext>
             </a:extLst>
           </p:cNvPr>
@@ -18512,7 +18682,7 @@
           <p:cNvPr id="12" name="矩形 11">
             <a:extLst>
               <a:ext uri="{FF2B5EF4-FFF2-40B4-BE49-F238E27FC236}">
-                <a16:creationId xmlns="" xmlns:a16="http://schemas.microsoft.com/office/drawing/2014/main" id="{0FDAD747-108F-4A6D-9220-5EA05067FF1E}"/>
+                <a16:creationId xmlns:a16="http://schemas.microsoft.com/office/drawing/2014/main" xmlns="" id="{0FDAD747-108F-4A6D-9220-5EA05067FF1E}"/>
               </a:ext>
             </a:extLst>
           </p:cNvPr>
@@ -18561,7 +18731,7 @@
               <p:cNvPr id="4" name="矩形 3">
                 <a:extLst>
                   <a:ext uri="{FF2B5EF4-FFF2-40B4-BE49-F238E27FC236}">
-                    <a16:creationId xmlns="" xmlns:a16="http://schemas.microsoft.com/office/drawing/2014/main" id="{0FDAD747-108F-4A6D-9220-5EA05067FF1E}"/>
+                    <a16:creationId xmlns:a16="http://schemas.microsoft.com/office/drawing/2014/main" xmlns="" id="{0FDAD747-108F-4A6D-9220-5EA05067FF1E}"/>
                   </a:ext>
                 </a:extLst>
               </p:cNvPr>
@@ -18886,7 +19056,7 @@
           <p:cNvPr id="6" name="矩形 5">
             <a:extLst>
               <a:ext uri="{FF2B5EF4-FFF2-40B4-BE49-F238E27FC236}">
-                <a16:creationId xmlns="" xmlns:a16="http://schemas.microsoft.com/office/drawing/2014/main" id="{AB1DF3D9-EC08-40CA-853D-48B16F99EE56}"/>
+                <a16:creationId xmlns:a16="http://schemas.microsoft.com/office/drawing/2014/main" xmlns="" id="{AB1DF3D9-EC08-40CA-853D-48B16F99EE56}"/>
               </a:ext>
             </a:extLst>
           </p:cNvPr>
@@ -19002,7 +19172,7 @@
           <p:cNvPr id="12" name="矩形 11">
             <a:extLst>
               <a:ext uri="{FF2B5EF4-FFF2-40B4-BE49-F238E27FC236}">
-                <a16:creationId xmlns="" xmlns:a16="http://schemas.microsoft.com/office/drawing/2014/main" id="{0FDAD747-108F-4A6D-9220-5EA05067FF1E}"/>
+                <a16:creationId xmlns:a16="http://schemas.microsoft.com/office/drawing/2014/main" xmlns="" id="{0FDAD747-108F-4A6D-9220-5EA05067FF1E}"/>
               </a:ext>
             </a:extLst>
           </p:cNvPr>
@@ -19049,7 +19219,7 @@
           <p:cNvPr id="4" name="矩形 3">
             <a:extLst>
               <a:ext uri="{FF2B5EF4-FFF2-40B4-BE49-F238E27FC236}">
-                <a16:creationId xmlns="" xmlns:a16="http://schemas.microsoft.com/office/drawing/2014/main" id="{0FDAD747-108F-4A6D-9220-5EA05067FF1E}"/>
+                <a16:creationId xmlns:a16="http://schemas.microsoft.com/office/drawing/2014/main" xmlns="" id="{0FDAD747-108F-4A6D-9220-5EA05067FF1E}"/>
               </a:ext>
             </a:extLst>
           </p:cNvPr>
@@ -19203,7 +19373,7 @@
           <p:cNvPr id="8" name="矩形 7">
             <a:extLst>
               <a:ext uri="{FF2B5EF4-FFF2-40B4-BE49-F238E27FC236}">
-                <a16:creationId xmlns="" xmlns:a16="http://schemas.microsoft.com/office/drawing/2014/main" id="{AB1DF3D9-EC08-40CA-853D-48B16F99EE56}"/>
+                <a16:creationId xmlns:a16="http://schemas.microsoft.com/office/drawing/2014/main" xmlns="" id="{AB1DF3D9-EC08-40CA-853D-48B16F99EE56}"/>
               </a:ext>
             </a:extLst>
           </p:cNvPr>
@@ -19343,7 +19513,7 @@
           <p:cNvPr id="12" name="矩形 11">
             <a:extLst>
               <a:ext uri="{FF2B5EF4-FFF2-40B4-BE49-F238E27FC236}">
-                <a16:creationId xmlns="" xmlns:a16="http://schemas.microsoft.com/office/drawing/2014/main" id="{0FDAD747-108F-4A6D-9220-5EA05067FF1E}"/>
+                <a16:creationId xmlns:a16="http://schemas.microsoft.com/office/drawing/2014/main" xmlns="" id="{0FDAD747-108F-4A6D-9220-5EA05067FF1E}"/>
               </a:ext>
             </a:extLst>
           </p:cNvPr>
@@ -19390,7 +19560,7 @@
           <p:cNvPr id="4" name="矩形 3">
             <a:extLst>
               <a:ext uri="{FF2B5EF4-FFF2-40B4-BE49-F238E27FC236}">
-                <a16:creationId xmlns="" xmlns:a16="http://schemas.microsoft.com/office/drawing/2014/main" id="{0FDAD747-108F-4A6D-9220-5EA05067FF1E}"/>
+                <a16:creationId xmlns:a16="http://schemas.microsoft.com/office/drawing/2014/main" xmlns="" id="{0FDAD747-108F-4A6D-9220-5EA05067FF1E}"/>
               </a:ext>
             </a:extLst>
           </p:cNvPr>
@@ -19515,7 +19685,7 @@
           <p:cNvPr id="6" name="矩形 5">
             <a:extLst>
               <a:ext uri="{FF2B5EF4-FFF2-40B4-BE49-F238E27FC236}">
-                <a16:creationId xmlns="" xmlns:a16="http://schemas.microsoft.com/office/drawing/2014/main" id="{AB1DF3D9-EC08-40CA-853D-48B16F99EE56}"/>
+                <a16:creationId xmlns:a16="http://schemas.microsoft.com/office/drawing/2014/main" xmlns="" id="{AB1DF3D9-EC08-40CA-853D-48B16F99EE56}"/>
               </a:ext>
             </a:extLst>
           </p:cNvPr>
@@ -19654,7 +19824,7 @@
           <p:cNvPr id="12" name="矩形 11">
             <a:extLst>
               <a:ext uri="{FF2B5EF4-FFF2-40B4-BE49-F238E27FC236}">
-                <a16:creationId xmlns="" xmlns:a16="http://schemas.microsoft.com/office/drawing/2014/main" id="{0FDAD747-108F-4A6D-9220-5EA05067FF1E}"/>
+                <a16:creationId xmlns:a16="http://schemas.microsoft.com/office/drawing/2014/main" xmlns="" id="{0FDAD747-108F-4A6D-9220-5EA05067FF1E}"/>
               </a:ext>
             </a:extLst>
           </p:cNvPr>
@@ -19701,7 +19871,7 @@
           <p:cNvPr id="4" name="矩形 3">
             <a:extLst>
               <a:ext uri="{FF2B5EF4-FFF2-40B4-BE49-F238E27FC236}">
-                <a16:creationId xmlns="" xmlns:a16="http://schemas.microsoft.com/office/drawing/2014/main" id="{0FDAD747-108F-4A6D-9220-5EA05067FF1E}"/>
+                <a16:creationId xmlns:a16="http://schemas.microsoft.com/office/drawing/2014/main" xmlns="" id="{0FDAD747-108F-4A6D-9220-5EA05067FF1E}"/>
               </a:ext>
             </a:extLst>
           </p:cNvPr>
@@ -19869,7 +20039,7 @@
           <p:cNvPr id="6" name="矩形 5">
             <a:extLst>
               <a:ext uri="{FF2B5EF4-FFF2-40B4-BE49-F238E27FC236}">
-                <a16:creationId xmlns="" xmlns:a16="http://schemas.microsoft.com/office/drawing/2014/main" id="{AB1DF3D9-EC08-40CA-853D-48B16F99EE56}"/>
+                <a16:creationId xmlns:a16="http://schemas.microsoft.com/office/drawing/2014/main" xmlns="" id="{AB1DF3D9-EC08-40CA-853D-48B16F99EE56}"/>
               </a:ext>
             </a:extLst>
           </p:cNvPr>
@@ -20009,7 +20179,7 @@
           <p:cNvPr id="12" name="矩形 11">
             <a:extLst>
               <a:ext uri="{FF2B5EF4-FFF2-40B4-BE49-F238E27FC236}">
-                <a16:creationId xmlns="" xmlns:a16="http://schemas.microsoft.com/office/drawing/2014/main" id="{0FDAD747-108F-4A6D-9220-5EA05067FF1E}"/>
+                <a16:creationId xmlns:a16="http://schemas.microsoft.com/office/drawing/2014/main" xmlns="" id="{0FDAD747-108F-4A6D-9220-5EA05067FF1E}"/>
               </a:ext>
             </a:extLst>
           </p:cNvPr>
@@ -20056,7 +20226,7 @@
           <p:cNvPr id="6" name="矩形 5">
             <a:extLst>
               <a:ext uri="{FF2B5EF4-FFF2-40B4-BE49-F238E27FC236}">
-                <a16:creationId xmlns="" xmlns:a16="http://schemas.microsoft.com/office/drawing/2014/main" id="{AB1DF3D9-EC08-40CA-853D-48B16F99EE56}"/>
+                <a16:creationId xmlns:a16="http://schemas.microsoft.com/office/drawing/2014/main" xmlns="" id="{AB1DF3D9-EC08-40CA-853D-48B16F99EE56}"/>
               </a:ext>
             </a:extLst>
           </p:cNvPr>
@@ -20196,7 +20366,7 @@
           <p:cNvPr id="12" name="矩形 11">
             <a:extLst>
               <a:ext uri="{FF2B5EF4-FFF2-40B4-BE49-F238E27FC236}">
-                <a16:creationId xmlns="" xmlns:a16="http://schemas.microsoft.com/office/drawing/2014/main" id="{0FDAD747-108F-4A6D-9220-5EA05067FF1E}"/>
+                <a16:creationId xmlns:a16="http://schemas.microsoft.com/office/drawing/2014/main" xmlns="" id="{0FDAD747-108F-4A6D-9220-5EA05067FF1E}"/>
               </a:ext>
             </a:extLst>
           </p:cNvPr>
@@ -20243,7 +20413,7 @@
           <p:cNvPr id="4" name="矩形 3">
             <a:extLst>
               <a:ext uri="{FF2B5EF4-FFF2-40B4-BE49-F238E27FC236}">
-                <a16:creationId xmlns="" xmlns:a16="http://schemas.microsoft.com/office/drawing/2014/main" id="{0FDAD747-108F-4A6D-9220-5EA05067FF1E}"/>
+                <a16:creationId xmlns:a16="http://schemas.microsoft.com/office/drawing/2014/main" xmlns="" id="{0FDAD747-108F-4A6D-9220-5EA05067FF1E}"/>
               </a:ext>
             </a:extLst>
           </p:cNvPr>
@@ -20723,7 +20893,7 @@
           <p:cNvPr id="6" name="矩形 5">
             <a:extLst>
               <a:ext uri="{FF2B5EF4-FFF2-40B4-BE49-F238E27FC236}">
-                <a16:creationId xmlns="" xmlns:a16="http://schemas.microsoft.com/office/drawing/2014/main" id="{AB1DF3D9-EC08-40CA-853D-48B16F99EE56}"/>
+                <a16:creationId xmlns:a16="http://schemas.microsoft.com/office/drawing/2014/main" xmlns="" id="{AB1DF3D9-EC08-40CA-853D-48B16F99EE56}"/>
               </a:ext>
             </a:extLst>
           </p:cNvPr>
@@ -20815,7 +20985,7 @@
           <p:cNvPr id="12" name="矩形 11">
             <a:extLst>
               <a:ext uri="{FF2B5EF4-FFF2-40B4-BE49-F238E27FC236}">
-                <a16:creationId xmlns="" xmlns:a16="http://schemas.microsoft.com/office/drawing/2014/main" id="{0FDAD747-108F-4A6D-9220-5EA05067FF1E}"/>
+                <a16:creationId xmlns:a16="http://schemas.microsoft.com/office/drawing/2014/main" xmlns="" id="{0FDAD747-108F-4A6D-9220-5EA05067FF1E}"/>
               </a:ext>
             </a:extLst>
           </p:cNvPr>
@@ -20894,7 +21064,7 @@
           <p:cNvPr id="14" name="矩形 13">
             <a:extLst>
               <a:ext uri="{FF2B5EF4-FFF2-40B4-BE49-F238E27FC236}">
-                <a16:creationId xmlns="" xmlns:a16="http://schemas.microsoft.com/office/drawing/2014/main" id="{C2B44424-4CFE-4BA2-9FCF-F0A911E8A749}"/>
+                <a16:creationId xmlns:a16="http://schemas.microsoft.com/office/drawing/2014/main" xmlns="" id="{C2B44424-4CFE-4BA2-9FCF-F0A911E8A749}"/>
               </a:ext>
             </a:extLst>
           </p:cNvPr>
@@ -21048,7 +21218,7 @@
           <p:cNvPr id="16" name="直接箭头连接符 15">
             <a:extLst>
               <a:ext uri="{FF2B5EF4-FFF2-40B4-BE49-F238E27FC236}">
-                <a16:creationId xmlns="" xmlns:a16="http://schemas.microsoft.com/office/drawing/2014/main" id="{EDD84E7C-3200-40E5-A3C0-E57D7F9E754E}"/>
+                <a16:creationId xmlns:a16="http://schemas.microsoft.com/office/drawing/2014/main" xmlns="" id="{EDD84E7C-3200-40E5-A3C0-E57D7F9E754E}"/>
               </a:ext>
             </a:extLst>
           </p:cNvPr>
@@ -21081,7 +21251,7 @@
           <p:cNvPr id="17" name="矩形 16">
             <a:extLst>
               <a:ext uri="{FF2B5EF4-FFF2-40B4-BE49-F238E27FC236}">
-                <a16:creationId xmlns="" xmlns:a16="http://schemas.microsoft.com/office/drawing/2014/main" id="{0FDAD747-108F-4A6D-9220-5EA05067FF1E}"/>
+                <a16:creationId xmlns:a16="http://schemas.microsoft.com/office/drawing/2014/main" xmlns="" id="{0FDAD747-108F-4A6D-9220-5EA05067FF1E}"/>
               </a:ext>
             </a:extLst>
           </p:cNvPr>
@@ -21128,7 +21298,7 @@
           <p:cNvPr id="18" name="矩形 17">
             <a:extLst>
               <a:ext uri="{FF2B5EF4-FFF2-40B4-BE49-F238E27FC236}">
-                <a16:creationId xmlns="" xmlns:a16="http://schemas.microsoft.com/office/drawing/2014/main" id="{5CEC9FB1-9CBF-4B7B-A321-DF404030F08B}"/>
+                <a16:creationId xmlns:a16="http://schemas.microsoft.com/office/drawing/2014/main" xmlns="" id="{5CEC9FB1-9CBF-4B7B-A321-DF404030F08B}"/>
               </a:ext>
             </a:extLst>
           </p:cNvPr>
@@ -21214,7 +21384,7 @@
           <p:cNvPr id="19" name="直接箭头连接符 18">
             <a:extLst>
               <a:ext uri="{FF2B5EF4-FFF2-40B4-BE49-F238E27FC236}">
-                <a16:creationId xmlns="" xmlns:a16="http://schemas.microsoft.com/office/drawing/2014/main" id="{5A7FC920-9D22-4290-B80F-F4BDC1DE109A}"/>
+                <a16:creationId xmlns:a16="http://schemas.microsoft.com/office/drawing/2014/main" xmlns="" id="{5A7FC920-9D22-4290-B80F-F4BDC1DE109A}"/>
               </a:ext>
             </a:extLst>
           </p:cNvPr>
@@ -21247,7 +21417,7 @@
           <p:cNvPr id="20" name="矩形 19">
             <a:extLst>
               <a:ext uri="{FF2B5EF4-FFF2-40B4-BE49-F238E27FC236}">
-                <a16:creationId xmlns="" xmlns:a16="http://schemas.microsoft.com/office/drawing/2014/main" id="{45B27A13-37E3-4777-9299-E75CAF1F6F9A}"/>
+                <a16:creationId xmlns:a16="http://schemas.microsoft.com/office/drawing/2014/main" xmlns="" id="{45B27A13-37E3-4777-9299-E75CAF1F6F9A}"/>
               </a:ext>
             </a:extLst>
           </p:cNvPr>
@@ -21295,7 +21465,7 @@
           <p:cNvPr id="21" name="图片 20">
             <a:extLst>
               <a:ext uri="{FF2B5EF4-FFF2-40B4-BE49-F238E27FC236}">
-                <a16:creationId xmlns="" xmlns:a16="http://schemas.microsoft.com/office/drawing/2014/main" id="{36569B5B-566F-4C60-9D63-318931B70CA2}"/>
+                <a16:creationId xmlns:a16="http://schemas.microsoft.com/office/drawing/2014/main" xmlns="" id="{36569B5B-566F-4C60-9D63-318931B70CA2}"/>
               </a:ext>
             </a:extLst>
           </p:cNvPr>
@@ -21331,7 +21501,7 @@
           <p:cNvPr id="22" name="矩形 21">
             <a:extLst>
               <a:ext uri="{FF2B5EF4-FFF2-40B4-BE49-F238E27FC236}">
-                <a16:creationId xmlns="" xmlns:a16="http://schemas.microsoft.com/office/drawing/2014/main" id="{2A55BA5B-CE30-435B-95FB-B00B8161E590}"/>
+                <a16:creationId xmlns:a16="http://schemas.microsoft.com/office/drawing/2014/main" xmlns="" id="{2A55BA5B-CE30-435B-95FB-B00B8161E590}"/>
               </a:ext>
             </a:extLst>
           </p:cNvPr>
@@ -21389,7 +21559,7 @@
           <p:cNvPr id="23" name="矩形 22">
             <a:extLst>
               <a:ext uri="{FF2B5EF4-FFF2-40B4-BE49-F238E27FC236}">
-                <a16:creationId xmlns="" xmlns:a16="http://schemas.microsoft.com/office/drawing/2014/main" id="{C2B44424-4CFE-4BA2-9FCF-F0A911E8A749}"/>
+                <a16:creationId xmlns:a16="http://schemas.microsoft.com/office/drawing/2014/main" xmlns="" id="{C2B44424-4CFE-4BA2-9FCF-F0A911E8A749}"/>
               </a:ext>
             </a:extLst>
           </p:cNvPr>
@@ -21500,7 +21670,7 @@
           <p:cNvPr id="25" name="矩形 24">
             <a:extLst>
               <a:ext uri="{FF2B5EF4-FFF2-40B4-BE49-F238E27FC236}">
-                <a16:creationId xmlns="" xmlns:a16="http://schemas.microsoft.com/office/drawing/2014/main" id="{0FDAD747-108F-4A6D-9220-5EA05067FF1E}"/>
+                <a16:creationId xmlns:a16="http://schemas.microsoft.com/office/drawing/2014/main" xmlns="" id="{0FDAD747-108F-4A6D-9220-5EA05067FF1E}"/>
               </a:ext>
             </a:extLst>
           </p:cNvPr>
@@ -21651,7 +21821,7 @@
           <p:cNvPr id="30" name="矩形 29">
             <a:extLst>
               <a:ext uri="{FF2B5EF4-FFF2-40B4-BE49-F238E27FC236}">
-                <a16:creationId xmlns="" xmlns:a16="http://schemas.microsoft.com/office/drawing/2014/main" id="{2A55BA5B-CE30-435B-95FB-B00B8161E590}"/>
+                <a16:creationId xmlns:a16="http://schemas.microsoft.com/office/drawing/2014/main" xmlns="" id="{2A55BA5B-CE30-435B-95FB-B00B8161E590}"/>
               </a:ext>
             </a:extLst>
           </p:cNvPr>
@@ -21719,7 +21889,7 @@
           <p:cNvPr id="31" name="矩形 30">
             <a:extLst>
               <a:ext uri="{FF2B5EF4-FFF2-40B4-BE49-F238E27FC236}">
-                <a16:creationId xmlns="" xmlns:a16="http://schemas.microsoft.com/office/drawing/2014/main" id="{2A55BA5B-CE30-435B-95FB-B00B8161E590}"/>
+                <a16:creationId xmlns:a16="http://schemas.microsoft.com/office/drawing/2014/main" xmlns="" id="{2A55BA5B-CE30-435B-95FB-B00B8161E590}"/>
               </a:ext>
             </a:extLst>
           </p:cNvPr>
@@ -21827,7 +21997,7 @@
           <p:cNvPr id="33" name="矩形 13" descr="紫色网格">
             <a:extLst>
               <a:ext uri="{FF2B5EF4-FFF2-40B4-BE49-F238E27FC236}">
-                <a16:creationId xmlns="" xmlns:a16="http://schemas.microsoft.com/office/drawing/2014/main" id="{44AEA09D-FD0A-4CA0-883D-93E5EAF762D6}"/>
+                <a16:creationId xmlns:a16="http://schemas.microsoft.com/office/drawing/2014/main" xmlns="" id="{44AEA09D-FD0A-4CA0-883D-93E5EAF762D6}"/>
               </a:ext>
             </a:extLst>
           </p:cNvPr>
@@ -22157,7 +22327,7 @@
           <p:cNvPr id="12" name="矩形 11">
             <a:extLst>
               <a:ext uri="{FF2B5EF4-FFF2-40B4-BE49-F238E27FC236}">
-                <a16:creationId xmlns="" xmlns:a16="http://schemas.microsoft.com/office/drawing/2014/main" id="{0FDAD747-108F-4A6D-9220-5EA05067FF1E}"/>
+                <a16:creationId xmlns:a16="http://schemas.microsoft.com/office/drawing/2014/main" xmlns="" id="{0FDAD747-108F-4A6D-9220-5EA05067FF1E}"/>
               </a:ext>
             </a:extLst>
           </p:cNvPr>
@@ -22204,7 +22374,7 @@
           <p:cNvPr id="4" name="矩形 3">
             <a:extLst>
               <a:ext uri="{FF2B5EF4-FFF2-40B4-BE49-F238E27FC236}">
-                <a16:creationId xmlns="" xmlns:a16="http://schemas.microsoft.com/office/drawing/2014/main" id="{0FDAD747-108F-4A6D-9220-5EA05067FF1E}"/>
+                <a16:creationId xmlns:a16="http://schemas.microsoft.com/office/drawing/2014/main" xmlns="" id="{0FDAD747-108F-4A6D-9220-5EA05067FF1E}"/>
               </a:ext>
             </a:extLst>
           </p:cNvPr>
@@ -22353,7 +22523,7 @@
           <p:cNvPr id="6" name="矩形 5">
             <a:extLst>
               <a:ext uri="{FF2B5EF4-FFF2-40B4-BE49-F238E27FC236}">
-                <a16:creationId xmlns="" xmlns:a16="http://schemas.microsoft.com/office/drawing/2014/main" id="{AB1DF3D9-EC08-40CA-853D-48B16F99EE56}"/>
+                <a16:creationId xmlns:a16="http://schemas.microsoft.com/office/drawing/2014/main" xmlns="" id="{AB1DF3D9-EC08-40CA-853D-48B16F99EE56}"/>
               </a:ext>
             </a:extLst>
           </p:cNvPr>
@@ -22529,7 +22699,7 @@
           <p:cNvPr id="12" name="矩形 11">
             <a:extLst>
               <a:ext uri="{FF2B5EF4-FFF2-40B4-BE49-F238E27FC236}">
-                <a16:creationId xmlns="" xmlns:a16="http://schemas.microsoft.com/office/drawing/2014/main" id="{0FDAD747-108F-4A6D-9220-5EA05067FF1E}"/>
+                <a16:creationId xmlns:a16="http://schemas.microsoft.com/office/drawing/2014/main" xmlns="" id="{0FDAD747-108F-4A6D-9220-5EA05067FF1E}"/>
               </a:ext>
             </a:extLst>
           </p:cNvPr>
@@ -22576,7 +22746,7 @@
           <p:cNvPr id="4" name="矩形 3">
             <a:extLst>
               <a:ext uri="{FF2B5EF4-FFF2-40B4-BE49-F238E27FC236}">
-                <a16:creationId xmlns="" xmlns:a16="http://schemas.microsoft.com/office/drawing/2014/main" id="{0FDAD747-108F-4A6D-9220-5EA05067FF1E}"/>
+                <a16:creationId xmlns:a16="http://schemas.microsoft.com/office/drawing/2014/main" xmlns="" id="{0FDAD747-108F-4A6D-9220-5EA05067FF1E}"/>
               </a:ext>
             </a:extLst>
           </p:cNvPr>
@@ -22895,7 +23065,7 @@
           <p:cNvPr id="26" name="矩形 25" descr="紫色网格">
             <a:extLst>
               <a:ext uri="{FF2B5EF4-FFF2-40B4-BE49-F238E27FC236}">
-                <a16:creationId xmlns:a16="http://schemas.microsoft.com/office/drawing/2014/main" xmlns="" xmlns:lc="http://schemas.openxmlformats.org/drawingml/2006/lockedCanvas" id="{44AEA09D-FD0A-4CA0-883D-93E5EAF762D6}"/>
+                <a16:creationId xmlns:lc="http://schemas.openxmlformats.org/drawingml/2006/lockedCanvas" xmlns="" xmlns:a16="http://schemas.microsoft.com/office/drawing/2014/main" id="{44AEA09D-FD0A-4CA0-883D-93E5EAF762D6}"/>
               </a:ext>
             </a:extLst>
           </p:cNvPr>
@@ -23108,7 +23278,7 @@
           <p:cNvPr id="12" name="矩形 11">
             <a:extLst>
               <a:ext uri="{FF2B5EF4-FFF2-40B4-BE49-F238E27FC236}">
-                <a16:creationId xmlns="" xmlns:a16="http://schemas.microsoft.com/office/drawing/2014/main" id="{0FDAD747-108F-4A6D-9220-5EA05067FF1E}"/>
+                <a16:creationId xmlns:a16="http://schemas.microsoft.com/office/drawing/2014/main" xmlns="" id="{0FDAD747-108F-4A6D-9220-5EA05067FF1E}"/>
               </a:ext>
             </a:extLst>
           </p:cNvPr>
@@ -23168,7 +23338,7 @@
           <p:cNvPr id="11" name="矩形 10">
             <a:extLst>
               <a:ext uri="{FF2B5EF4-FFF2-40B4-BE49-F238E27FC236}">
-                <a16:creationId xmlns="" xmlns:a16="http://schemas.microsoft.com/office/drawing/2014/main" id="{C2B44424-4CFE-4BA2-9FCF-F0A911E8A749}"/>
+                <a16:creationId xmlns:a16="http://schemas.microsoft.com/office/drawing/2014/main" xmlns="" id="{C2B44424-4CFE-4BA2-9FCF-F0A911E8A749}"/>
               </a:ext>
             </a:extLst>
           </p:cNvPr>
@@ -23267,7 +23437,7 @@
           <p:cNvPr id="13" name="直接箭头连接符 12">
             <a:extLst>
               <a:ext uri="{FF2B5EF4-FFF2-40B4-BE49-F238E27FC236}">
-                <a16:creationId xmlns="" xmlns:a16="http://schemas.microsoft.com/office/drawing/2014/main" id="{EDD84E7C-3200-40E5-A3C0-E57D7F9E754E}"/>
+                <a16:creationId xmlns:a16="http://schemas.microsoft.com/office/drawing/2014/main" xmlns="" id="{EDD84E7C-3200-40E5-A3C0-E57D7F9E754E}"/>
               </a:ext>
             </a:extLst>
           </p:cNvPr>
@@ -23300,7 +23470,7 @@
           <p:cNvPr id="14" name="矩形 13">
             <a:extLst>
               <a:ext uri="{FF2B5EF4-FFF2-40B4-BE49-F238E27FC236}">
-                <a16:creationId xmlns="" xmlns:a16="http://schemas.microsoft.com/office/drawing/2014/main" id="{0FDAD747-108F-4A6D-9220-5EA05067FF1E}"/>
+                <a16:creationId xmlns:a16="http://schemas.microsoft.com/office/drawing/2014/main" xmlns="" id="{0FDAD747-108F-4A6D-9220-5EA05067FF1E}"/>
               </a:ext>
             </a:extLst>
           </p:cNvPr>
@@ -23388,7 +23558,7 @@
           <p:cNvPr id="15" name="矩形 14">
             <a:extLst>
               <a:ext uri="{FF2B5EF4-FFF2-40B4-BE49-F238E27FC236}">
-                <a16:creationId xmlns="" xmlns:a16="http://schemas.microsoft.com/office/drawing/2014/main" id="{5CEC9FB1-9CBF-4B7B-A321-DF404030F08B}"/>
+                <a16:creationId xmlns:a16="http://schemas.microsoft.com/office/drawing/2014/main" xmlns="" id="{5CEC9FB1-9CBF-4B7B-A321-DF404030F08B}"/>
               </a:ext>
             </a:extLst>
           </p:cNvPr>
@@ -23474,7 +23644,7 @@
           <p:cNvPr id="16" name="直接箭头连接符 15">
             <a:extLst>
               <a:ext uri="{FF2B5EF4-FFF2-40B4-BE49-F238E27FC236}">
-                <a16:creationId xmlns="" xmlns:a16="http://schemas.microsoft.com/office/drawing/2014/main" id="{5A7FC920-9D22-4290-B80F-F4BDC1DE109A}"/>
+                <a16:creationId xmlns:a16="http://schemas.microsoft.com/office/drawing/2014/main" xmlns="" id="{5A7FC920-9D22-4290-B80F-F4BDC1DE109A}"/>
               </a:ext>
             </a:extLst>
           </p:cNvPr>
@@ -23507,7 +23677,7 @@
           <p:cNvPr id="19" name="矩形 18">
             <a:extLst>
               <a:ext uri="{FF2B5EF4-FFF2-40B4-BE49-F238E27FC236}">
-                <a16:creationId xmlns="" xmlns:a16="http://schemas.microsoft.com/office/drawing/2014/main" id="{2A55BA5B-CE30-435B-95FB-B00B8161E590}"/>
+                <a16:creationId xmlns:a16="http://schemas.microsoft.com/office/drawing/2014/main" xmlns="" id="{2A55BA5B-CE30-435B-95FB-B00B8161E590}"/>
               </a:ext>
             </a:extLst>
           </p:cNvPr>
@@ -23565,7 +23735,7 @@
           <p:cNvPr id="23" name="矩形 22">
             <a:extLst>
               <a:ext uri="{FF2B5EF4-FFF2-40B4-BE49-F238E27FC236}">
-                <a16:creationId xmlns="" xmlns:a16="http://schemas.microsoft.com/office/drawing/2014/main" id="{C2B44424-4CFE-4BA2-9FCF-F0A911E8A749}"/>
+                <a16:creationId xmlns:a16="http://schemas.microsoft.com/office/drawing/2014/main" xmlns="" id="{C2B44424-4CFE-4BA2-9FCF-F0A911E8A749}"/>
               </a:ext>
             </a:extLst>
           </p:cNvPr>
@@ -23649,7 +23819,7 @@
           <p:cNvPr id="24" name="矩形 23">
             <a:extLst>
               <a:ext uri="{FF2B5EF4-FFF2-40B4-BE49-F238E27FC236}">
-                <a16:creationId xmlns="" xmlns:a16="http://schemas.microsoft.com/office/drawing/2014/main" id="{0FDAD747-108F-4A6D-9220-5EA05067FF1E}"/>
+                <a16:creationId xmlns:a16="http://schemas.microsoft.com/office/drawing/2014/main" xmlns="" id="{0FDAD747-108F-4A6D-9220-5EA05067FF1E}"/>
               </a:ext>
             </a:extLst>
           </p:cNvPr>
@@ -23757,7 +23927,7 @@
           <p:cNvPr id="25" name="矩形 24" descr="紫色网格">
             <a:extLst>
               <a:ext uri="{FF2B5EF4-FFF2-40B4-BE49-F238E27FC236}">
-                <a16:creationId xmlns:a16="http://schemas.microsoft.com/office/drawing/2014/main" xmlns="" xmlns:lc="http://schemas.openxmlformats.org/drawingml/2006/lockedCanvas" id="{44AEA09D-FD0A-4CA0-883D-93E5EAF762D6}"/>
+                <a16:creationId xmlns:lc="http://schemas.openxmlformats.org/drawingml/2006/lockedCanvas" xmlns="" xmlns:a16="http://schemas.microsoft.com/office/drawing/2014/main" id="{44AEA09D-FD0A-4CA0-883D-93E5EAF762D6}"/>
               </a:ext>
             </a:extLst>
           </p:cNvPr>
@@ -23921,7 +24091,7 @@
           <p:cNvPr id="27" name="矩形 26" descr="紫色网格">
             <a:extLst>
               <a:ext uri="{FF2B5EF4-FFF2-40B4-BE49-F238E27FC236}">
-                <a16:creationId xmlns:a16="http://schemas.microsoft.com/office/drawing/2014/main" xmlns="" xmlns:lc="http://schemas.openxmlformats.org/drawingml/2006/lockedCanvas" id="{44AEA09D-FD0A-4CA0-883D-93E5EAF762D6}"/>
+                <a16:creationId xmlns:lc="http://schemas.openxmlformats.org/drawingml/2006/lockedCanvas" xmlns="" xmlns:a16="http://schemas.microsoft.com/office/drawing/2014/main" id="{44AEA09D-FD0A-4CA0-883D-93E5EAF762D6}"/>
               </a:ext>
             </a:extLst>
           </p:cNvPr>
@@ -24130,7 +24300,7 @@
           <p:cNvPr id="28" name="矩形 27" descr="紫色网格">
             <a:extLst>
               <a:ext uri="{FF2B5EF4-FFF2-40B4-BE49-F238E27FC236}">
-                <a16:creationId xmlns:a16="http://schemas.microsoft.com/office/drawing/2014/main" xmlns="" xmlns:lc="http://schemas.openxmlformats.org/drawingml/2006/lockedCanvas" id="{44AEA09D-FD0A-4CA0-883D-93E5EAF762D6}"/>
+                <a16:creationId xmlns:lc="http://schemas.openxmlformats.org/drawingml/2006/lockedCanvas" xmlns="" xmlns:a16="http://schemas.microsoft.com/office/drawing/2014/main" id="{44AEA09D-FD0A-4CA0-883D-93E5EAF762D6}"/>
               </a:ext>
             </a:extLst>
           </p:cNvPr>
@@ -24305,7 +24475,7 @@
           <p:cNvPr id="29" name="矩形 28" descr="紫色网格">
             <a:extLst>
               <a:ext uri="{FF2B5EF4-FFF2-40B4-BE49-F238E27FC236}">
-                <a16:creationId xmlns:a16="http://schemas.microsoft.com/office/drawing/2014/main" xmlns="" xmlns:lc="http://schemas.openxmlformats.org/drawingml/2006/lockedCanvas" id="{44AEA09D-FD0A-4CA0-883D-93E5EAF762D6}"/>
+                <a16:creationId xmlns:lc="http://schemas.openxmlformats.org/drawingml/2006/lockedCanvas" xmlns="" xmlns:a16="http://schemas.microsoft.com/office/drawing/2014/main" id="{44AEA09D-FD0A-4CA0-883D-93E5EAF762D6}"/>
               </a:ext>
             </a:extLst>
           </p:cNvPr>
@@ -24530,7 +24700,7 @@
           <p:cNvPr id="30" name="矩形 29" descr="紫色网格">
             <a:extLst>
               <a:ext uri="{FF2B5EF4-FFF2-40B4-BE49-F238E27FC236}">
-                <a16:creationId xmlns:a16="http://schemas.microsoft.com/office/drawing/2014/main" xmlns="" xmlns:lc="http://schemas.openxmlformats.org/drawingml/2006/lockedCanvas" id="{44AEA09D-FD0A-4CA0-883D-93E5EAF762D6}"/>
+                <a16:creationId xmlns:lc="http://schemas.openxmlformats.org/drawingml/2006/lockedCanvas" xmlns="" xmlns:a16="http://schemas.microsoft.com/office/drawing/2014/main" id="{44AEA09D-FD0A-4CA0-883D-93E5EAF762D6}"/>
               </a:ext>
             </a:extLst>
           </p:cNvPr>
@@ -24731,7 +24901,7 @@
           <p:cNvPr id="12" name="矩形 11">
             <a:extLst>
               <a:ext uri="{FF2B5EF4-FFF2-40B4-BE49-F238E27FC236}">
-                <a16:creationId xmlns="" xmlns:a16="http://schemas.microsoft.com/office/drawing/2014/main" id="{0FDAD747-108F-4A6D-9220-5EA05067FF1E}"/>
+                <a16:creationId xmlns:a16="http://schemas.microsoft.com/office/drawing/2014/main" xmlns="" id="{0FDAD747-108F-4A6D-9220-5EA05067FF1E}"/>
               </a:ext>
             </a:extLst>
           </p:cNvPr>
@@ -24791,7 +24961,7 @@
           <p:cNvPr id="4" name="矩形 3">
             <a:extLst>
               <a:ext uri="{FF2B5EF4-FFF2-40B4-BE49-F238E27FC236}">
-                <a16:creationId xmlns="" xmlns:a16="http://schemas.microsoft.com/office/drawing/2014/main" id="{0FDAD747-108F-4A6D-9220-5EA05067FF1E}"/>
+                <a16:creationId xmlns:a16="http://schemas.microsoft.com/office/drawing/2014/main" xmlns="" id="{0FDAD747-108F-4A6D-9220-5EA05067FF1E}"/>
               </a:ext>
             </a:extLst>
           </p:cNvPr>
@@ -25035,7 +25205,7 @@
           <p:cNvPr id="5" name="矩形 4" descr="紫色网格">
             <a:extLst>
               <a:ext uri="{FF2B5EF4-FFF2-40B4-BE49-F238E27FC236}">
-                <a16:creationId xmlns:a16="http://schemas.microsoft.com/office/drawing/2014/main" xmlns="" xmlns:lc="http://schemas.openxmlformats.org/drawingml/2006/lockedCanvas" id="{44AEA09D-FD0A-4CA0-883D-93E5EAF762D6}"/>
+                <a16:creationId xmlns:lc="http://schemas.openxmlformats.org/drawingml/2006/lockedCanvas" xmlns="" xmlns:a16="http://schemas.microsoft.com/office/drawing/2014/main" id="{44AEA09D-FD0A-4CA0-883D-93E5EAF762D6}"/>
               </a:ext>
             </a:extLst>
           </p:cNvPr>
@@ -25328,7 +25498,7 @@
           <p:cNvPr id="6" name="矩形 5" descr="紫色网格">
             <a:extLst>
               <a:ext uri="{FF2B5EF4-FFF2-40B4-BE49-F238E27FC236}">
-                <a16:creationId xmlns:a16="http://schemas.microsoft.com/office/drawing/2014/main" xmlns="" xmlns:lc="http://schemas.openxmlformats.org/drawingml/2006/lockedCanvas" id="{44AEA09D-FD0A-4CA0-883D-93E5EAF762D6}"/>
+                <a16:creationId xmlns:lc="http://schemas.openxmlformats.org/drawingml/2006/lockedCanvas" xmlns="" xmlns:a16="http://schemas.microsoft.com/office/drawing/2014/main" id="{44AEA09D-FD0A-4CA0-883D-93E5EAF762D6}"/>
               </a:ext>
             </a:extLst>
           </p:cNvPr>
@@ -25629,7 +25799,7 @@
           <p:cNvPr id="7" name="矩形 6" descr="紫色网格">
             <a:extLst>
               <a:ext uri="{FF2B5EF4-FFF2-40B4-BE49-F238E27FC236}">
-                <a16:creationId xmlns:a16="http://schemas.microsoft.com/office/drawing/2014/main" xmlns="" xmlns:lc="http://schemas.openxmlformats.org/drawingml/2006/lockedCanvas" id="{44AEA09D-FD0A-4CA0-883D-93E5EAF762D6}"/>
+                <a16:creationId xmlns:lc="http://schemas.openxmlformats.org/drawingml/2006/lockedCanvas" xmlns="" xmlns:a16="http://schemas.microsoft.com/office/drawing/2014/main" id="{44AEA09D-FD0A-4CA0-883D-93E5EAF762D6}"/>
               </a:ext>
             </a:extLst>
           </p:cNvPr>
@@ -25839,7 +26009,7 @@
           <p:cNvPr id="8" name="矩形 7" descr="紫色网格">
             <a:extLst>
               <a:ext uri="{FF2B5EF4-FFF2-40B4-BE49-F238E27FC236}">
-                <a16:creationId xmlns:a16="http://schemas.microsoft.com/office/drawing/2014/main" xmlns="" xmlns:lc="http://schemas.openxmlformats.org/drawingml/2006/lockedCanvas" id="{44AEA09D-FD0A-4CA0-883D-93E5EAF762D6}"/>
+                <a16:creationId xmlns:lc="http://schemas.openxmlformats.org/drawingml/2006/lockedCanvas" xmlns="" xmlns:a16="http://schemas.microsoft.com/office/drawing/2014/main" id="{44AEA09D-FD0A-4CA0-883D-93E5EAF762D6}"/>
               </a:ext>
             </a:extLst>
           </p:cNvPr>
@@ -26038,7 +26208,7 @@
           <p:cNvPr id="9" name="矩形 8" descr="紫色网格">
             <a:extLst>
               <a:ext uri="{FF2B5EF4-FFF2-40B4-BE49-F238E27FC236}">
-                <a16:creationId xmlns:a16="http://schemas.microsoft.com/office/drawing/2014/main" xmlns="" xmlns:lc="http://schemas.openxmlformats.org/drawingml/2006/lockedCanvas" id="{44AEA09D-FD0A-4CA0-883D-93E5EAF762D6}"/>
+                <a16:creationId xmlns:lc="http://schemas.openxmlformats.org/drawingml/2006/lockedCanvas" xmlns="" xmlns:a16="http://schemas.microsoft.com/office/drawing/2014/main" id="{44AEA09D-FD0A-4CA0-883D-93E5EAF762D6}"/>
               </a:ext>
             </a:extLst>
           </p:cNvPr>
@@ -26274,7 +26444,7 @@
           <p:cNvPr id="12" name="矩形 11">
             <a:extLst>
               <a:ext uri="{FF2B5EF4-FFF2-40B4-BE49-F238E27FC236}">
-                <a16:creationId xmlns="" xmlns:a16="http://schemas.microsoft.com/office/drawing/2014/main" id="{0FDAD747-108F-4A6D-9220-5EA05067FF1E}"/>
+                <a16:creationId xmlns:a16="http://schemas.microsoft.com/office/drawing/2014/main" xmlns="" id="{0FDAD747-108F-4A6D-9220-5EA05067FF1E}"/>
               </a:ext>
             </a:extLst>
           </p:cNvPr>
@@ -26334,7 +26504,7 @@
           <p:cNvPr id="4" name="矩形 3">
             <a:extLst>
               <a:ext uri="{FF2B5EF4-FFF2-40B4-BE49-F238E27FC236}">
-                <a16:creationId xmlns="" xmlns:a16="http://schemas.microsoft.com/office/drawing/2014/main" id="{0FDAD747-108F-4A6D-9220-5EA05067FF1E}"/>
+                <a16:creationId xmlns:a16="http://schemas.microsoft.com/office/drawing/2014/main" xmlns="" id="{0FDAD747-108F-4A6D-9220-5EA05067FF1E}"/>
               </a:ext>
             </a:extLst>
           </p:cNvPr>
@@ -26705,7 +26875,7 @@
           <p:cNvPr id="12" name="矩形 11">
             <a:extLst>
               <a:ext uri="{FF2B5EF4-FFF2-40B4-BE49-F238E27FC236}">
-                <a16:creationId xmlns="" xmlns:a16="http://schemas.microsoft.com/office/drawing/2014/main" id="{0FDAD747-108F-4A6D-9220-5EA05067FF1E}"/>
+                <a16:creationId xmlns:a16="http://schemas.microsoft.com/office/drawing/2014/main" xmlns="" id="{0FDAD747-108F-4A6D-9220-5EA05067FF1E}"/>
               </a:ext>
             </a:extLst>
           </p:cNvPr>
@@ -27687,7 +27857,7 @@
           <p:cNvPr id="10" name="矩形 9" descr="紫色网格">
             <a:extLst>
               <a:ext uri="{FF2B5EF4-FFF2-40B4-BE49-F238E27FC236}">
-                <a16:creationId xmlns:a16="http://schemas.microsoft.com/office/drawing/2014/main" xmlns="" xmlns:lc="http://schemas.openxmlformats.org/drawingml/2006/lockedCanvas" id="{44AEA09D-FD0A-4CA0-883D-93E5EAF762D6}"/>
+                <a16:creationId xmlns:lc="http://schemas.openxmlformats.org/drawingml/2006/lockedCanvas" xmlns="" xmlns:a16="http://schemas.microsoft.com/office/drawing/2014/main" id="{44AEA09D-FD0A-4CA0-883D-93E5EAF762D6}"/>
               </a:ext>
             </a:extLst>
           </p:cNvPr>
@@ -27901,7 +28071,7 @@
           <p:cNvPr id="12" name="矩形 11">
             <a:extLst>
               <a:ext uri="{FF2B5EF4-FFF2-40B4-BE49-F238E27FC236}">
-                <a16:creationId xmlns="" xmlns:a16="http://schemas.microsoft.com/office/drawing/2014/main" id="{0FDAD747-108F-4A6D-9220-5EA05067FF1E}"/>
+                <a16:creationId xmlns:a16="http://schemas.microsoft.com/office/drawing/2014/main" xmlns="" id="{0FDAD747-108F-4A6D-9220-5EA05067FF1E}"/>
               </a:ext>
             </a:extLst>
           </p:cNvPr>
@@ -27968,7 +28138,7 @@
           <p:cNvPr id="4" name="矩形 3">
             <a:extLst>
               <a:ext uri="{FF2B5EF4-FFF2-40B4-BE49-F238E27FC236}">
-                <a16:creationId xmlns="" xmlns:a16="http://schemas.microsoft.com/office/drawing/2014/main" id="{0FDAD747-108F-4A6D-9220-5EA05067FF1E}"/>
+                <a16:creationId xmlns:a16="http://schemas.microsoft.com/office/drawing/2014/main" xmlns="" id="{0FDAD747-108F-4A6D-9220-5EA05067FF1E}"/>
               </a:ext>
             </a:extLst>
           </p:cNvPr>
@@ -28338,7 +28508,7 @@
           <p:cNvPr id="12" name="矩形 11">
             <a:extLst>
               <a:ext uri="{FF2B5EF4-FFF2-40B4-BE49-F238E27FC236}">
-                <a16:creationId xmlns="" xmlns:a16="http://schemas.microsoft.com/office/drawing/2014/main" id="{0FDAD747-108F-4A6D-9220-5EA05067FF1E}"/>
+                <a16:creationId xmlns:a16="http://schemas.microsoft.com/office/drawing/2014/main" xmlns="" id="{0FDAD747-108F-4A6D-9220-5EA05067FF1E}"/>
               </a:ext>
             </a:extLst>
           </p:cNvPr>
@@ -28417,7 +28587,7 @@
           <p:cNvPr id="14" name="矩形 13">
             <a:extLst>
               <a:ext uri="{FF2B5EF4-FFF2-40B4-BE49-F238E27FC236}">
-                <a16:creationId xmlns="" xmlns:a16="http://schemas.microsoft.com/office/drawing/2014/main" id="{C2B44424-4CFE-4BA2-9FCF-F0A911E8A749}"/>
+                <a16:creationId xmlns:a16="http://schemas.microsoft.com/office/drawing/2014/main" xmlns="" id="{C2B44424-4CFE-4BA2-9FCF-F0A911E8A749}"/>
               </a:ext>
             </a:extLst>
           </p:cNvPr>
@@ -28571,7 +28741,7 @@
           <p:cNvPr id="16" name="直接箭头连接符 15">
             <a:extLst>
               <a:ext uri="{FF2B5EF4-FFF2-40B4-BE49-F238E27FC236}">
-                <a16:creationId xmlns="" xmlns:a16="http://schemas.microsoft.com/office/drawing/2014/main" id="{EDD84E7C-3200-40E5-A3C0-E57D7F9E754E}"/>
+                <a16:creationId xmlns:a16="http://schemas.microsoft.com/office/drawing/2014/main" xmlns="" id="{EDD84E7C-3200-40E5-A3C0-E57D7F9E754E}"/>
               </a:ext>
             </a:extLst>
           </p:cNvPr>
@@ -28604,7 +28774,7 @@
           <p:cNvPr id="17" name="矩形 16">
             <a:extLst>
               <a:ext uri="{FF2B5EF4-FFF2-40B4-BE49-F238E27FC236}">
-                <a16:creationId xmlns="" xmlns:a16="http://schemas.microsoft.com/office/drawing/2014/main" id="{0FDAD747-108F-4A6D-9220-5EA05067FF1E}"/>
+                <a16:creationId xmlns:a16="http://schemas.microsoft.com/office/drawing/2014/main" xmlns="" id="{0FDAD747-108F-4A6D-9220-5EA05067FF1E}"/>
               </a:ext>
             </a:extLst>
           </p:cNvPr>
@@ -28651,7 +28821,7 @@
           <p:cNvPr id="18" name="矩形 17">
             <a:extLst>
               <a:ext uri="{FF2B5EF4-FFF2-40B4-BE49-F238E27FC236}">
-                <a16:creationId xmlns="" xmlns:a16="http://schemas.microsoft.com/office/drawing/2014/main" id="{5CEC9FB1-9CBF-4B7B-A321-DF404030F08B}"/>
+                <a16:creationId xmlns:a16="http://schemas.microsoft.com/office/drawing/2014/main" xmlns="" id="{5CEC9FB1-9CBF-4B7B-A321-DF404030F08B}"/>
               </a:ext>
             </a:extLst>
           </p:cNvPr>
@@ -28737,7 +28907,7 @@
           <p:cNvPr id="19" name="直接箭头连接符 18">
             <a:extLst>
               <a:ext uri="{FF2B5EF4-FFF2-40B4-BE49-F238E27FC236}">
-                <a16:creationId xmlns="" xmlns:a16="http://schemas.microsoft.com/office/drawing/2014/main" id="{5A7FC920-9D22-4290-B80F-F4BDC1DE109A}"/>
+                <a16:creationId xmlns:a16="http://schemas.microsoft.com/office/drawing/2014/main" xmlns="" id="{5A7FC920-9D22-4290-B80F-F4BDC1DE109A}"/>
               </a:ext>
             </a:extLst>
           </p:cNvPr>
@@ -28770,7 +28940,7 @@
           <p:cNvPr id="20" name="矩形 19">
             <a:extLst>
               <a:ext uri="{FF2B5EF4-FFF2-40B4-BE49-F238E27FC236}">
-                <a16:creationId xmlns="" xmlns:a16="http://schemas.microsoft.com/office/drawing/2014/main" id="{45B27A13-37E3-4777-9299-E75CAF1F6F9A}"/>
+                <a16:creationId xmlns:a16="http://schemas.microsoft.com/office/drawing/2014/main" xmlns="" id="{45B27A13-37E3-4777-9299-E75CAF1F6F9A}"/>
               </a:ext>
             </a:extLst>
           </p:cNvPr>
@@ -28818,7 +28988,7 @@
           <p:cNvPr id="21" name="图片 20">
             <a:extLst>
               <a:ext uri="{FF2B5EF4-FFF2-40B4-BE49-F238E27FC236}">
-                <a16:creationId xmlns="" xmlns:a16="http://schemas.microsoft.com/office/drawing/2014/main" id="{36569B5B-566F-4C60-9D63-318931B70CA2}"/>
+                <a16:creationId xmlns:a16="http://schemas.microsoft.com/office/drawing/2014/main" xmlns="" id="{36569B5B-566F-4C60-9D63-318931B70CA2}"/>
               </a:ext>
             </a:extLst>
           </p:cNvPr>
@@ -28854,7 +29024,7 @@
           <p:cNvPr id="22" name="矩形 21">
             <a:extLst>
               <a:ext uri="{FF2B5EF4-FFF2-40B4-BE49-F238E27FC236}">
-                <a16:creationId xmlns="" xmlns:a16="http://schemas.microsoft.com/office/drawing/2014/main" id="{2A55BA5B-CE30-435B-95FB-B00B8161E590}"/>
+                <a16:creationId xmlns:a16="http://schemas.microsoft.com/office/drawing/2014/main" xmlns="" id="{2A55BA5B-CE30-435B-95FB-B00B8161E590}"/>
               </a:ext>
             </a:extLst>
           </p:cNvPr>
@@ -28912,7 +29082,7 @@
           <p:cNvPr id="23" name="矩形 22">
             <a:extLst>
               <a:ext uri="{FF2B5EF4-FFF2-40B4-BE49-F238E27FC236}">
-                <a16:creationId xmlns="" xmlns:a16="http://schemas.microsoft.com/office/drawing/2014/main" id="{C2B44424-4CFE-4BA2-9FCF-F0A911E8A749}"/>
+                <a16:creationId xmlns:a16="http://schemas.microsoft.com/office/drawing/2014/main" xmlns="" id="{C2B44424-4CFE-4BA2-9FCF-F0A911E8A749}"/>
               </a:ext>
             </a:extLst>
           </p:cNvPr>
@@ -29023,7 +29193,7 @@
           <p:cNvPr id="25" name="矩形 24">
             <a:extLst>
               <a:ext uri="{FF2B5EF4-FFF2-40B4-BE49-F238E27FC236}">
-                <a16:creationId xmlns="" xmlns:a16="http://schemas.microsoft.com/office/drawing/2014/main" id="{0FDAD747-108F-4A6D-9220-5EA05067FF1E}"/>
+                <a16:creationId xmlns:a16="http://schemas.microsoft.com/office/drawing/2014/main" xmlns="" id="{0FDAD747-108F-4A6D-9220-5EA05067FF1E}"/>
               </a:ext>
             </a:extLst>
           </p:cNvPr>
@@ -29222,7 +29392,7 @@
           <p:cNvPr id="30" name="矩形 29">
             <a:extLst>
               <a:ext uri="{FF2B5EF4-FFF2-40B4-BE49-F238E27FC236}">
-                <a16:creationId xmlns="" xmlns:a16="http://schemas.microsoft.com/office/drawing/2014/main" id="{2A55BA5B-CE30-435B-95FB-B00B8161E590}"/>
+                <a16:creationId xmlns:a16="http://schemas.microsoft.com/office/drawing/2014/main" xmlns="" id="{2A55BA5B-CE30-435B-95FB-B00B8161E590}"/>
               </a:ext>
             </a:extLst>
           </p:cNvPr>
@@ -29290,7 +29460,7 @@
           <p:cNvPr id="27" name="矩形 26">
             <a:extLst>
               <a:ext uri="{FF2B5EF4-FFF2-40B4-BE49-F238E27FC236}">
-                <a16:creationId xmlns="" xmlns:a16="http://schemas.microsoft.com/office/drawing/2014/main" id="{0FDAD747-108F-4A6D-9220-5EA05067FF1E}"/>
+                <a16:creationId xmlns:a16="http://schemas.microsoft.com/office/drawing/2014/main" xmlns="" id="{0FDAD747-108F-4A6D-9220-5EA05067FF1E}"/>
               </a:ext>
             </a:extLst>
           </p:cNvPr>
@@ -29357,7 +29527,7 @@
           <p:cNvPr id="28" name="矩形 13" descr="紫色网格">
             <a:extLst>
               <a:ext uri="{FF2B5EF4-FFF2-40B4-BE49-F238E27FC236}">
-                <a16:creationId xmlns="" xmlns:a16="http://schemas.microsoft.com/office/drawing/2014/main" id="{44AEA09D-FD0A-4CA0-883D-93E5EAF762D6}"/>
+                <a16:creationId xmlns:a16="http://schemas.microsoft.com/office/drawing/2014/main" xmlns="" id="{44AEA09D-FD0A-4CA0-883D-93E5EAF762D6}"/>
               </a:ext>
             </a:extLst>
           </p:cNvPr>
@@ -29657,7 +29827,7 @@
           <p:cNvPr id="12" name="矩形 11">
             <a:extLst>
               <a:ext uri="{FF2B5EF4-FFF2-40B4-BE49-F238E27FC236}">
-                <a16:creationId xmlns="" xmlns:a16="http://schemas.microsoft.com/office/drawing/2014/main" id="{0FDAD747-108F-4A6D-9220-5EA05067FF1E}"/>
+                <a16:creationId xmlns:a16="http://schemas.microsoft.com/office/drawing/2014/main" xmlns="" id="{0FDAD747-108F-4A6D-9220-5EA05067FF1E}"/>
               </a:ext>
             </a:extLst>
           </p:cNvPr>
@@ -29724,7 +29894,7 @@
           <p:cNvPr id="4" name="矩形 3">
             <a:extLst>
               <a:ext uri="{FF2B5EF4-FFF2-40B4-BE49-F238E27FC236}">
-                <a16:creationId xmlns="" xmlns:a16="http://schemas.microsoft.com/office/drawing/2014/main" id="{0FDAD747-108F-4A6D-9220-5EA05067FF1E}"/>
+                <a16:creationId xmlns:a16="http://schemas.microsoft.com/office/drawing/2014/main" xmlns="" id="{0FDAD747-108F-4A6D-9220-5EA05067FF1E}"/>
               </a:ext>
             </a:extLst>
           </p:cNvPr>
@@ -30296,7 +30466,7 @@
           <p:cNvPr id="12" name="矩形 11">
             <a:extLst>
               <a:ext uri="{FF2B5EF4-FFF2-40B4-BE49-F238E27FC236}">
-                <a16:creationId xmlns="" xmlns:a16="http://schemas.microsoft.com/office/drawing/2014/main" id="{0FDAD747-108F-4A6D-9220-5EA05067FF1E}"/>
+                <a16:creationId xmlns:a16="http://schemas.microsoft.com/office/drawing/2014/main" xmlns="" id="{0FDAD747-108F-4A6D-9220-5EA05067FF1E}"/>
               </a:ext>
             </a:extLst>
           </p:cNvPr>
@@ -30343,7 +30513,7 @@
           <p:cNvPr id="4" name="矩形 3">
             <a:extLst>
               <a:ext uri="{FF2B5EF4-FFF2-40B4-BE49-F238E27FC236}">
-                <a16:creationId xmlns="" xmlns:a16="http://schemas.microsoft.com/office/drawing/2014/main" id="{0FDAD747-108F-4A6D-9220-5EA05067FF1E}"/>
+                <a16:creationId xmlns:a16="http://schemas.microsoft.com/office/drawing/2014/main" xmlns="" id="{0FDAD747-108F-4A6D-9220-5EA05067FF1E}"/>
               </a:ext>
             </a:extLst>
           </p:cNvPr>
@@ -30908,19 +31078,7 @@
                 <a:latin typeface="微软雅黑" panose="020B0503020204020204" pitchFamily="34" charset="-122"/>
                 <a:ea typeface="微软雅黑" panose="020B0503020204020204" pitchFamily="34" charset="-122"/>
               </a:rPr>
-              <a:t>号</a:t>
-            </a:r>
-            <a:r>
-              <a:rPr lang="zh-CN" altLang="en-US" sz="4000" b="1" dirty="0" smtClean="0">
-                <a:solidFill>
-                  <a:schemeClr val="bg2">
-                    <a:lumMod val="10000"/>
-                  </a:schemeClr>
-                </a:solidFill>
-                <a:latin typeface="微软雅黑" panose="020B0503020204020204" pitchFamily="34" charset="-122"/>
-                <a:ea typeface="微软雅黑" panose="020B0503020204020204" pitchFamily="34" charset="-122"/>
-              </a:rPr>
-              <a:t>讨论</a:t>
+              <a:t>号讨论</a:t>
             </a:r>
             <a:r>
               <a:rPr lang="en-US" altLang="zh-CN" sz="4000" b="1" dirty="0" smtClean="0">
@@ -30988,7 +31146,7 @@
           <p:cNvPr id="12" name="矩形 11">
             <a:extLst>
               <a:ext uri="{FF2B5EF4-FFF2-40B4-BE49-F238E27FC236}">
-                <a16:creationId xmlns="" xmlns:a16="http://schemas.microsoft.com/office/drawing/2014/main" id="{0FDAD747-108F-4A6D-9220-5EA05067FF1E}"/>
+                <a16:creationId xmlns:a16="http://schemas.microsoft.com/office/drawing/2014/main" xmlns="" id="{0FDAD747-108F-4A6D-9220-5EA05067FF1E}"/>
               </a:ext>
             </a:extLst>
           </p:cNvPr>
@@ -31035,7 +31193,7 @@
           <p:cNvPr id="4" name="矩形 3">
             <a:extLst>
               <a:ext uri="{FF2B5EF4-FFF2-40B4-BE49-F238E27FC236}">
-                <a16:creationId xmlns="" xmlns:a16="http://schemas.microsoft.com/office/drawing/2014/main" id="{0FDAD747-108F-4A6D-9220-5EA05067FF1E}"/>
+                <a16:creationId xmlns:a16="http://schemas.microsoft.com/office/drawing/2014/main" xmlns="" id="{0FDAD747-108F-4A6D-9220-5EA05067FF1E}"/>
               </a:ext>
             </a:extLst>
           </p:cNvPr>
@@ -31454,7 +31612,7 @@
           <p:cNvPr id="12" name="矩形 11">
             <a:extLst>
               <a:ext uri="{FF2B5EF4-FFF2-40B4-BE49-F238E27FC236}">
-                <a16:creationId xmlns="" xmlns:a16="http://schemas.microsoft.com/office/drawing/2014/main" id="{0FDAD747-108F-4A6D-9220-5EA05067FF1E}"/>
+                <a16:creationId xmlns:a16="http://schemas.microsoft.com/office/drawing/2014/main" xmlns="" id="{0FDAD747-108F-4A6D-9220-5EA05067FF1E}"/>
               </a:ext>
             </a:extLst>
           </p:cNvPr>
@@ -31501,7 +31659,7 @@
           <p:cNvPr id="4" name="矩形 3">
             <a:extLst>
               <a:ext uri="{FF2B5EF4-FFF2-40B4-BE49-F238E27FC236}">
-                <a16:creationId xmlns="" xmlns:a16="http://schemas.microsoft.com/office/drawing/2014/main" id="{0FDAD747-108F-4A6D-9220-5EA05067FF1E}"/>
+                <a16:creationId xmlns:a16="http://schemas.microsoft.com/office/drawing/2014/main" xmlns="" id="{0FDAD747-108F-4A6D-9220-5EA05067FF1E}"/>
               </a:ext>
             </a:extLst>
           </p:cNvPr>
@@ -31690,6 +31848,572 @@
     <p:extLst>
       <p:ext uri="{BB962C8B-B14F-4D97-AF65-F5344CB8AC3E}">
         <p14:creationId xmlns:p14="http://schemas.microsoft.com/office/powerpoint/2010/main" val="755900239"/>
+      </p:ext>
+    </p:extLst>
+  </p:cSld>
+  <p:clrMapOvr>
+    <a:masterClrMapping/>
+  </p:clrMapOvr>
+  <p:timing>
+    <p:tnLst>
+      <p:par>
+        <p:cTn id="1" dur="indefinite" restart="never" nodeType="tmRoot"/>
+      </p:par>
+    </p:tnLst>
+  </p:timing>
+</p:sld>
+</file>
+
+<file path=ppt/slides/slide56.xml><?xml version="1.0" encoding="utf-8"?>
+<p:sld xmlns:a="http://schemas.openxmlformats.org/drawingml/2006/main" xmlns:r="http://schemas.openxmlformats.org/officeDocument/2006/relationships" xmlns:p="http://schemas.openxmlformats.org/presentationml/2006/main">
+  <p:cSld>
+    <p:spTree>
+      <p:nvGrpSpPr>
+        <p:cNvPr id="1" name=""/>
+        <p:cNvGrpSpPr/>
+        <p:nvPr/>
+      </p:nvGrpSpPr>
+      <p:grpSpPr>
+        <a:xfrm>
+          <a:off x="0" y="0"/>
+          <a:ext cx="0" cy="0"/>
+          <a:chOff x="0" y="0"/>
+          <a:chExt cx="0" cy="0"/>
+        </a:xfrm>
+      </p:grpSpPr>
+      <p:sp>
+        <p:nvSpPr>
+          <p:cNvPr id="13" name="文本框 12"/>
+          <p:cNvSpPr txBox="1"/>
+          <p:nvPr/>
+        </p:nvSpPr>
+        <p:spPr>
+          <a:xfrm>
+            <a:off x="1133852" y="2368487"/>
+            <a:ext cx="9954277" cy="707886"/>
+          </a:xfrm>
+          <a:prstGeom prst="rect">
+            <a:avLst/>
+          </a:prstGeom>
+          <a:noFill/>
+        </p:spPr>
+        <p:txBody>
+          <a:bodyPr wrap="square" rtlCol="0" anchor="ctr">
+            <a:spAutoFit/>
+          </a:bodyPr>
+          <a:lstStyle/>
+          <a:p>
+            <a:pPr algn="ctr"/>
+            <a:r>
+              <a:rPr lang="en-US" altLang="zh-CN" sz="4000" b="1" dirty="0" smtClean="0">
+                <a:solidFill>
+                  <a:schemeClr val="bg2">
+                    <a:lumMod val="10000"/>
+                  </a:schemeClr>
+                </a:solidFill>
+                <a:latin typeface="微软雅黑" panose="020B0503020204020204" pitchFamily="34" charset="-122"/>
+                <a:ea typeface="微软雅黑" panose="020B0503020204020204" pitchFamily="34" charset="-122"/>
+              </a:rPr>
+              <a:t>4</a:t>
+            </a:r>
+            <a:r>
+              <a:rPr lang="zh-CN" altLang="en-US" sz="4000" b="1" dirty="0" smtClean="0">
+                <a:solidFill>
+                  <a:schemeClr val="bg2">
+                    <a:lumMod val="10000"/>
+                  </a:schemeClr>
+                </a:solidFill>
+                <a:latin typeface="微软雅黑" panose="020B0503020204020204" pitchFamily="34" charset="-122"/>
+                <a:ea typeface="微软雅黑" panose="020B0503020204020204" pitchFamily="34" charset="-122"/>
+              </a:rPr>
+              <a:t>月</a:t>
+            </a:r>
+            <a:r>
+              <a:rPr lang="en-US" altLang="zh-CN" sz="4000" b="1" dirty="0" smtClean="0">
+                <a:solidFill>
+                  <a:schemeClr val="bg2">
+                    <a:lumMod val="10000"/>
+                  </a:schemeClr>
+                </a:solidFill>
+                <a:latin typeface="微软雅黑" panose="020B0503020204020204" pitchFamily="34" charset="-122"/>
+                <a:ea typeface="微软雅黑" panose="020B0503020204020204" pitchFamily="34" charset="-122"/>
+              </a:rPr>
+              <a:t>2</a:t>
+            </a:r>
+            <a:r>
+              <a:rPr lang="zh-CN" altLang="en-US" sz="4000" b="1" dirty="0" smtClean="0">
+                <a:solidFill>
+                  <a:schemeClr val="bg2">
+                    <a:lumMod val="10000"/>
+                  </a:schemeClr>
+                </a:solidFill>
+                <a:latin typeface="微软雅黑" panose="020B0503020204020204" pitchFamily="34" charset="-122"/>
+                <a:ea typeface="微软雅黑" panose="020B0503020204020204" pitchFamily="34" charset="-122"/>
+              </a:rPr>
+              <a:t>号 部分发现</a:t>
+            </a:r>
+            <a:endParaRPr lang="en-US" altLang="zh-CN" sz="4000" dirty="0" smtClean="0">
+              <a:solidFill>
+                <a:schemeClr val="bg2">
+                  <a:lumMod val="10000"/>
+                </a:schemeClr>
+              </a:solidFill>
+              <a:latin typeface="微软雅黑" panose="020B0503020204020204" pitchFamily="34" charset="-122"/>
+              <a:ea typeface="微软雅黑" panose="020B0503020204020204" pitchFamily="34" charset="-122"/>
+            </a:endParaRPr>
+          </a:p>
+        </p:txBody>
+      </p:sp>
+    </p:spTree>
+    <p:extLst>
+      <p:ext uri="{BB962C8B-B14F-4D97-AF65-F5344CB8AC3E}">
+        <p14:creationId xmlns:p14="http://schemas.microsoft.com/office/powerpoint/2010/main" val="3354148614"/>
+      </p:ext>
+    </p:extLst>
+  </p:cSld>
+  <p:clrMapOvr>
+    <a:masterClrMapping/>
+  </p:clrMapOvr>
+  <p:timing>
+    <p:tnLst>
+      <p:par>
+        <p:cTn id="1" dur="indefinite" restart="never" nodeType="tmRoot"/>
+      </p:par>
+    </p:tnLst>
+  </p:timing>
+</p:sld>
+</file>
+
+<file path=ppt/slides/slide57.xml><?xml version="1.0" encoding="utf-8"?>
+<p:sld xmlns:a="http://schemas.openxmlformats.org/drawingml/2006/main" xmlns:r="http://schemas.openxmlformats.org/officeDocument/2006/relationships" xmlns:p="http://schemas.openxmlformats.org/presentationml/2006/main">
+  <p:cSld>
+    <p:spTree>
+      <p:nvGrpSpPr>
+        <p:cNvPr id="1" name=""/>
+        <p:cNvGrpSpPr/>
+        <p:nvPr/>
+      </p:nvGrpSpPr>
+      <p:grpSpPr>
+        <a:xfrm>
+          <a:off x="0" y="0"/>
+          <a:ext cx="0" cy="0"/>
+          <a:chOff x="0" y="0"/>
+          <a:chExt cx="0" cy="0"/>
+        </a:xfrm>
+      </p:grpSpPr>
+      <p:sp>
+        <p:nvSpPr>
+          <p:cNvPr id="12" name="矩形 11">
+            <a:extLst>
+              <a:ext uri="{FF2B5EF4-FFF2-40B4-BE49-F238E27FC236}">
+                <a16:creationId xmlns:a16="http://schemas.microsoft.com/office/drawing/2014/main" xmlns="" id="{0FDAD747-108F-4A6D-9220-5EA05067FF1E}"/>
+              </a:ext>
+            </a:extLst>
+          </p:cNvPr>
+          <p:cNvSpPr/>
+          <p:nvPr/>
+        </p:nvSpPr>
+        <p:spPr>
+          <a:xfrm>
+            <a:off x="843572" y="1120596"/>
+            <a:ext cx="3057247" cy="584775"/>
+          </a:xfrm>
+          <a:prstGeom prst="rect">
+            <a:avLst/>
+          </a:prstGeom>
+        </p:spPr>
+        <p:txBody>
+          <a:bodyPr wrap="none">
+            <a:spAutoFit/>
+          </a:bodyPr>
+          <a:lstStyle/>
+          <a:p>
+            <a:r>
+              <a:rPr lang="zh-CN" altLang="en-US" sz="3200" b="1" dirty="0" smtClean="0">
+                <a:solidFill>
+                  <a:prstClr val="black"/>
+                </a:solidFill>
+                <a:latin typeface="微软雅黑" panose="020B0503020204020204" pitchFamily="34" charset="-122"/>
+                <a:ea typeface="微软雅黑" panose="020B0503020204020204" pitchFamily="34" charset="-122"/>
+              </a:rPr>
+              <a:t>波形图时域细节</a:t>
+            </a:r>
+            <a:endParaRPr lang="zh-CN" altLang="en-US" sz="3200" b="1" dirty="0">
+              <a:solidFill>
+                <a:prstClr val="black"/>
+              </a:solidFill>
+              <a:latin typeface="微软雅黑" panose="020B0503020204020204" pitchFamily="34" charset="-122"/>
+              <a:ea typeface="微软雅黑" panose="020B0503020204020204" pitchFamily="34" charset="-122"/>
+            </a:endParaRPr>
+          </a:p>
+        </p:txBody>
+      </p:sp>
+      <p:pic>
+        <p:nvPicPr>
+          <p:cNvPr id="2" name="图片 1"/>
+          <p:cNvPicPr>
+            <a:picLocks noChangeAspect="1"/>
+          </p:cNvPicPr>
+          <p:nvPr/>
+        </p:nvPicPr>
+        <p:blipFill>
+          <a:blip r:embed="rId3"/>
+          <a:stretch>
+            <a:fillRect/>
+          </a:stretch>
+        </p:blipFill>
+        <p:spPr>
+          <a:xfrm>
+            <a:off x="6388336" y="889825"/>
+            <a:ext cx="4047464" cy="3022625"/>
+          </a:xfrm>
+          <a:prstGeom prst="rect">
+            <a:avLst/>
+          </a:prstGeom>
+        </p:spPr>
+      </p:pic>
+      <p:sp>
+        <p:nvSpPr>
+          <p:cNvPr id="5" name="矩形 4">
+            <a:extLst>
+              <a:ext uri="{FF2B5EF4-FFF2-40B4-BE49-F238E27FC236}">
+                <a16:creationId xmlns:a16="http://schemas.microsoft.com/office/drawing/2014/main" xmlns="" id="{0FDAD747-108F-4A6D-9220-5EA05067FF1E}"/>
+              </a:ext>
+            </a:extLst>
+          </p:cNvPr>
+          <p:cNvSpPr/>
+          <p:nvPr/>
+        </p:nvSpPr>
+        <p:spPr>
+          <a:xfrm>
+            <a:off x="843573" y="2098407"/>
+            <a:ext cx="10730590" cy="3046988"/>
+          </a:xfrm>
+          <a:prstGeom prst="rect">
+            <a:avLst/>
+          </a:prstGeom>
+        </p:spPr>
+        <p:txBody>
+          <a:bodyPr wrap="square">
+            <a:spAutoFit/>
+          </a:bodyPr>
+          <a:lstStyle/>
+          <a:p>
+            <a:pPr marL="285750" indent="-285750">
+              <a:lnSpc>
+                <a:spcPct val="200000"/>
+              </a:lnSpc>
+              <a:buFont typeface="Wingdings" panose="05000000000000000000" pitchFamily="2" charset="2"/>
+              <a:buChar char="p"/>
+            </a:pPr>
+            <a:r>
+              <a:rPr lang="zh-CN" altLang="en-US" sz="1600" b="1" dirty="0" smtClean="0">
+                <a:solidFill>
+                  <a:prstClr val="black"/>
+                </a:solidFill>
+                <a:latin typeface="微软雅黑" panose="020B0503020204020204" pitchFamily="34" charset="-122"/>
+                <a:ea typeface="微软雅黑" panose="020B0503020204020204" pitchFamily="34" charset="-122"/>
+              </a:rPr>
+              <a:t>发现</a:t>
+            </a:r>
+            <a:r>
+              <a:rPr lang="en-US" altLang="zh-CN" sz="1600" b="1" dirty="0" smtClean="0">
+                <a:solidFill>
+                  <a:prstClr val="black"/>
+                </a:solidFill>
+                <a:latin typeface="微软雅黑" panose="020B0503020204020204" pitchFamily="34" charset="-122"/>
+                <a:ea typeface="微软雅黑" panose="020B0503020204020204" pitchFamily="34" charset="-122"/>
+              </a:rPr>
+              <a:t>1</a:t>
+            </a:r>
+            <a:r>
+              <a:rPr lang="zh-CN" altLang="en-US" sz="1600" b="1" dirty="0" smtClean="0">
+                <a:solidFill>
+                  <a:prstClr val="black"/>
+                </a:solidFill>
+                <a:latin typeface="微软雅黑" panose="020B0503020204020204" pitchFamily="34" charset="-122"/>
+                <a:ea typeface="微软雅黑" panose="020B0503020204020204" pitchFamily="34" charset="-122"/>
+              </a:rPr>
+              <a:t>：</a:t>
+            </a:r>
+            <a:r>
+              <a:rPr lang="en-US" altLang="zh-CN" sz="1600" dirty="0" smtClean="0">
+                <a:solidFill>
+                  <a:prstClr val="black"/>
+                </a:solidFill>
+                <a:latin typeface="微软雅黑" panose="020B0503020204020204" pitchFamily="34" charset="-122"/>
+                <a:ea typeface="微软雅黑" panose="020B0503020204020204" pitchFamily="34" charset="-122"/>
+              </a:rPr>
+              <a:t>PV</a:t>
+            </a:r>
+            <a:r>
+              <a:rPr lang="zh-CN" altLang="en-US" sz="1600" dirty="0" smtClean="0">
+                <a:solidFill>
+                  <a:prstClr val="black"/>
+                </a:solidFill>
+                <a:latin typeface="微软雅黑" panose="020B0503020204020204" pitchFamily="34" charset="-122"/>
+                <a:ea typeface="微软雅黑" panose="020B0503020204020204" pitchFamily="34" charset="-122"/>
+              </a:rPr>
+              <a:t>有放大突出部分的感觉</a:t>
+            </a:r>
+            <a:endParaRPr lang="en-US" altLang="zh-CN" sz="1600" dirty="0" smtClean="0">
+              <a:solidFill>
+                <a:prstClr val="black"/>
+              </a:solidFill>
+              <a:latin typeface="微软雅黑" panose="020B0503020204020204" pitchFamily="34" charset="-122"/>
+              <a:ea typeface="微软雅黑" panose="020B0503020204020204" pitchFamily="34" charset="-122"/>
+            </a:endParaRPr>
+          </a:p>
+          <a:p>
+            <a:pPr marL="285750" indent="-285750">
+              <a:lnSpc>
+                <a:spcPct val="200000"/>
+              </a:lnSpc>
+              <a:buFont typeface="Wingdings" panose="05000000000000000000" pitchFamily="2" charset="2"/>
+              <a:buChar char="p"/>
+            </a:pPr>
+            <a:r>
+              <a:rPr lang="zh-CN" altLang="en-US" sz="1600" b="1" dirty="0" smtClean="0">
+                <a:solidFill>
+                  <a:prstClr val="black"/>
+                </a:solidFill>
+                <a:latin typeface="微软雅黑" panose="020B0503020204020204" pitchFamily="34" charset="-122"/>
+                <a:ea typeface="微软雅黑" panose="020B0503020204020204" pitchFamily="34" charset="-122"/>
+              </a:rPr>
+              <a:t>发现</a:t>
+            </a:r>
+            <a:r>
+              <a:rPr lang="en-US" altLang="zh-CN" sz="1600" b="1" dirty="0" smtClean="0">
+                <a:solidFill>
+                  <a:prstClr val="black"/>
+                </a:solidFill>
+                <a:latin typeface="微软雅黑" panose="020B0503020204020204" pitchFamily="34" charset="-122"/>
+                <a:ea typeface="微软雅黑" panose="020B0503020204020204" pitchFamily="34" charset="-122"/>
+              </a:rPr>
+              <a:t>2</a:t>
+            </a:r>
+            <a:r>
+              <a:rPr lang="zh-CN" altLang="en-US" sz="1600" b="1" dirty="0" smtClean="0">
+                <a:solidFill>
+                  <a:prstClr val="black"/>
+                </a:solidFill>
+                <a:latin typeface="微软雅黑" panose="020B0503020204020204" pitchFamily="34" charset="-122"/>
+                <a:ea typeface="微软雅黑" panose="020B0503020204020204" pitchFamily="34" charset="-122"/>
+              </a:rPr>
+              <a:t>：</a:t>
+            </a:r>
+            <a:r>
+              <a:rPr lang="en-US" altLang="zh-CN" sz="1600" dirty="0" smtClean="0">
+                <a:solidFill>
+                  <a:prstClr val="black"/>
+                </a:solidFill>
+                <a:latin typeface="微软雅黑" panose="020B0503020204020204" pitchFamily="34" charset="-122"/>
+                <a:ea typeface="微软雅黑" panose="020B0503020204020204" pitchFamily="34" charset="-122"/>
+              </a:rPr>
+              <a:t>OLA</a:t>
+            </a:r>
+            <a:r>
+              <a:rPr lang="zh-CN" altLang="en-US" sz="1600" dirty="0" smtClean="0">
+                <a:solidFill>
+                  <a:prstClr val="black"/>
+                </a:solidFill>
+                <a:latin typeface="微软雅黑" panose="020B0503020204020204" pitchFamily="34" charset="-122"/>
+                <a:ea typeface="微软雅黑" panose="020B0503020204020204" pitchFamily="34" charset="-122"/>
+              </a:rPr>
+              <a:t>时域上没什么变化</a:t>
+            </a:r>
+            <a:endParaRPr lang="en-US" altLang="zh-CN" sz="1600" dirty="0" smtClean="0">
+              <a:solidFill>
+                <a:prstClr val="black"/>
+              </a:solidFill>
+              <a:latin typeface="微软雅黑" panose="020B0503020204020204" pitchFamily="34" charset="-122"/>
+              <a:ea typeface="微软雅黑" panose="020B0503020204020204" pitchFamily="34" charset="-122"/>
+            </a:endParaRPr>
+          </a:p>
+          <a:p>
+            <a:pPr marL="285750" indent="-285750">
+              <a:lnSpc>
+                <a:spcPct val="200000"/>
+              </a:lnSpc>
+              <a:buFont typeface="Wingdings" panose="05000000000000000000" pitchFamily="2" charset="2"/>
+              <a:buChar char="p"/>
+            </a:pPr>
+            <a:r>
+              <a:rPr lang="zh-CN" altLang="en-US" sz="1600" b="1" dirty="0" smtClean="0">
+                <a:solidFill>
+                  <a:prstClr val="black"/>
+                </a:solidFill>
+                <a:latin typeface="微软雅黑" panose="020B0503020204020204" pitchFamily="34" charset="-122"/>
+                <a:ea typeface="微软雅黑" panose="020B0503020204020204" pitchFamily="34" charset="-122"/>
+              </a:rPr>
+              <a:t>发现</a:t>
+            </a:r>
+            <a:r>
+              <a:rPr lang="en-US" altLang="zh-CN" sz="1600" b="1" dirty="0" smtClean="0">
+                <a:solidFill>
+                  <a:prstClr val="black"/>
+                </a:solidFill>
+                <a:latin typeface="微软雅黑" panose="020B0503020204020204" pitchFamily="34" charset="-122"/>
+                <a:ea typeface="微软雅黑" panose="020B0503020204020204" pitchFamily="34" charset="-122"/>
+              </a:rPr>
+              <a:t>3</a:t>
+            </a:r>
+            <a:r>
+              <a:rPr lang="zh-CN" altLang="en-US" sz="1600" b="1" dirty="0" smtClean="0">
+                <a:solidFill>
+                  <a:prstClr val="black"/>
+                </a:solidFill>
+                <a:latin typeface="微软雅黑" panose="020B0503020204020204" pitchFamily="34" charset="-122"/>
+                <a:ea typeface="微软雅黑" panose="020B0503020204020204" pitchFamily="34" charset="-122"/>
+              </a:rPr>
+              <a:t>：</a:t>
+            </a:r>
+            <a:r>
+              <a:rPr lang="en-US" altLang="zh-CN" sz="1600" dirty="0" smtClean="0">
+                <a:solidFill>
+                  <a:prstClr val="black"/>
+                </a:solidFill>
+                <a:latin typeface="微软雅黑" panose="020B0503020204020204" pitchFamily="34" charset="-122"/>
+                <a:ea typeface="微软雅黑" panose="020B0503020204020204" pitchFamily="34" charset="-122"/>
+              </a:rPr>
+              <a:t>WSOLA</a:t>
+            </a:r>
+            <a:r>
+              <a:rPr lang="zh-CN" altLang="en-US" sz="1600" dirty="0" smtClean="0">
+                <a:solidFill>
+                  <a:prstClr val="black"/>
+                </a:solidFill>
+                <a:latin typeface="微软雅黑" panose="020B0503020204020204" pitchFamily="34" charset="-122"/>
+                <a:ea typeface="微软雅黑" panose="020B0503020204020204" pitchFamily="34" charset="-122"/>
+              </a:rPr>
+              <a:t>时域上类似于</a:t>
+            </a:r>
+            <a:r>
+              <a:rPr lang="zh-CN" altLang="en-US" sz="1600" dirty="0">
+                <a:solidFill>
+                  <a:prstClr val="black"/>
+                </a:solidFill>
+                <a:latin typeface="微软雅黑" panose="020B0503020204020204" pitchFamily="34" charset="-122"/>
+                <a:ea typeface="微软雅黑" panose="020B0503020204020204" pitchFamily="34" charset="-122"/>
+              </a:rPr>
+              <a:t>平滑</a:t>
+            </a:r>
+            <a:r>
+              <a:rPr lang="zh-CN" altLang="en-US" sz="1600" dirty="0" smtClean="0">
+                <a:solidFill>
+                  <a:prstClr val="black"/>
+                </a:solidFill>
+                <a:latin typeface="微软雅黑" panose="020B0503020204020204" pitchFamily="34" charset="-122"/>
+                <a:ea typeface="微软雅黑" panose="020B0503020204020204" pitchFamily="34" charset="-122"/>
+              </a:rPr>
+              <a:t>滤波</a:t>
+            </a:r>
+            <a:endParaRPr lang="en-US" altLang="zh-CN" sz="1600" dirty="0" smtClean="0">
+              <a:solidFill>
+                <a:prstClr val="black"/>
+              </a:solidFill>
+              <a:latin typeface="微软雅黑" panose="020B0503020204020204" pitchFamily="34" charset="-122"/>
+              <a:ea typeface="微软雅黑" panose="020B0503020204020204" pitchFamily="34" charset="-122"/>
+            </a:endParaRPr>
+          </a:p>
+          <a:p>
+            <a:pPr marL="285750" indent="-285750">
+              <a:lnSpc>
+                <a:spcPct val="200000"/>
+              </a:lnSpc>
+              <a:buFont typeface="Wingdings" panose="05000000000000000000" pitchFamily="2" charset="2"/>
+              <a:buChar char="p"/>
+            </a:pPr>
+            <a:endParaRPr lang="en-US" altLang="zh-CN" sz="1600" dirty="0">
+              <a:solidFill>
+                <a:prstClr val="black"/>
+              </a:solidFill>
+              <a:latin typeface="微软雅黑" panose="020B0503020204020204" pitchFamily="34" charset="-122"/>
+              <a:ea typeface="微软雅黑" panose="020B0503020204020204" pitchFamily="34" charset="-122"/>
+            </a:endParaRPr>
+          </a:p>
+          <a:p>
+            <a:pPr marL="285750" indent="-285750">
+              <a:lnSpc>
+                <a:spcPct val="200000"/>
+              </a:lnSpc>
+              <a:buFont typeface="Wingdings" panose="05000000000000000000" pitchFamily="2" charset="2"/>
+              <a:buChar char="p"/>
+            </a:pPr>
+            <a:r>
+              <a:rPr lang="en-US" altLang="zh-CN" sz="1600" dirty="0" smtClean="0">
+                <a:solidFill>
+                  <a:prstClr val="black"/>
+                </a:solidFill>
+                <a:latin typeface="微软雅黑" panose="020B0503020204020204" pitchFamily="34" charset="-122"/>
+                <a:ea typeface="微软雅黑" panose="020B0503020204020204" pitchFamily="34" charset="-122"/>
+              </a:rPr>
+              <a:t>Ps. </a:t>
+            </a:r>
+            <a:r>
+              <a:rPr lang="zh-CN" altLang="en-US" sz="1600" dirty="0" smtClean="0">
+                <a:solidFill>
+                  <a:prstClr val="black"/>
+                </a:solidFill>
+                <a:latin typeface="微软雅黑" panose="020B0503020204020204" pitchFamily="34" charset="-122"/>
+                <a:ea typeface="微软雅黑" panose="020B0503020204020204" pitchFamily="34" charset="-122"/>
+              </a:rPr>
+              <a:t>准备绝对值</a:t>
+            </a:r>
+            <a:endParaRPr lang="en-US" altLang="zh-CN" sz="1600" dirty="0" smtClean="0">
+              <a:solidFill>
+                <a:prstClr val="black"/>
+              </a:solidFill>
+              <a:latin typeface="微软雅黑" panose="020B0503020204020204" pitchFamily="34" charset="-122"/>
+              <a:ea typeface="微软雅黑" panose="020B0503020204020204" pitchFamily="34" charset="-122"/>
+            </a:endParaRPr>
+          </a:p>
+          <a:p>
+            <a:pPr marL="285750" indent="-285750">
+              <a:lnSpc>
+                <a:spcPct val="200000"/>
+              </a:lnSpc>
+              <a:buFont typeface="Wingdings" panose="05000000000000000000" pitchFamily="2" charset="2"/>
+              <a:buChar char="p"/>
+            </a:pPr>
+            <a:endParaRPr lang="en-US" altLang="zh-CN" sz="1600" dirty="0" smtClean="0">
+              <a:solidFill>
+                <a:prstClr val="black"/>
+              </a:solidFill>
+              <a:latin typeface="微软雅黑" panose="020B0503020204020204" pitchFamily="34" charset="-122"/>
+              <a:ea typeface="微软雅黑" panose="020B0503020204020204" pitchFamily="34" charset="-122"/>
+            </a:endParaRPr>
+          </a:p>
+        </p:txBody>
+      </p:sp>
+      <p:pic>
+        <p:nvPicPr>
+          <p:cNvPr id="3" name="图片 2"/>
+          <p:cNvPicPr>
+            <a:picLocks noChangeAspect="1"/>
+          </p:cNvPicPr>
+          <p:nvPr/>
+        </p:nvPicPr>
+        <p:blipFill>
+          <a:blip r:embed="rId4"/>
+          <a:stretch>
+            <a:fillRect/>
+          </a:stretch>
+        </p:blipFill>
+        <p:spPr>
+          <a:xfrm>
+            <a:off x="6548552" y="3912450"/>
+            <a:ext cx="3727033" cy="2786170"/>
+          </a:xfrm>
+          <a:prstGeom prst="rect">
+            <a:avLst/>
+          </a:prstGeom>
+        </p:spPr>
+      </p:pic>
+    </p:spTree>
+    <p:extLst>
+      <p:ext uri="{BB962C8B-B14F-4D97-AF65-F5344CB8AC3E}">
+        <p14:creationId xmlns:p14="http://schemas.microsoft.com/office/powerpoint/2010/main" val="2837578982"/>
       </p:ext>
     </p:extLst>
   </p:cSld>
@@ -31728,7 +32452,7 @@
           <p:cNvPr id="12" name="矩形 11">
             <a:extLst>
               <a:ext uri="{FF2B5EF4-FFF2-40B4-BE49-F238E27FC236}">
-                <a16:creationId xmlns="" xmlns:a16="http://schemas.microsoft.com/office/drawing/2014/main" id="{0FDAD747-108F-4A6D-9220-5EA05067FF1E}"/>
+                <a16:creationId xmlns:a16="http://schemas.microsoft.com/office/drawing/2014/main" xmlns="" id="{0FDAD747-108F-4A6D-9220-5EA05067FF1E}"/>
               </a:ext>
             </a:extLst>
           </p:cNvPr>
@@ -31807,7 +32531,7 @@
           <p:cNvPr id="14" name="矩形 13">
             <a:extLst>
               <a:ext uri="{FF2B5EF4-FFF2-40B4-BE49-F238E27FC236}">
-                <a16:creationId xmlns="" xmlns:a16="http://schemas.microsoft.com/office/drawing/2014/main" id="{C2B44424-4CFE-4BA2-9FCF-F0A911E8A749}"/>
+                <a16:creationId xmlns:a16="http://schemas.microsoft.com/office/drawing/2014/main" xmlns="" id="{C2B44424-4CFE-4BA2-9FCF-F0A911E8A749}"/>
               </a:ext>
             </a:extLst>
           </p:cNvPr>
@@ -31961,7 +32685,7 @@
           <p:cNvPr id="16" name="直接箭头连接符 15">
             <a:extLst>
               <a:ext uri="{FF2B5EF4-FFF2-40B4-BE49-F238E27FC236}">
-                <a16:creationId xmlns="" xmlns:a16="http://schemas.microsoft.com/office/drawing/2014/main" id="{EDD84E7C-3200-40E5-A3C0-E57D7F9E754E}"/>
+                <a16:creationId xmlns:a16="http://schemas.microsoft.com/office/drawing/2014/main" xmlns="" id="{EDD84E7C-3200-40E5-A3C0-E57D7F9E754E}"/>
               </a:ext>
             </a:extLst>
           </p:cNvPr>
@@ -31994,7 +32718,7 @@
           <p:cNvPr id="17" name="矩形 16">
             <a:extLst>
               <a:ext uri="{FF2B5EF4-FFF2-40B4-BE49-F238E27FC236}">
-                <a16:creationId xmlns="" xmlns:a16="http://schemas.microsoft.com/office/drawing/2014/main" id="{0FDAD747-108F-4A6D-9220-5EA05067FF1E}"/>
+                <a16:creationId xmlns:a16="http://schemas.microsoft.com/office/drawing/2014/main" xmlns="" id="{0FDAD747-108F-4A6D-9220-5EA05067FF1E}"/>
               </a:ext>
             </a:extLst>
           </p:cNvPr>
@@ -32041,7 +32765,7 @@
           <p:cNvPr id="18" name="矩形 17">
             <a:extLst>
               <a:ext uri="{FF2B5EF4-FFF2-40B4-BE49-F238E27FC236}">
-                <a16:creationId xmlns="" xmlns:a16="http://schemas.microsoft.com/office/drawing/2014/main" id="{5CEC9FB1-9CBF-4B7B-A321-DF404030F08B}"/>
+                <a16:creationId xmlns:a16="http://schemas.microsoft.com/office/drawing/2014/main" xmlns="" id="{5CEC9FB1-9CBF-4B7B-A321-DF404030F08B}"/>
               </a:ext>
             </a:extLst>
           </p:cNvPr>
@@ -32127,7 +32851,7 @@
           <p:cNvPr id="19" name="直接箭头连接符 18">
             <a:extLst>
               <a:ext uri="{FF2B5EF4-FFF2-40B4-BE49-F238E27FC236}">
-                <a16:creationId xmlns="" xmlns:a16="http://schemas.microsoft.com/office/drawing/2014/main" id="{5A7FC920-9D22-4290-B80F-F4BDC1DE109A}"/>
+                <a16:creationId xmlns:a16="http://schemas.microsoft.com/office/drawing/2014/main" xmlns="" id="{5A7FC920-9D22-4290-B80F-F4BDC1DE109A}"/>
               </a:ext>
             </a:extLst>
           </p:cNvPr>
@@ -32160,7 +32884,7 @@
           <p:cNvPr id="20" name="矩形 19">
             <a:extLst>
               <a:ext uri="{FF2B5EF4-FFF2-40B4-BE49-F238E27FC236}">
-                <a16:creationId xmlns="" xmlns:a16="http://schemas.microsoft.com/office/drawing/2014/main" id="{45B27A13-37E3-4777-9299-E75CAF1F6F9A}"/>
+                <a16:creationId xmlns:a16="http://schemas.microsoft.com/office/drawing/2014/main" xmlns="" id="{45B27A13-37E3-4777-9299-E75CAF1F6F9A}"/>
               </a:ext>
             </a:extLst>
           </p:cNvPr>
@@ -32208,7 +32932,7 @@
           <p:cNvPr id="21" name="图片 20">
             <a:extLst>
               <a:ext uri="{FF2B5EF4-FFF2-40B4-BE49-F238E27FC236}">
-                <a16:creationId xmlns="" xmlns:a16="http://schemas.microsoft.com/office/drawing/2014/main" id="{36569B5B-566F-4C60-9D63-318931B70CA2}"/>
+                <a16:creationId xmlns:a16="http://schemas.microsoft.com/office/drawing/2014/main" xmlns="" id="{36569B5B-566F-4C60-9D63-318931B70CA2}"/>
               </a:ext>
             </a:extLst>
           </p:cNvPr>
@@ -32244,7 +32968,7 @@
           <p:cNvPr id="22" name="矩形 21">
             <a:extLst>
               <a:ext uri="{FF2B5EF4-FFF2-40B4-BE49-F238E27FC236}">
-                <a16:creationId xmlns="" xmlns:a16="http://schemas.microsoft.com/office/drawing/2014/main" id="{2A55BA5B-CE30-435B-95FB-B00B8161E590}"/>
+                <a16:creationId xmlns:a16="http://schemas.microsoft.com/office/drawing/2014/main" xmlns="" id="{2A55BA5B-CE30-435B-95FB-B00B8161E590}"/>
               </a:ext>
             </a:extLst>
           </p:cNvPr>
@@ -32302,7 +33026,7 @@
           <p:cNvPr id="23" name="矩形 22">
             <a:extLst>
               <a:ext uri="{FF2B5EF4-FFF2-40B4-BE49-F238E27FC236}">
-                <a16:creationId xmlns="" xmlns:a16="http://schemas.microsoft.com/office/drawing/2014/main" id="{C2B44424-4CFE-4BA2-9FCF-F0A911E8A749}"/>
+                <a16:creationId xmlns:a16="http://schemas.microsoft.com/office/drawing/2014/main" xmlns="" id="{C2B44424-4CFE-4BA2-9FCF-F0A911E8A749}"/>
               </a:ext>
             </a:extLst>
           </p:cNvPr>
@@ -32413,7 +33137,7 @@
           <p:cNvPr id="25" name="矩形 24">
             <a:extLst>
               <a:ext uri="{FF2B5EF4-FFF2-40B4-BE49-F238E27FC236}">
-                <a16:creationId xmlns="" xmlns:a16="http://schemas.microsoft.com/office/drawing/2014/main" id="{0FDAD747-108F-4A6D-9220-5EA05067FF1E}"/>
+                <a16:creationId xmlns:a16="http://schemas.microsoft.com/office/drawing/2014/main" xmlns="" id="{0FDAD747-108F-4A6D-9220-5EA05067FF1E}"/>
               </a:ext>
             </a:extLst>
           </p:cNvPr>
@@ -32612,7 +33336,7 @@
           <p:cNvPr id="30" name="矩形 29">
             <a:extLst>
               <a:ext uri="{FF2B5EF4-FFF2-40B4-BE49-F238E27FC236}">
-                <a16:creationId xmlns="" xmlns:a16="http://schemas.microsoft.com/office/drawing/2014/main" id="{2A55BA5B-CE30-435B-95FB-B00B8161E590}"/>
+                <a16:creationId xmlns:a16="http://schemas.microsoft.com/office/drawing/2014/main" xmlns="" id="{2A55BA5B-CE30-435B-95FB-B00B8161E590}"/>
               </a:ext>
             </a:extLst>
           </p:cNvPr>
@@ -32680,7 +33404,7 @@
           <p:cNvPr id="27" name="矩形 26">
             <a:extLst>
               <a:ext uri="{FF2B5EF4-FFF2-40B4-BE49-F238E27FC236}">
-                <a16:creationId xmlns="" xmlns:a16="http://schemas.microsoft.com/office/drawing/2014/main" id="{0FDAD747-108F-4A6D-9220-5EA05067FF1E}"/>
+                <a16:creationId xmlns:a16="http://schemas.microsoft.com/office/drawing/2014/main" xmlns="" id="{0FDAD747-108F-4A6D-9220-5EA05067FF1E}"/>
               </a:ext>
             </a:extLst>
           </p:cNvPr>
@@ -32747,7 +33471,7 @@
           <p:cNvPr id="28" name="矩形 13" descr="紫色网格">
             <a:extLst>
               <a:ext uri="{FF2B5EF4-FFF2-40B4-BE49-F238E27FC236}">
-                <a16:creationId xmlns="" xmlns:a16="http://schemas.microsoft.com/office/drawing/2014/main" id="{44AEA09D-FD0A-4CA0-883D-93E5EAF762D6}"/>
+                <a16:creationId xmlns:a16="http://schemas.microsoft.com/office/drawing/2014/main" xmlns="" id="{44AEA09D-FD0A-4CA0-883D-93E5EAF762D6}"/>
               </a:ext>
             </a:extLst>
           </p:cNvPr>
@@ -33141,7 +33865,7 @@
           <p:cNvPr id="7" name="矩形 6">
             <a:extLst>
               <a:ext uri="{FF2B5EF4-FFF2-40B4-BE49-F238E27FC236}">
-                <a16:creationId xmlns="" xmlns:a16="http://schemas.microsoft.com/office/drawing/2014/main" id="{0FDAD747-108F-4A6D-9220-5EA05067FF1E}"/>
+                <a16:creationId xmlns:a16="http://schemas.microsoft.com/office/drawing/2014/main" xmlns="" id="{0FDAD747-108F-4A6D-9220-5EA05067FF1E}"/>
               </a:ext>
             </a:extLst>
           </p:cNvPr>
@@ -33287,7 +34011,7 @@
           <p:cNvPr id="8" name="矩形 13" descr="紫色网格">
             <a:extLst>
               <a:ext uri="{FF2B5EF4-FFF2-40B4-BE49-F238E27FC236}">
-                <a16:creationId xmlns="" xmlns:a16="http://schemas.microsoft.com/office/drawing/2014/main" id="{44AEA09D-FD0A-4CA0-883D-93E5EAF762D6}"/>
+                <a16:creationId xmlns:a16="http://schemas.microsoft.com/office/drawing/2014/main" xmlns="" id="{44AEA09D-FD0A-4CA0-883D-93E5EAF762D6}"/>
               </a:ext>
             </a:extLst>
           </p:cNvPr>
@@ -33576,7 +34300,7 @@
           <p:cNvPr id="9" name="矩形 8">
             <a:extLst>
               <a:ext uri="{FF2B5EF4-FFF2-40B4-BE49-F238E27FC236}">
-                <a16:creationId xmlns="" xmlns:a16="http://schemas.microsoft.com/office/drawing/2014/main" id="{0FDAD747-108F-4A6D-9220-5EA05067FF1E}"/>
+                <a16:creationId xmlns:a16="http://schemas.microsoft.com/office/drawing/2014/main" xmlns="" id="{0FDAD747-108F-4A6D-9220-5EA05067FF1E}"/>
               </a:ext>
             </a:extLst>
           </p:cNvPr>
@@ -33686,7 +34410,7 @@
           <p:cNvPr id="9" name="矩形 8">
             <a:extLst>
               <a:ext uri="{FF2B5EF4-FFF2-40B4-BE49-F238E27FC236}">
-                <a16:creationId xmlns="" xmlns:a16="http://schemas.microsoft.com/office/drawing/2014/main" id="{AB1DF3D9-EC08-40CA-853D-48B16F99EE56}"/>
+                <a16:creationId xmlns:a16="http://schemas.microsoft.com/office/drawing/2014/main" xmlns="" id="{AB1DF3D9-EC08-40CA-853D-48B16F99EE56}"/>
               </a:ext>
             </a:extLst>
           </p:cNvPr>
@@ -33877,7 +34601,7 @@
           <p:cNvPr id="8" name="矩形 7">
             <a:extLst>
               <a:ext uri="{FF2B5EF4-FFF2-40B4-BE49-F238E27FC236}">
-                <a16:creationId xmlns="" xmlns:a16="http://schemas.microsoft.com/office/drawing/2014/main" id="{0FDAD747-108F-4A6D-9220-5EA05067FF1E}"/>
+                <a16:creationId xmlns:a16="http://schemas.microsoft.com/office/drawing/2014/main" xmlns="" id="{0FDAD747-108F-4A6D-9220-5EA05067FF1E}"/>
               </a:ext>
             </a:extLst>
           </p:cNvPr>
